--- a/LLM Chatbot.pptx
+++ b/LLM Chatbot.pptx
@@ -5,7 +5,7 @@
     <p:sldMasterId id="2147483648" r:id="rId1"/>
   </p:sldMasterIdLst>
   <p:notesMasterIdLst>
-    <p:notesMasterId r:id="rId16"/>
+    <p:notesMasterId r:id="rId17"/>
   </p:notesMasterIdLst>
   <p:sldIdLst>
     <p:sldId id="256" r:id="rId2"/>
@@ -18,21 +18,22 @@
     <p:sldId id="343" r:id="rId9"/>
     <p:sldId id="345" r:id="rId10"/>
     <p:sldId id="331" r:id="rId11"/>
-    <p:sldId id="356" r:id="rId12"/>
-    <p:sldId id="351" r:id="rId13"/>
-    <p:sldId id="335" r:id="rId14"/>
-    <p:sldId id="337" r:id="rId15"/>
+    <p:sldId id="357" r:id="rId12"/>
+    <p:sldId id="356" r:id="rId13"/>
+    <p:sldId id="351" r:id="rId14"/>
+    <p:sldId id="335" r:id="rId15"/>
+    <p:sldId id="337" r:id="rId16"/>
   </p:sldIdLst>
   <p:sldSz cx="9144000" cy="5143500" type="screen16x9"/>
   <p:notesSz cx="6858000" cy="9144000"/>
   <p:embeddedFontLst>
     <p:embeddedFont>
       <p:font typeface="Oxygen Light" panose="02000303000000000000" pitchFamily="2" charset="0"/>
-      <p:regular r:id="rId17"/>
+      <p:regular r:id="rId18"/>
     </p:embeddedFont>
     <p:embeddedFont>
       <p:font typeface="Zilla Slab SemiBold" panose="020B0604020202020204" charset="0"/>
-      <p:bold r:id="rId18"/>
+      <p:bold r:id="rId19"/>
     </p:embeddedFont>
   </p:embeddedFontLst>
   <p:defaultTextStyle>
@@ -992,6 +993,133 @@
         <p:cNvPr id="1" name="Shape 855">
           <a:extLst>
             <a:ext uri="{FF2B5EF4-FFF2-40B4-BE49-F238E27FC236}">
+              <a16:creationId xmlns:a16="http://schemas.microsoft.com/office/drawing/2014/main" id="{91190463-F2DF-B0AC-0096-0696B26495B3}"/>
+            </a:ext>
+          </a:extLst>
+        </p:cNvPr>
+        <p:cNvGrpSpPr/>
+        <p:nvPr/>
+      </p:nvGrpSpPr>
+      <p:grpSpPr>
+        <a:xfrm>
+          <a:off x="0" y="0"/>
+          <a:ext cx="0" cy="0"/>
+          <a:chOff x="0" y="0"/>
+          <a:chExt cx="0" cy="0"/>
+        </a:xfrm>
+      </p:grpSpPr>
+      <p:sp>
+        <p:nvSpPr>
+          <p:cNvPr id="856" name="Google Shape;856;p76:notes">
+            <a:extLst>
+              <a:ext uri="{FF2B5EF4-FFF2-40B4-BE49-F238E27FC236}">
+                <a16:creationId xmlns:a16="http://schemas.microsoft.com/office/drawing/2014/main" id="{766450F0-8D35-F649-4E3D-BC5FDDAA7DAA}"/>
+              </a:ext>
+            </a:extLst>
+          </p:cNvPr>
+          <p:cNvSpPr txBox="1">
+            <a:spLocks noGrp="1"/>
+          </p:cNvSpPr>
+          <p:nvPr>
+            <p:ph type="body" idx="1"/>
+          </p:nvPr>
+        </p:nvSpPr>
+        <p:spPr>
+          <a:xfrm>
+            <a:off x="685800" y="4343400"/>
+            <a:ext cx="5486400" cy="4114800"/>
+          </a:xfrm>
+          <a:prstGeom prst="rect">
+            <a:avLst/>
+          </a:prstGeom>
+        </p:spPr>
+        <p:txBody>
+          <a:bodyPr spcFirstLastPara="1" wrap="square" lIns="91425" tIns="91425" rIns="91425" bIns="91425" anchor="t" anchorCtr="0">
+            <a:noAutofit/>
+          </a:bodyPr>
+          <a:lstStyle/>
+          <a:p>
+            <a:pPr marL="0" lvl="0" indent="0" algn="l" rtl="0">
+              <a:spcBef>
+                <a:spcPts val="0"/>
+              </a:spcBef>
+              <a:spcAft>
+                <a:spcPts val="0"/>
+              </a:spcAft>
+              <a:buNone/>
+            </a:pPr>
+            <a:endParaRPr/>
+          </a:p>
+        </p:txBody>
+      </p:sp>
+      <p:sp>
+        <p:nvSpPr>
+          <p:cNvPr id="857" name="Google Shape;857;p76:notes">
+            <a:extLst>
+              <a:ext uri="{FF2B5EF4-FFF2-40B4-BE49-F238E27FC236}">
+                <a16:creationId xmlns:a16="http://schemas.microsoft.com/office/drawing/2014/main" id="{CC135A5A-849D-695F-1A4C-D5A87CBD27A1}"/>
+              </a:ext>
+            </a:extLst>
+          </p:cNvPr>
+          <p:cNvSpPr>
+            <a:spLocks noGrp="1" noRot="1" noChangeAspect="1"/>
+          </p:cNvSpPr>
+          <p:nvPr>
+            <p:ph type="sldImg" idx="2"/>
+          </p:nvPr>
+        </p:nvSpPr>
+        <p:spPr>
+          <a:xfrm>
+            <a:off x="381000" y="685800"/>
+            <a:ext cx="6096000" cy="3429000"/>
+          </a:xfrm>
+          <a:custGeom>
+            <a:avLst/>
+            <a:gdLst/>
+            <a:ahLst/>
+            <a:cxnLst/>
+            <a:rect l="l" t="t" r="r" b="b"/>
+            <a:pathLst>
+              <a:path w="120000" h="120000" extrusionOk="0">
+                <a:moveTo>
+                  <a:pt x="0" y="0"/>
+                </a:moveTo>
+                <a:lnTo>
+                  <a:pt x="120000" y="0"/>
+                </a:lnTo>
+                <a:lnTo>
+                  <a:pt x="120000" y="120000"/>
+                </a:lnTo>
+                <a:lnTo>
+                  <a:pt x="0" y="120000"/>
+                </a:lnTo>
+                <a:close/>
+              </a:path>
+            </a:pathLst>
+          </a:custGeom>
+        </p:spPr>
+      </p:sp>
+    </p:spTree>
+    <p:extLst>
+      <p:ext uri="{BB962C8B-B14F-4D97-AF65-F5344CB8AC3E}">
+        <p14:creationId xmlns:p14="http://schemas.microsoft.com/office/powerpoint/2010/main" val="3763362028"/>
+      </p:ext>
+    </p:extLst>
+  </p:cSld>
+  <p:clrMapOvr>
+    <a:masterClrMapping/>
+  </p:clrMapOvr>
+</p:notes>
+</file>
+
+<file path=ppt/notesSlides/notesSlide11.xml><?xml version="1.0" encoding="utf-8"?>
+<p:notes xmlns:a="http://schemas.openxmlformats.org/drawingml/2006/main" xmlns:r="http://schemas.openxmlformats.org/officeDocument/2006/relationships" xmlns:p="http://schemas.openxmlformats.org/presentationml/2006/main" showMasterSp="0" showMasterPhAnim="0">
+  <p:cSld>
+    <p:spTree>
+      <p:nvGrpSpPr>
+        <p:cNvPr id="1" name="Shape 855">
+          <a:extLst>
+            <a:ext uri="{FF2B5EF4-FFF2-40B4-BE49-F238E27FC236}">
               <a16:creationId xmlns:a16="http://schemas.microsoft.com/office/drawing/2014/main" id="{11B982AA-0467-9629-DCC9-03C0E5D7C696}"/>
             </a:ext>
           </a:extLst>
@@ -1111,7 +1239,7 @@
 </p:notes>
 </file>
 
-<file path=ppt/notesSlides/notesSlide11.xml><?xml version="1.0" encoding="utf-8"?>
+<file path=ppt/notesSlides/notesSlide12.xml><?xml version="1.0" encoding="utf-8"?>
 <p:notes xmlns:a="http://schemas.openxmlformats.org/drawingml/2006/main" xmlns:r="http://schemas.openxmlformats.org/officeDocument/2006/relationships" xmlns:p="http://schemas.openxmlformats.org/presentationml/2006/main" showMasterSp="0" showMasterPhAnim="0">
   <p:cSld>
     <p:spTree>
@@ -1238,7 +1366,7 @@
 </p:notes>
 </file>
 
-<file path=ppt/notesSlides/notesSlide12.xml><?xml version="1.0" encoding="utf-8"?>
+<file path=ppt/notesSlides/notesSlide13.xml><?xml version="1.0" encoding="utf-8"?>
 <p:notes xmlns:a="http://schemas.openxmlformats.org/drawingml/2006/main" xmlns:r="http://schemas.openxmlformats.org/officeDocument/2006/relationships" xmlns:p="http://schemas.openxmlformats.org/presentationml/2006/main" showMasterSp="0" showMasterPhAnim="0">
   <p:cSld>
     <p:spTree>
@@ -1360,7 +1488,7 @@
 </p:notes>
 </file>
 
-<file path=ppt/notesSlides/notesSlide13.xml><?xml version="1.0" encoding="utf-8"?>
+<file path=ppt/notesSlides/notesSlide14.xml><?xml version="1.0" encoding="utf-8"?>
 <p:notes xmlns:a="http://schemas.openxmlformats.org/drawingml/2006/main" xmlns:r="http://schemas.openxmlformats.org/officeDocument/2006/relationships" xmlns:p="http://schemas.openxmlformats.org/presentationml/2006/main" showMasterSp="0" showMasterPhAnim="0">
   <p:cSld>
     <p:spTree>
@@ -9637,8 +9765,8 @@
         </p:nvSpPr>
         <p:spPr>
           <a:xfrm>
-            <a:off x="1054315" y="1945484"/>
-            <a:ext cx="7342075" cy="769441"/>
+            <a:off x="1123245" y="1945484"/>
+            <a:ext cx="7204215" cy="769441"/>
           </a:xfrm>
           <a:prstGeom prst="rect">
             <a:avLst/>
@@ -9660,7 +9788,7 @@
                 <a:latin typeface="Times New Roman" panose="02020603050405020304"/>
                 <a:cs typeface="Times New Roman" panose="02020603050405020304"/>
               </a:rPr>
-              <a:t>Design and Implementation of a Low-Code Conversational </a:t>
+              <a:t>A Low-Code Framework for Conversational AI Assistants</a:t>
             </a:r>
           </a:p>
           <a:p>
@@ -9673,7 +9801,7 @@
                 <a:latin typeface="Times New Roman" panose="02020603050405020304"/>
                 <a:cs typeface="Times New Roman" panose="02020603050405020304"/>
               </a:rPr>
-              <a:t>AI Assistant using RAG and LLM Models </a:t>
+              <a:t> Leveraging Retrieval-Augmented Generation and LLMs</a:t>
             </a:r>
             <a:endParaRPr lang="en-US" sz="2200" b="1" dirty="0">
               <a:solidFill>
@@ -10204,6 +10332,378 @@
               <a:buNone/>
             </a:pPr>
             <a:r>
+              <a:rPr lang="en-US" sz="3000" b="1" dirty="0">
+                <a:solidFill>
+                  <a:schemeClr val="accent2"/>
+                </a:solidFill>
+                <a:latin typeface="Times New Roman" panose="02020603050405020304"/>
+                <a:ea typeface="Zilla Slab SemiBold"/>
+                <a:cs typeface="Times New Roman" panose="02020603050405020304"/>
+                <a:sym typeface="Times New Roman" panose="02020603050405020304"/>
+              </a:rPr>
+              <a:t>Literature Review</a:t>
+            </a:r>
+            <a:endParaRPr sz="3000" b="1" i="0" u="none" strike="noStrike" cap="none" dirty="0">
+              <a:solidFill>
+                <a:schemeClr val="accent2"/>
+              </a:solidFill>
+              <a:latin typeface="Zilla Slab SemiBold"/>
+              <a:ea typeface="Zilla Slab SemiBold"/>
+              <a:cs typeface="Zilla Slab SemiBold"/>
+              <a:sym typeface="Zilla Slab SemiBold"/>
+            </a:endParaRPr>
+          </a:p>
+        </p:txBody>
+      </p:sp>
+      <p:sp>
+        <p:nvSpPr>
+          <p:cNvPr id="3" name="TextBox 2">
+            <a:extLst>
+              <a:ext uri="{FF2B5EF4-FFF2-40B4-BE49-F238E27FC236}">
+                <a16:creationId xmlns:a16="http://schemas.microsoft.com/office/drawing/2014/main" id="{75A29F04-9BFB-9AB5-D297-2F136C6E8467}"/>
+              </a:ext>
+            </a:extLst>
+          </p:cNvPr>
+          <p:cNvSpPr txBox="1"/>
+          <p:nvPr/>
+        </p:nvSpPr>
+        <p:spPr>
+          <a:xfrm>
+            <a:off x="424158" y="809541"/>
+            <a:ext cx="8187932" cy="3754874"/>
+          </a:xfrm>
+          <a:prstGeom prst="rect">
+            <a:avLst/>
+          </a:prstGeom>
+          <a:noFill/>
+        </p:spPr>
+        <p:txBody>
+          <a:bodyPr wrap="square">
+            <a:spAutoFit/>
+          </a:bodyPr>
+          <a:lstStyle/>
+          <a:p>
+            <a:pPr marL="285750" indent="-285750" algn="just">
+              <a:buFont typeface="Arial" panose="020B0604020202020204" pitchFamily="34" charset="0"/>
+              <a:buChar char="•"/>
+            </a:pPr>
+            <a:r>
+              <a:rPr lang="en-US" dirty="0"/>
+              <a:t>Conversational AI has evolved from rule-based systems to neural models and, more recently, to large language models (LLMs) such as GPT-3, </a:t>
+            </a:r>
+            <a:r>
+              <a:rPr lang="en-US" dirty="0" err="1"/>
+              <a:t>PaLM</a:t>
+            </a:r>
+            <a:r>
+              <a:rPr lang="en-US" dirty="0"/>
+              <a:t>, and </a:t>
+            </a:r>
+            <a:r>
+              <a:rPr lang="en-US" dirty="0" err="1"/>
+              <a:t>LLaMA</a:t>
+            </a:r>
+            <a:r>
+              <a:rPr lang="en-US" dirty="0"/>
+              <a:t>, which enable fluent and rich dialogues but often suffer from hallucinations in domain-specific contexts. </a:t>
+            </a:r>
+          </a:p>
+          <a:p>
+            <a:pPr marL="285750" indent="-285750">
+              <a:buFont typeface="Arial" panose="020B0604020202020204" pitchFamily="34" charset="0"/>
+              <a:buChar char="•"/>
+            </a:pPr>
+            <a:endParaRPr lang="en-US" dirty="0"/>
+          </a:p>
+          <a:p>
+            <a:pPr marL="285750" indent="-285750" algn="just">
+              <a:buFont typeface="Arial" panose="020B0604020202020204" pitchFamily="34" charset="0"/>
+              <a:buChar char="•"/>
+            </a:pPr>
+            <a:r>
+              <a:rPr lang="en-US" dirty="0"/>
+              <a:t>Retrieval-Augmented Generation (RAG) addresses this limitation by grounding responses in external knowledge, with early models like REALM and DPR improving factual accuracy. Advances in vector search through </a:t>
+            </a:r>
+            <a:r>
+              <a:rPr lang="en-US" b="1" dirty="0"/>
+              <a:t>FAISS, Milvus, Pinecone and Oracle 23ai </a:t>
+            </a:r>
+            <a:r>
+              <a:rPr lang="en-US" dirty="0"/>
+              <a:t>have enabled scalable and efficient retrieval for large document collections.</a:t>
+            </a:r>
+          </a:p>
+          <a:p>
+            <a:pPr marL="285750" indent="-285750">
+              <a:buFont typeface="Arial" panose="020B0604020202020204" pitchFamily="34" charset="0"/>
+              <a:buChar char="•"/>
+            </a:pPr>
+            <a:endParaRPr lang="en-US" dirty="0"/>
+          </a:p>
+          <a:p>
+            <a:pPr marL="285750" indent="-285750" algn="just">
+              <a:buFont typeface="Arial" panose="020B0604020202020204" pitchFamily="34" charset="0"/>
+              <a:buChar char="•"/>
+            </a:pPr>
+            <a:r>
+              <a:rPr lang="en-US" dirty="0"/>
+              <a:t>In parallel, low-code and no-code platforms such as </a:t>
+            </a:r>
+            <a:r>
+              <a:rPr lang="en-US" dirty="0" err="1"/>
+              <a:t>Mendix</a:t>
+            </a:r>
+            <a:r>
+              <a:rPr lang="en-US" dirty="0"/>
+              <a:t>, PowerApps, Rasa X, and Botpress make application development more accessible but lack seamless integration of RAG pipelines. Middleware frameworks like </a:t>
+            </a:r>
+            <a:r>
+              <a:rPr lang="en-US" dirty="0" err="1"/>
+              <a:t>LangChain</a:t>
+            </a:r>
+            <a:r>
+              <a:rPr lang="en-US" dirty="0"/>
+              <a:t>, </a:t>
+            </a:r>
+            <a:r>
+              <a:rPr lang="en-US" dirty="0" err="1"/>
+              <a:t>LlamaIndex</a:t>
+            </a:r>
+            <a:r>
+              <a:rPr lang="en-US" dirty="0"/>
+              <a:t>, and Semantic Kernel allow orchestration of LLMs with retrieval but require significant coding expertise. </a:t>
+            </a:r>
+          </a:p>
+          <a:p>
+            <a:pPr marL="285750" indent="-285750" algn="just">
+              <a:buFont typeface="Arial" panose="020B0604020202020204" pitchFamily="34" charset="0"/>
+              <a:buChar char="•"/>
+            </a:pPr>
+            <a:endParaRPr lang="en-US" dirty="0"/>
+          </a:p>
+          <a:p>
+            <a:pPr marL="285750" indent="-285750" algn="just">
+              <a:buFont typeface="Arial" panose="020B0604020202020204" pitchFamily="34" charset="0"/>
+              <a:buChar char="•"/>
+            </a:pPr>
+            <a:r>
+              <a:rPr lang="en-US" dirty="0"/>
+              <a:t>Thus, a research gap exists for an end-to-end low-code framework that combines </a:t>
+            </a:r>
+            <a:r>
+              <a:rPr lang="en-US" b="1" dirty="0"/>
+              <a:t>LLMs and RAG </a:t>
+            </a:r>
+            <a:r>
+              <a:rPr lang="en-US" dirty="0"/>
+              <a:t>with built-in governance, monitoring, and evaluation, enabling non-expert users to build reliable, domain-specific conversational assistants.</a:t>
+            </a:r>
+            <a:endParaRPr lang="en-IN" dirty="0"/>
+          </a:p>
+        </p:txBody>
+      </p:sp>
+    </p:spTree>
+  </p:cSld>
+  <p:clrMapOvr>
+    <a:masterClrMapping/>
+  </p:clrMapOvr>
+  <p:transition>
+    <p:fade thruBlk="1"/>
+  </p:transition>
+</p:sld>
+</file>
+
+<file path=ppt/slides/slide11.xml><?xml version="1.0" encoding="utf-8"?>
+<p:sld xmlns:a="http://schemas.openxmlformats.org/drawingml/2006/main" xmlns:r="http://schemas.openxmlformats.org/officeDocument/2006/relationships" xmlns:p="http://schemas.openxmlformats.org/presentationml/2006/main">
+  <p:cSld>
+    <p:spTree>
+      <p:nvGrpSpPr>
+        <p:cNvPr id="1" name="Shape 858">
+          <a:extLst>
+            <a:ext uri="{FF2B5EF4-FFF2-40B4-BE49-F238E27FC236}">
+              <a16:creationId xmlns:a16="http://schemas.microsoft.com/office/drawing/2014/main" id="{CBB93395-35DC-8506-C124-5E52FC58A225}"/>
+            </a:ext>
+          </a:extLst>
+        </p:cNvPr>
+        <p:cNvGrpSpPr/>
+        <p:nvPr/>
+      </p:nvGrpSpPr>
+      <p:grpSpPr>
+        <a:xfrm>
+          <a:off x="0" y="0"/>
+          <a:ext cx="0" cy="0"/>
+          <a:chOff x="0" y="0"/>
+          <a:chExt cx="0" cy="0"/>
+        </a:xfrm>
+      </p:grpSpPr>
+      <p:sp>
+        <p:nvSpPr>
+          <p:cNvPr id="859" name="Google Shape;859;p76">
+            <a:extLst>
+              <a:ext uri="{FF2B5EF4-FFF2-40B4-BE49-F238E27FC236}">
+                <a16:creationId xmlns:a16="http://schemas.microsoft.com/office/drawing/2014/main" id="{262F4A20-F451-DCD6-DB8B-9E7BCF101143}"/>
+              </a:ext>
+            </a:extLst>
+          </p:cNvPr>
+          <p:cNvSpPr txBox="1">
+            <a:spLocks noGrp="1"/>
+          </p:cNvSpPr>
+          <p:nvPr>
+            <p:ph type="sldNum" idx="12"/>
+          </p:nvPr>
+        </p:nvSpPr>
+        <p:spPr>
+          <a:xfrm>
+            <a:off x="8404384" y="4673651"/>
+            <a:ext cx="548700" cy="393600"/>
+          </a:xfrm>
+          <a:prstGeom prst="rect">
+            <a:avLst/>
+          </a:prstGeom>
+          <a:noFill/>
+          <a:ln>
+            <a:noFill/>
+          </a:ln>
+        </p:spPr>
+        <p:txBody>
+          <a:bodyPr spcFirstLastPara="1" wrap="square" lIns="0" tIns="0" rIns="0" bIns="0" anchor="ctr" anchorCtr="0">
+            <a:noAutofit/>
+          </a:bodyPr>
+          <a:lstStyle/>
+          <a:p>
+            <a:pPr marL="0" lvl="0" indent="0" algn="r" rtl="0">
+              <a:lnSpc>
+                <a:spcPct val="100000"/>
+              </a:lnSpc>
+              <a:spcBef>
+                <a:spcPts val="0"/>
+              </a:spcBef>
+              <a:spcAft>
+                <a:spcPts val="0"/>
+              </a:spcAft>
+              <a:buSzPts val="1500"/>
+              <a:buNone/>
+            </a:pPr>
+            <a:fld id="{00000000-1234-1234-1234-123412341234}" type="slidenum">
+              <a:rPr lang="en-US">
+                <a:solidFill>
+                  <a:schemeClr val="dk1"/>
+                </a:solidFill>
+              </a:rPr>
+              <a:t>11</a:t>
+            </a:fld>
+            <a:endParaRPr>
+              <a:solidFill>
+                <a:schemeClr val="dk1"/>
+              </a:solidFill>
+            </a:endParaRPr>
+          </a:p>
+        </p:txBody>
+      </p:sp>
+      <p:sp>
+        <p:nvSpPr>
+          <p:cNvPr id="860" name="Google Shape;860;p76">
+            <a:extLst>
+              <a:ext uri="{FF2B5EF4-FFF2-40B4-BE49-F238E27FC236}">
+                <a16:creationId xmlns:a16="http://schemas.microsoft.com/office/drawing/2014/main" id="{230666F3-F12E-91C5-6DA7-FD9F97F7D547}"/>
+              </a:ext>
+            </a:extLst>
+          </p:cNvPr>
+          <p:cNvSpPr/>
+          <p:nvPr/>
+        </p:nvSpPr>
+        <p:spPr>
+          <a:xfrm>
+            <a:off x="813660" y="970303"/>
+            <a:ext cx="7644968" cy="412750"/>
+          </a:xfrm>
+          <a:prstGeom prst="rect">
+            <a:avLst/>
+          </a:prstGeom>
+          <a:noFill/>
+          <a:ln>
+            <a:noFill/>
+          </a:ln>
+        </p:spPr>
+        <p:txBody>
+          <a:bodyPr spcFirstLastPara="1" wrap="square" lIns="91425" tIns="45700" rIns="91425" bIns="45700" anchor="t" anchorCtr="0">
+            <a:spAutoFit/>
+          </a:bodyPr>
+          <a:lstStyle/>
+          <a:p>
+            <a:pPr marL="0" marR="0" lvl="0" indent="0" algn="l" rtl="0">
+              <a:lnSpc>
+                <a:spcPct val="150000"/>
+              </a:lnSpc>
+              <a:spcBef>
+                <a:spcPts val="0"/>
+              </a:spcBef>
+              <a:spcAft>
+                <a:spcPts val="0"/>
+              </a:spcAft>
+              <a:buNone/>
+            </a:pPr>
+            <a:endParaRPr sz="1400" b="0" i="0" u="none" strike="noStrike" cap="none">
+              <a:solidFill>
+                <a:srgbClr val="000000"/>
+              </a:solidFill>
+              <a:latin typeface="Times New Roman" panose="02020603050405020304"/>
+              <a:ea typeface="Times New Roman" panose="02020603050405020304"/>
+              <a:cs typeface="Times New Roman" panose="02020603050405020304"/>
+              <a:sym typeface="Times New Roman" panose="02020603050405020304"/>
+            </a:endParaRPr>
+          </a:p>
+        </p:txBody>
+      </p:sp>
+      <p:sp>
+        <p:nvSpPr>
+          <p:cNvPr id="861" name="Google Shape;861;p76">
+            <a:extLst>
+              <a:ext uri="{FF2B5EF4-FFF2-40B4-BE49-F238E27FC236}">
+                <a16:creationId xmlns:a16="http://schemas.microsoft.com/office/drawing/2014/main" id="{30CBA110-1658-CC77-A229-2F074F603A71}"/>
+              </a:ext>
+            </a:extLst>
+          </p:cNvPr>
+          <p:cNvSpPr txBox="1"/>
+          <p:nvPr/>
+        </p:nvSpPr>
+        <p:spPr>
+          <a:xfrm>
+            <a:off x="424158" y="342573"/>
+            <a:ext cx="7049322" cy="466968"/>
+          </a:xfrm>
+          <a:prstGeom prst="rect">
+            <a:avLst/>
+          </a:prstGeom>
+          <a:noFill/>
+          <a:ln>
+            <a:noFill/>
+          </a:ln>
+        </p:spPr>
+        <p:txBody>
+          <a:bodyPr spcFirstLastPara="1" wrap="square" lIns="0" tIns="0" rIns="0" bIns="0" anchor="t" anchorCtr="0">
+            <a:noAutofit/>
+          </a:bodyPr>
+          <a:lstStyle/>
+          <a:p>
+            <a:pPr marL="0" marR="0" lvl="0" indent="0" algn="l" rtl="0">
+              <a:lnSpc>
+                <a:spcPct val="90000"/>
+              </a:lnSpc>
+              <a:spcBef>
+                <a:spcPts val="0"/>
+              </a:spcBef>
+              <a:spcAft>
+                <a:spcPts val="0"/>
+              </a:spcAft>
+              <a:buClr>
+                <a:schemeClr val="accent2"/>
+              </a:buClr>
+              <a:buSzPts val="3200"/>
+              <a:buFont typeface="Zilla Slab SemiBold"/>
+              <a:buNone/>
+            </a:pPr>
+            <a:r>
               <a:rPr lang="en-US" sz="3000" b="1" i="0" u="none" strike="noStrike" cap="none" dirty="0">
                 <a:solidFill>
                   <a:schemeClr val="accent2"/>
@@ -10232,7 +10732,7 @@
           <p:cNvPr id="3" name="TextBox 2">
             <a:extLst>
               <a:ext uri="{FF2B5EF4-FFF2-40B4-BE49-F238E27FC236}">
-                <a16:creationId xmlns:a16="http://schemas.microsoft.com/office/drawing/2014/main" id="{75A29F04-9BFB-9AB5-D297-2F136C6E8467}"/>
+                <a16:creationId xmlns:a16="http://schemas.microsoft.com/office/drawing/2014/main" id="{999ACFDB-6BCD-D661-8570-8DA2BB596ABE}"/>
               </a:ext>
             </a:extLst>
           </p:cNvPr>
@@ -10387,6 +10887,11 @@
         </p:txBody>
       </p:sp>
     </p:spTree>
+    <p:extLst>
+      <p:ext uri="{BB962C8B-B14F-4D97-AF65-F5344CB8AC3E}">
+        <p14:creationId xmlns:p14="http://schemas.microsoft.com/office/powerpoint/2010/main" val="3184085303"/>
+      </p:ext>
+    </p:extLst>
   </p:cSld>
   <p:clrMapOvr>
     <a:masterClrMapping/>
@@ -10397,7 +10902,7 @@
 </p:sld>
 </file>
 
-<file path=ppt/slides/slide11.xml><?xml version="1.0" encoding="utf-8"?>
+<file path=ppt/slides/slide12.xml><?xml version="1.0" encoding="utf-8"?>
 <p:sld xmlns:a="http://schemas.openxmlformats.org/drawingml/2006/main" xmlns:r="http://schemas.openxmlformats.org/officeDocument/2006/relationships" xmlns:p="http://schemas.openxmlformats.org/presentationml/2006/main">
   <p:cSld>
     <p:spTree>
@@ -10474,7 +10979,7 @@
                   <a:schemeClr val="dk1"/>
                 </a:solidFill>
               </a:rPr>
-              <a:t>11</a:t>
+              <a:t>12</a:t>
             </a:fld>
             <a:endParaRPr>
               <a:solidFill>
@@ -10795,7 +11300,7 @@
 </p:sld>
 </file>
 
-<file path=ppt/slides/slide12.xml><?xml version="1.0" encoding="utf-8"?>
+<file path=ppt/slides/slide13.xml><?xml version="1.0" encoding="utf-8"?>
 <p:sld xmlns:a="http://schemas.openxmlformats.org/drawingml/2006/main" xmlns:r="http://schemas.openxmlformats.org/officeDocument/2006/relationships" xmlns:p="http://schemas.openxmlformats.org/presentationml/2006/main">
   <p:cSld>
     <p:spTree>
@@ -10872,7 +11377,7 @@
                   <a:schemeClr val="dk1"/>
                 </a:solidFill>
               </a:rPr>
-              <a:t>12</a:t>
+              <a:t>13</a:t>
             </a:fld>
             <a:endParaRPr>
               <a:solidFill>
@@ -11196,7 +11701,7 @@
 </p:sld>
 </file>
 
-<file path=ppt/slides/slide13.xml><?xml version="1.0" encoding="utf-8"?>
+<file path=ppt/slides/slide14.xml><?xml version="1.0" encoding="utf-8"?>
 <p:sld xmlns:a="http://schemas.openxmlformats.org/drawingml/2006/main" xmlns:r="http://schemas.openxmlformats.org/officeDocument/2006/relationships" xmlns:p="http://schemas.openxmlformats.org/presentationml/2006/main">
   <p:cSld>
     <p:spTree>
@@ -11331,7 +11836,7 @@
                   <a:schemeClr val="dk1"/>
                 </a:solidFill>
               </a:rPr>
-              <a:t>13</a:t>
+              <a:t>14</a:t>
             </a:fld>
             <a:endParaRPr>
               <a:solidFill>
@@ -12521,7 +13026,7 @@
 </p:sld>
 </file>
 
-<file path=ppt/slides/slide14.xml><?xml version="1.0" encoding="utf-8"?>
+<file path=ppt/slides/slide15.xml><?xml version="1.0" encoding="utf-8"?>
 <p:sld xmlns:a="http://schemas.openxmlformats.org/drawingml/2006/main" xmlns:r="http://schemas.openxmlformats.org/officeDocument/2006/relationships" xmlns:p="http://schemas.openxmlformats.org/presentationml/2006/main">
   <p:cSld>
     <p:spTree>

--- a/LLM Chatbot.pptx
+++ b/LLM Chatbot.pptx
@@ -5,7 +5,7 @@
     <p:sldMasterId id="2147483648" r:id="rId1"/>
   </p:sldMasterIdLst>
   <p:notesMasterIdLst>
-    <p:notesMasterId r:id="rId17"/>
+    <p:notesMasterId r:id="rId19"/>
   </p:notesMasterIdLst>
   <p:sldIdLst>
     <p:sldId id="256" r:id="rId2"/>
@@ -17,23 +17,25 @@
     <p:sldId id="274" r:id="rId8"/>
     <p:sldId id="343" r:id="rId9"/>
     <p:sldId id="345" r:id="rId10"/>
-    <p:sldId id="331" r:id="rId11"/>
-    <p:sldId id="357" r:id="rId12"/>
-    <p:sldId id="356" r:id="rId13"/>
-    <p:sldId id="351" r:id="rId14"/>
-    <p:sldId id="335" r:id="rId15"/>
-    <p:sldId id="337" r:id="rId16"/>
+    <p:sldId id="360" r:id="rId11"/>
+    <p:sldId id="331" r:id="rId12"/>
+    <p:sldId id="358" r:id="rId13"/>
+    <p:sldId id="357" r:id="rId14"/>
+    <p:sldId id="356" r:id="rId15"/>
+    <p:sldId id="351" r:id="rId16"/>
+    <p:sldId id="335" r:id="rId17"/>
+    <p:sldId id="337" r:id="rId18"/>
   </p:sldIdLst>
   <p:sldSz cx="9144000" cy="5143500" type="screen16x9"/>
   <p:notesSz cx="6858000" cy="9144000"/>
   <p:embeddedFontLst>
     <p:embeddedFont>
       <p:font typeface="Oxygen Light" panose="02000303000000000000" pitchFamily="2" charset="0"/>
-      <p:regular r:id="rId18"/>
+      <p:regular r:id="rId20"/>
     </p:embeddedFont>
     <p:embeddedFont>
       <p:font typeface="Zilla Slab SemiBold" panose="020B0604020202020204" charset="0"/>
-      <p:bold r:id="rId19"/>
+      <p:bold r:id="rId21"/>
     </p:embeddedFont>
   </p:embeddedFontLst>
   <p:defaultTextStyle>
@@ -990,6 +992,237 @@
   <p:cSld>
     <p:spTree>
       <p:nvGrpSpPr>
+        <p:cNvPr id="1" name="Shape 855"/>
+        <p:cNvGrpSpPr/>
+        <p:nvPr/>
+      </p:nvGrpSpPr>
+      <p:grpSpPr>
+        <a:xfrm>
+          <a:off x="0" y="0"/>
+          <a:ext cx="0" cy="0"/>
+          <a:chOff x="0" y="0"/>
+          <a:chExt cx="0" cy="0"/>
+        </a:xfrm>
+      </p:grpSpPr>
+      <p:sp>
+        <p:nvSpPr>
+          <p:cNvPr id="856" name="Google Shape;856;p76:notes"/>
+          <p:cNvSpPr txBox="1">
+            <a:spLocks noGrp="1"/>
+          </p:cNvSpPr>
+          <p:nvPr>
+            <p:ph type="body" idx="1"/>
+          </p:nvPr>
+        </p:nvSpPr>
+        <p:spPr>
+          <a:xfrm>
+            <a:off x="685800" y="4343400"/>
+            <a:ext cx="5486400" cy="4114800"/>
+          </a:xfrm>
+          <a:prstGeom prst="rect">
+            <a:avLst/>
+          </a:prstGeom>
+        </p:spPr>
+        <p:txBody>
+          <a:bodyPr spcFirstLastPara="1" wrap="square" lIns="91425" tIns="91425" rIns="91425" bIns="91425" anchor="t" anchorCtr="0">
+            <a:noAutofit/>
+          </a:bodyPr>
+          <a:lstStyle/>
+          <a:p>
+            <a:pPr marL="0" lvl="0" indent="0" algn="l" rtl="0">
+              <a:spcBef>
+                <a:spcPts val="0"/>
+              </a:spcBef>
+              <a:spcAft>
+                <a:spcPts val="0"/>
+              </a:spcAft>
+              <a:buNone/>
+            </a:pPr>
+            <a:endParaRPr/>
+          </a:p>
+        </p:txBody>
+      </p:sp>
+      <p:sp>
+        <p:nvSpPr>
+          <p:cNvPr id="857" name="Google Shape;857;p76:notes"/>
+          <p:cNvSpPr>
+            <a:spLocks noGrp="1" noRot="1" noChangeAspect="1"/>
+          </p:cNvSpPr>
+          <p:nvPr>
+            <p:ph type="sldImg" idx="2"/>
+          </p:nvPr>
+        </p:nvSpPr>
+        <p:spPr>
+          <a:xfrm>
+            <a:off x="381000" y="685800"/>
+            <a:ext cx="6096000" cy="3429000"/>
+          </a:xfrm>
+          <a:custGeom>
+            <a:avLst/>
+            <a:gdLst/>
+            <a:ahLst/>
+            <a:cxnLst/>
+            <a:rect l="l" t="t" r="r" b="b"/>
+            <a:pathLst>
+              <a:path w="120000" h="120000" extrusionOk="0">
+                <a:moveTo>
+                  <a:pt x="0" y="0"/>
+                </a:moveTo>
+                <a:lnTo>
+                  <a:pt x="120000" y="0"/>
+                </a:lnTo>
+                <a:lnTo>
+                  <a:pt x="120000" y="120000"/>
+                </a:lnTo>
+                <a:lnTo>
+                  <a:pt x="0" y="120000"/>
+                </a:lnTo>
+                <a:close/>
+              </a:path>
+            </a:pathLst>
+          </a:custGeom>
+        </p:spPr>
+      </p:sp>
+    </p:spTree>
+  </p:cSld>
+  <p:clrMapOvr>
+    <a:masterClrMapping/>
+  </p:clrMapOvr>
+</p:notes>
+</file>
+
+<file path=ppt/notesSlides/notesSlide11.xml><?xml version="1.0" encoding="utf-8"?>
+<p:notes xmlns:a="http://schemas.openxmlformats.org/drawingml/2006/main" xmlns:r="http://schemas.openxmlformats.org/officeDocument/2006/relationships" xmlns:p="http://schemas.openxmlformats.org/presentationml/2006/main" showMasterSp="0" showMasterPhAnim="0">
+  <p:cSld>
+    <p:spTree>
+      <p:nvGrpSpPr>
+        <p:cNvPr id="1" name="Shape 855">
+          <a:extLst>
+            <a:ext uri="{FF2B5EF4-FFF2-40B4-BE49-F238E27FC236}">
+              <a16:creationId xmlns:a16="http://schemas.microsoft.com/office/drawing/2014/main" id="{99B77EFB-66D0-F42F-3F0A-0486A9DC0B13}"/>
+            </a:ext>
+          </a:extLst>
+        </p:cNvPr>
+        <p:cNvGrpSpPr/>
+        <p:nvPr/>
+      </p:nvGrpSpPr>
+      <p:grpSpPr>
+        <a:xfrm>
+          <a:off x="0" y="0"/>
+          <a:ext cx="0" cy="0"/>
+          <a:chOff x="0" y="0"/>
+          <a:chExt cx="0" cy="0"/>
+        </a:xfrm>
+      </p:grpSpPr>
+      <p:sp>
+        <p:nvSpPr>
+          <p:cNvPr id="856" name="Google Shape;856;p76:notes">
+            <a:extLst>
+              <a:ext uri="{FF2B5EF4-FFF2-40B4-BE49-F238E27FC236}">
+                <a16:creationId xmlns:a16="http://schemas.microsoft.com/office/drawing/2014/main" id="{836E8595-BDE6-5044-D13E-548AB3C1F0CA}"/>
+              </a:ext>
+            </a:extLst>
+          </p:cNvPr>
+          <p:cNvSpPr txBox="1">
+            <a:spLocks noGrp="1"/>
+          </p:cNvSpPr>
+          <p:nvPr>
+            <p:ph type="body" idx="1"/>
+          </p:nvPr>
+        </p:nvSpPr>
+        <p:spPr>
+          <a:xfrm>
+            <a:off x="685800" y="4343400"/>
+            <a:ext cx="5486400" cy="4114800"/>
+          </a:xfrm>
+          <a:prstGeom prst="rect">
+            <a:avLst/>
+          </a:prstGeom>
+        </p:spPr>
+        <p:txBody>
+          <a:bodyPr spcFirstLastPara="1" wrap="square" lIns="91425" tIns="91425" rIns="91425" bIns="91425" anchor="t" anchorCtr="0">
+            <a:noAutofit/>
+          </a:bodyPr>
+          <a:lstStyle/>
+          <a:p>
+            <a:pPr marL="0" lvl="0" indent="0" algn="l" rtl="0">
+              <a:spcBef>
+                <a:spcPts val="0"/>
+              </a:spcBef>
+              <a:spcAft>
+                <a:spcPts val="0"/>
+              </a:spcAft>
+              <a:buNone/>
+            </a:pPr>
+            <a:endParaRPr/>
+          </a:p>
+        </p:txBody>
+      </p:sp>
+      <p:sp>
+        <p:nvSpPr>
+          <p:cNvPr id="857" name="Google Shape;857;p76:notes">
+            <a:extLst>
+              <a:ext uri="{FF2B5EF4-FFF2-40B4-BE49-F238E27FC236}">
+                <a16:creationId xmlns:a16="http://schemas.microsoft.com/office/drawing/2014/main" id="{D2E47475-72C8-6A74-F107-9C390AF40D0D}"/>
+              </a:ext>
+            </a:extLst>
+          </p:cNvPr>
+          <p:cNvSpPr>
+            <a:spLocks noGrp="1" noRot="1" noChangeAspect="1"/>
+          </p:cNvSpPr>
+          <p:nvPr>
+            <p:ph type="sldImg" idx="2"/>
+          </p:nvPr>
+        </p:nvSpPr>
+        <p:spPr>
+          <a:xfrm>
+            <a:off x="381000" y="685800"/>
+            <a:ext cx="6096000" cy="3429000"/>
+          </a:xfrm>
+          <a:custGeom>
+            <a:avLst/>
+            <a:gdLst/>
+            <a:ahLst/>
+            <a:cxnLst/>
+            <a:rect l="l" t="t" r="r" b="b"/>
+            <a:pathLst>
+              <a:path w="120000" h="120000" extrusionOk="0">
+                <a:moveTo>
+                  <a:pt x="0" y="0"/>
+                </a:moveTo>
+                <a:lnTo>
+                  <a:pt x="120000" y="0"/>
+                </a:lnTo>
+                <a:lnTo>
+                  <a:pt x="120000" y="120000"/>
+                </a:lnTo>
+                <a:lnTo>
+                  <a:pt x="0" y="120000"/>
+                </a:lnTo>
+                <a:close/>
+              </a:path>
+            </a:pathLst>
+          </a:custGeom>
+        </p:spPr>
+      </p:sp>
+    </p:spTree>
+    <p:extLst>
+      <p:ext uri="{BB962C8B-B14F-4D97-AF65-F5344CB8AC3E}">
+        <p14:creationId xmlns:p14="http://schemas.microsoft.com/office/powerpoint/2010/main" val="410839266"/>
+      </p:ext>
+    </p:extLst>
+  </p:cSld>
+  <p:clrMapOvr>
+    <a:masterClrMapping/>
+  </p:clrMapOvr>
+</p:notes>
+</file>
+
+<file path=ppt/notesSlides/notesSlide12.xml><?xml version="1.0" encoding="utf-8"?>
+<p:notes xmlns:a="http://schemas.openxmlformats.org/drawingml/2006/main" xmlns:r="http://schemas.openxmlformats.org/officeDocument/2006/relationships" xmlns:p="http://schemas.openxmlformats.org/presentationml/2006/main" showMasterSp="0" showMasterPhAnim="0">
+  <p:cSld>
+    <p:spTree>
+      <p:nvGrpSpPr>
         <p:cNvPr id="1" name="Shape 855">
           <a:extLst>
             <a:ext uri="{FF2B5EF4-FFF2-40B4-BE49-F238E27FC236}">
@@ -1112,7 +1345,7 @@
 </p:notes>
 </file>
 
-<file path=ppt/notesSlides/notesSlide11.xml><?xml version="1.0" encoding="utf-8"?>
+<file path=ppt/notesSlides/notesSlide13.xml><?xml version="1.0" encoding="utf-8"?>
 <p:notes xmlns:a="http://schemas.openxmlformats.org/drawingml/2006/main" xmlns:r="http://schemas.openxmlformats.org/officeDocument/2006/relationships" xmlns:p="http://schemas.openxmlformats.org/presentationml/2006/main" showMasterSp="0" showMasterPhAnim="0">
   <p:cSld>
     <p:spTree>
@@ -1239,7 +1472,7 @@
 </p:notes>
 </file>
 
-<file path=ppt/notesSlides/notesSlide12.xml><?xml version="1.0" encoding="utf-8"?>
+<file path=ppt/notesSlides/notesSlide14.xml><?xml version="1.0" encoding="utf-8"?>
 <p:notes xmlns:a="http://schemas.openxmlformats.org/drawingml/2006/main" xmlns:r="http://schemas.openxmlformats.org/officeDocument/2006/relationships" xmlns:p="http://schemas.openxmlformats.org/presentationml/2006/main" showMasterSp="0" showMasterPhAnim="0">
   <p:cSld>
     <p:spTree>
@@ -1366,7 +1599,7 @@
 </p:notes>
 </file>
 
-<file path=ppt/notesSlides/notesSlide13.xml><?xml version="1.0" encoding="utf-8"?>
+<file path=ppt/notesSlides/notesSlide15.xml><?xml version="1.0" encoding="utf-8"?>
 <p:notes xmlns:a="http://schemas.openxmlformats.org/drawingml/2006/main" xmlns:r="http://schemas.openxmlformats.org/officeDocument/2006/relationships" xmlns:p="http://schemas.openxmlformats.org/presentationml/2006/main" showMasterSp="0" showMasterPhAnim="0">
   <p:cSld>
     <p:spTree>
@@ -1488,7 +1721,7 @@
 </p:notes>
 </file>
 
-<file path=ppt/notesSlides/notesSlide14.xml><?xml version="1.0" encoding="utf-8"?>
+<file path=ppt/notesSlides/notesSlide16.xml><?xml version="1.0" encoding="utf-8"?>
 <p:notes xmlns:a="http://schemas.openxmlformats.org/drawingml/2006/main" xmlns:r="http://schemas.openxmlformats.org/officeDocument/2006/relationships" xmlns:p="http://schemas.openxmlformats.org/presentationml/2006/main" showMasterSp="0" showMasterPhAnim="0">
   <p:cSld>
     <p:spTree>
@@ -2566,7 +2799,13 @@
   <p:cSld>
     <p:spTree>
       <p:nvGrpSpPr>
-        <p:cNvPr id="1" name="Shape 855"/>
+        <p:cNvPr id="1" name="Shape 855">
+          <a:extLst>
+            <a:ext uri="{FF2B5EF4-FFF2-40B4-BE49-F238E27FC236}">
+              <a16:creationId xmlns:a16="http://schemas.microsoft.com/office/drawing/2014/main" id="{44EBDD87-7654-7507-0BA1-E522F9919673}"/>
+            </a:ext>
+          </a:extLst>
+        </p:cNvPr>
         <p:cNvGrpSpPr/>
         <p:nvPr/>
       </p:nvGrpSpPr>
@@ -2580,7 +2819,13 @@
       </p:grpSpPr>
       <p:sp>
         <p:nvSpPr>
-          <p:cNvPr id="856" name="Google Shape;856;p76:notes"/>
+          <p:cNvPr id="856" name="Google Shape;856;p76:notes">
+            <a:extLst>
+              <a:ext uri="{FF2B5EF4-FFF2-40B4-BE49-F238E27FC236}">
+                <a16:creationId xmlns:a16="http://schemas.microsoft.com/office/drawing/2014/main" id="{7BA5C858-BFA1-5F01-CDA0-CDD0EDD5BD40}"/>
+              </a:ext>
+            </a:extLst>
+          </p:cNvPr>
           <p:cNvSpPr txBox="1">
             <a:spLocks noGrp="1"/>
           </p:cNvSpPr>
@@ -2618,7 +2863,13 @@
       </p:sp>
       <p:sp>
         <p:nvSpPr>
-          <p:cNvPr id="857" name="Google Shape;857;p76:notes"/>
+          <p:cNvPr id="857" name="Google Shape;857;p76:notes">
+            <a:extLst>
+              <a:ext uri="{FF2B5EF4-FFF2-40B4-BE49-F238E27FC236}">
+                <a16:creationId xmlns:a16="http://schemas.microsoft.com/office/drawing/2014/main" id="{ED0E2549-A0BF-5D6F-5E84-9FCE7EE80D7C}"/>
+              </a:ext>
+            </a:extLst>
+          </p:cNvPr>
           <p:cNvSpPr>
             <a:spLocks noGrp="1" noRot="1" noChangeAspect="1"/>
           </p:cNvSpPr>
@@ -2658,6 +2909,11 @@
         </p:spPr>
       </p:sp>
     </p:spTree>
+    <p:extLst>
+      <p:ext uri="{BB962C8B-B14F-4D97-AF65-F5344CB8AC3E}">
+        <p14:creationId xmlns:p14="http://schemas.microsoft.com/office/powerpoint/2010/main" val="4195254449"/>
+      </p:ext>
+    </p:extLst>
   </p:cSld>
   <p:clrMapOvr>
     <a:masterClrMapping/>
@@ -10170,6 +10426,3099 @@
   <p:cSld>
     <p:spTree>
       <p:nvGrpSpPr>
+        <p:cNvPr id="1" name="Shape 858">
+          <a:extLst>
+            <a:ext uri="{FF2B5EF4-FFF2-40B4-BE49-F238E27FC236}">
+              <a16:creationId xmlns:a16="http://schemas.microsoft.com/office/drawing/2014/main" id="{1F7F16E0-B015-9EA5-6790-500242ADCEB5}"/>
+            </a:ext>
+          </a:extLst>
+        </p:cNvPr>
+        <p:cNvGrpSpPr/>
+        <p:nvPr/>
+      </p:nvGrpSpPr>
+      <p:grpSpPr>
+        <a:xfrm>
+          <a:off x="0" y="0"/>
+          <a:ext cx="0" cy="0"/>
+          <a:chOff x="0" y="0"/>
+          <a:chExt cx="0" cy="0"/>
+        </a:xfrm>
+      </p:grpSpPr>
+      <p:sp>
+        <p:nvSpPr>
+          <p:cNvPr id="859" name="Google Shape;859;p76">
+            <a:extLst>
+              <a:ext uri="{FF2B5EF4-FFF2-40B4-BE49-F238E27FC236}">
+                <a16:creationId xmlns:a16="http://schemas.microsoft.com/office/drawing/2014/main" id="{AC5EE567-3593-BE0A-CBB6-2444F82E2CE6}"/>
+              </a:ext>
+            </a:extLst>
+          </p:cNvPr>
+          <p:cNvSpPr txBox="1">
+            <a:spLocks noGrp="1"/>
+          </p:cNvSpPr>
+          <p:nvPr>
+            <p:ph type="sldNum" idx="12"/>
+          </p:nvPr>
+        </p:nvSpPr>
+        <p:spPr>
+          <a:xfrm>
+            <a:off x="8404384" y="4673651"/>
+            <a:ext cx="548700" cy="393600"/>
+          </a:xfrm>
+          <a:prstGeom prst="rect">
+            <a:avLst/>
+          </a:prstGeom>
+          <a:noFill/>
+          <a:ln>
+            <a:noFill/>
+          </a:ln>
+        </p:spPr>
+        <p:txBody>
+          <a:bodyPr spcFirstLastPara="1" wrap="square" lIns="0" tIns="0" rIns="0" bIns="0" anchor="ctr" anchorCtr="0">
+            <a:noAutofit/>
+          </a:bodyPr>
+          <a:lstStyle/>
+          <a:p>
+            <a:pPr marL="0" lvl="0" indent="0" algn="r" rtl="0">
+              <a:lnSpc>
+                <a:spcPct val="100000"/>
+              </a:lnSpc>
+              <a:spcBef>
+                <a:spcPts val="0"/>
+              </a:spcBef>
+              <a:spcAft>
+                <a:spcPts val="0"/>
+              </a:spcAft>
+              <a:buSzPts val="1500"/>
+              <a:buNone/>
+            </a:pPr>
+            <a:fld id="{00000000-1234-1234-1234-123412341234}" type="slidenum">
+              <a:rPr lang="en-US">
+                <a:solidFill>
+                  <a:schemeClr val="dk1"/>
+                </a:solidFill>
+              </a:rPr>
+              <a:t>10</a:t>
+            </a:fld>
+            <a:endParaRPr>
+              <a:solidFill>
+                <a:schemeClr val="dk1"/>
+              </a:solidFill>
+            </a:endParaRPr>
+          </a:p>
+        </p:txBody>
+      </p:sp>
+      <p:sp>
+        <p:nvSpPr>
+          <p:cNvPr id="860" name="Google Shape;860;p76">
+            <a:extLst>
+              <a:ext uri="{FF2B5EF4-FFF2-40B4-BE49-F238E27FC236}">
+                <a16:creationId xmlns:a16="http://schemas.microsoft.com/office/drawing/2014/main" id="{4E8A5316-277B-26FD-6FB2-FE5D7BB4FF44}"/>
+              </a:ext>
+            </a:extLst>
+          </p:cNvPr>
+          <p:cNvSpPr/>
+          <p:nvPr/>
+        </p:nvSpPr>
+        <p:spPr>
+          <a:xfrm>
+            <a:off x="813660" y="970303"/>
+            <a:ext cx="7644968" cy="412750"/>
+          </a:xfrm>
+          <a:prstGeom prst="rect">
+            <a:avLst/>
+          </a:prstGeom>
+          <a:noFill/>
+          <a:ln>
+            <a:noFill/>
+          </a:ln>
+        </p:spPr>
+        <p:txBody>
+          <a:bodyPr spcFirstLastPara="1" wrap="square" lIns="91425" tIns="45700" rIns="91425" bIns="45700" anchor="t" anchorCtr="0">
+            <a:spAutoFit/>
+          </a:bodyPr>
+          <a:lstStyle/>
+          <a:p>
+            <a:pPr marL="0" marR="0" lvl="0" indent="0" algn="l" rtl="0">
+              <a:lnSpc>
+                <a:spcPct val="150000"/>
+              </a:lnSpc>
+              <a:spcBef>
+                <a:spcPts val="0"/>
+              </a:spcBef>
+              <a:spcAft>
+                <a:spcPts val="0"/>
+              </a:spcAft>
+              <a:buNone/>
+            </a:pPr>
+            <a:endParaRPr sz="1400" b="0" i="0" u="none" strike="noStrike" cap="none">
+              <a:solidFill>
+                <a:srgbClr val="000000"/>
+              </a:solidFill>
+              <a:latin typeface="Times New Roman" panose="02020603050405020304"/>
+              <a:ea typeface="Times New Roman" panose="02020603050405020304"/>
+              <a:cs typeface="Times New Roman" panose="02020603050405020304"/>
+              <a:sym typeface="Times New Roman" panose="02020603050405020304"/>
+            </a:endParaRPr>
+          </a:p>
+        </p:txBody>
+      </p:sp>
+      <p:sp>
+        <p:nvSpPr>
+          <p:cNvPr id="861" name="Google Shape;861;p76">
+            <a:extLst>
+              <a:ext uri="{FF2B5EF4-FFF2-40B4-BE49-F238E27FC236}">
+                <a16:creationId xmlns:a16="http://schemas.microsoft.com/office/drawing/2014/main" id="{2A43E585-0B82-51EB-110C-5C41484F1295}"/>
+              </a:ext>
+            </a:extLst>
+          </p:cNvPr>
+          <p:cNvSpPr txBox="1"/>
+          <p:nvPr/>
+        </p:nvSpPr>
+        <p:spPr>
+          <a:xfrm>
+            <a:off x="256634" y="128181"/>
+            <a:ext cx="7049322" cy="466968"/>
+          </a:xfrm>
+          <a:prstGeom prst="rect">
+            <a:avLst/>
+          </a:prstGeom>
+          <a:noFill/>
+          <a:ln>
+            <a:noFill/>
+          </a:ln>
+        </p:spPr>
+        <p:txBody>
+          <a:bodyPr spcFirstLastPara="1" wrap="square" lIns="0" tIns="0" rIns="0" bIns="0" anchor="t" anchorCtr="0">
+            <a:noAutofit/>
+          </a:bodyPr>
+          <a:lstStyle/>
+          <a:p>
+            <a:pPr marL="0" marR="0" lvl="0" indent="0" algn="l" rtl="0">
+              <a:lnSpc>
+                <a:spcPct val="90000"/>
+              </a:lnSpc>
+              <a:spcBef>
+                <a:spcPts val="0"/>
+              </a:spcBef>
+              <a:spcAft>
+                <a:spcPts val="0"/>
+              </a:spcAft>
+              <a:buClr>
+                <a:schemeClr val="accent2"/>
+              </a:buClr>
+              <a:buSzPts val="3200"/>
+              <a:buFont typeface="Zilla Slab SemiBold"/>
+              <a:buNone/>
+            </a:pPr>
+            <a:r>
+              <a:rPr lang="en-US" sz="2200" b="1" dirty="0">
+                <a:solidFill>
+                  <a:schemeClr val="accent2"/>
+                </a:solidFill>
+                <a:latin typeface="Times New Roman" panose="02020603050405020304"/>
+                <a:ea typeface="Zilla Slab SemiBold"/>
+                <a:cs typeface="Times New Roman" panose="02020603050405020304"/>
+                <a:sym typeface="Times New Roman" panose="02020603050405020304"/>
+              </a:rPr>
+              <a:t>Literature Review</a:t>
+            </a:r>
+            <a:endParaRPr sz="2200" b="1" i="0" u="none" strike="noStrike" cap="none" dirty="0">
+              <a:solidFill>
+                <a:schemeClr val="accent2"/>
+              </a:solidFill>
+              <a:latin typeface="Zilla Slab SemiBold"/>
+              <a:ea typeface="Zilla Slab SemiBold"/>
+              <a:cs typeface="Zilla Slab SemiBold"/>
+              <a:sym typeface="Zilla Slab SemiBold"/>
+            </a:endParaRPr>
+          </a:p>
+        </p:txBody>
+      </p:sp>
+      <p:graphicFrame>
+        <p:nvGraphicFramePr>
+          <p:cNvPr id="2" name="Table 1">
+            <a:extLst>
+              <a:ext uri="{FF2B5EF4-FFF2-40B4-BE49-F238E27FC236}">
+                <a16:creationId xmlns:a16="http://schemas.microsoft.com/office/drawing/2014/main" id="{0AEA1776-AAF0-B730-64EC-0508AB8DE1B6}"/>
+              </a:ext>
+            </a:extLst>
+          </p:cNvPr>
+          <p:cNvGraphicFramePr>
+            <a:graphicFrameLocks noGrp="1"/>
+          </p:cNvGraphicFramePr>
+          <p:nvPr>
+            <p:extLst>
+              <p:ext uri="{D42A27DB-BD31-4B8C-83A1-F6EECF244321}">
+                <p14:modId xmlns:p14="http://schemas.microsoft.com/office/powerpoint/2010/main" val="603976540"/>
+              </p:ext>
+            </p:extLst>
+          </p:nvPr>
+        </p:nvGraphicFramePr>
+        <p:xfrm>
+          <a:off x="324577" y="532327"/>
+          <a:ext cx="8372693" cy="4397107"/>
+        </p:xfrm>
+        <a:graphic>
+          <a:graphicData uri="http://schemas.openxmlformats.org/drawingml/2006/table">
+            <a:tbl>
+              <a:tblPr firstRow="1" firstCol="1" bandRow="1">
+                <a:tableStyleId>{72833802-FEF1-4C79-8D5D-14CF1EAF98D9}</a:tableStyleId>
+              </a:tblPr>
+              <a:tblGrid>
+                <a:gridCol w="411545">
+                  <a:extLst>
+                    <a:ext uri="{9D8B030D-6E8A-4147-A177-3AD203B41FA5}">
+                      <a16:colId xmlns:a16="http://schemas.microsoft.com/office/drawing/2014/main" val="3286546900"/>
+                    </a:ext>
+                  </a:extLst>
+                </a:gridCol>
+                <a:gridCol w="518755">
+                  <a:extLst>
+                    <a:ext uri="{9D8B030D-6E8A-4147-A177-3AD203B41FA5}">
+                      <a16:colId xmlns:a16="http://schemas.microsoft.com/office/drawing/2014/main" val="213655152"/>
+                    </a:ext>
+                  </a:extLst>
+                </a:gridCol>
+                <a:gridCol w="2579937">
+                  <a:extLst>
+                    <a:ext uri="{9D8B030D-6E8A-4147-A177-3AD203B41FA5}">
+                      <a16:colId xmlns:a16="http://schemas.microsoft.com/office/drawing/2014/main" val="3260751214"/>
+                    </a:ext>
+                  </a:extLst>
+                </a:gridCol>
+                <a:gridCol w="1886053">
+                  <a:extLst>
+                    <a:ext uri="{9D8B030D-6E8A-4147-A177-3AD203B41FA5}">
+                      <a16:colId xmlns:a16="http://schemas.microsoft.com/office/drawing/2014/main" val="1776928445"/>
+                    </a:ext>
+                  </a:extLst>
+                </a:gridCol>
+                <a:gridCol w="2976403">
+                  <a:extLst>
+                    <a:ext uri="{9D8B030D-6E8A-4147-A177-3AD203B41FA5}">
+                      <a16:colId xmlns:a16="http://schemas.microsoft.com/office/drawing/2014/main" val="758750201"/>
+                    </a:ext>
+                  </a:extLst>
+                </a:gridCol>
+              </a:tblGrid>
+              <a:tr h="313431">
+                <a:tc>
+                  <a:txBody>
+                    <a:bodyPr/>
+                    <a:lstStyle/>
+                    <a:p>
+                      <a:pPr algn="ctr">
+                        <a:lnSpc>
+                          <a:spcPct val="107000"/>
+                        </a:lnSpc>
+                        <a:spcAft>
+                          <a:spcPts val="800"/>
+                        </a:spcAft>
+                        <a:buNone/>
+                      </a:pPr>
+                      <a:r>
+                        <a:rPr lang="en-IN" sz="800" kern="100" dirty="0">
+                          <a:effectLst/>
+                        </a:rPr>
+                        <a:t>Sno</a:t>
+                      </a:r>
+                      <a:endParaRPr lang="en-IN" sz="800" kern="100" dirty="0">
+                        <a:effectLst/>
+                        <a:latin typeface="Calibri" panose="020F0502020204030204" pitchFamily="34" charset="0"/>
+                        <a:ea typeface="Calibri" panose="020F0502020204030204" pitchFamily="34" charset="0"/>
+                        <a:cs typeface="Times New Roman" panose="02020603050405020304" pitchFamily="18" charset="0"/>
+                      </a:endParaRPr>
+                    </a:p>
+                  </a:txBody>
+                  <a:tcPr anchor="ctr">
+                    <a:lnL w="3175" cap="flat" cmpd="sng" algn="ctr">
+                      <a:solidFill>
+                        <a:schemeClr val="tx1"/>
+                      </a:solidFill>
+                      <a:prstDash val="solid"/>
+                      <a:round/>
+                      <a:headEnd type="none" w="med" len="med"/>
+                      <a:tailEnd type="none" w="med" len="med"/>
+                    </a:lnL>
+                    <a:lnR w="3175" cap="flat" cmpd="sng" algn="ctr">
+                      <a:solidFill>
+                        <a:schemeClr val="tx1"/>
+                      </a:solidFill>
+                      <a:prstDash val="solid"/>
+                      <a:round/>
+                      <a:headEnd type="none" w="med" len="med"/>
+                      <a:tailEnd type="none" w="med" len="med"/>
+                    </a:lnR>
+                    <a:lnT w="3175" cap="flat" cmpd="sng" algn="ctr">
+                      <a:solidFill>
+                        <a:schemeClr val="tx1"/>
+                      </a:solidFill>
+                      <a:prstDash val="solid"/>
+                      <a:round/>
+                      <a:headEnd type="none" w="med" len="med"/>
+                      <a:tailEnd type="none" w="med" len="med"/>
+                    </a:lnT>
+                    <a:lnB w="3175" cap="flat" cmpd="sng" algn="ctr">
+                      <a:solidFill>
+                        <a:schemeClr val="tx1"/>
+                      </a:solidFill>
+                      <a:prstDash val="solid"/>
+                      <a:round/>
+                      <a:headEnd type="none" w="med" len="med"/>
+                      <a:tailEnd type="none" w="med" len="med"/>
+                    </a:lnB>
+                    <a:lnTlToBr w="12700" cmpd="sng">
+                      <a:noFill/>
+                      <a:prstDash val="solid"/>
+                    </a:lnTlToBr>
+                    <a:lnBlToTr w="12700" cmpd="sng">
+                      <a:noFill/>
+                      <a:prstDash val="solid"/>
+                    </a:lnBlToTr>
+                  </a:tcPr>
+                </a:tc>
+                <a:tc>
+                  <a:txBody>
+                    <a:bodyPr/>
+                    <a:lstStyle/>
+                    <a:p>
+                      <a:pPr algn="ctr">
+                        <a:lnSpc>
+                          <a:spcPct val="107000"/>
+                        </a:lnSpc>
+                        <a:spcAft>
+                          <a:spcPts val="800"/>
+                        </a:spcAft>
+                        <a:buNone/>
+                      </a:pPr>
+                      <a:r>
+                        <a:rPr lang="en-IN" sz="800" kern="100" dirty="0">
+                          <a:effectLst/>
+                          <a:latin typeface="Calibri" panose="020F0502020204030204" pitchFamily="34" charset="0"/>
+                          <a:ea typeface="Calibri" panose="020F0502020204030204" pitchFamily="34" charset="0"/>
+                          <a:cs typeface="Times New Roman" panose="02020603050405020304" pitchFamily="18" charset="0"/>
+                        </a:rPr>
+                        <a:t>Year</a:t>
+                      </a:r>
+                    </a:p>
+                  </a:txBody>
+                  <a:tcPr anchor="ctr">
+                    <a:lnL w="3175" cap="flat" cmpd="sng" algn="ctr">
+                      <a:solidFill>
+                        <a:schemeClr val="tx1"/>
+                      </a:solidFill>
+                      <a:prstDash val="solid"/>
+                      <a:round/>
+                      <a:headEnd type="none" w="med" len="med"/>
+                      <a:tailEnd type="none" w="med" len="med"/>
+                    </a:lnL>
+                    <a:lnR w="3175" cap="flat" cmpd="sng" algn="ctr">
+                      <a:solidFill>
+                        <a:schemeClr val="tx1"/>
+                      </a:solidFill>
+                      <a:prstDash val="solid"/>
+                      <a:round/>
+                      <a:headEnd type="none" w="med" len="med"/>
+                      <a:tailEnd type="none" w="med" len="med"/>
+                    </a:lnR>
+                    <a:lnT w="3175" cap="flat" cmpd="sng" algn="ctr">
+                      <a:solidFill>
+                        <a:schemeClr val="tx1"/>
+                      </a:solidFill>
+                      <a:prstDash val="solid"/>
+                      <a:round/>
+                      <a:headEnd type="none" w="med" len="med"/>
+                      <a:tailEnd type="none" w="med" len="med"/>
+                    </a:lnT>
+                    <a:lnB w="3175" cap="flat" cmpd="sng" algn="ctr">
+                      <a:solidFill>
+                        <a:schemeClr val="tx1"/>
+                      </a:solidFill>
+                      <a:prstDash val="solid"/>
+                      <a:round/>
+                      <a:headEnd type="none" w="med" len="med"/>
+                      <a:tailEnd type="none" w="med" len="med"/>
+                    </a:lnB>
+                    <a:lnTlToBr w="12700" cmpd="sng">
+                      <a:noFill/>
+                      <a:prstDash val="solid"/>
+                    </a:lnTlToBr>
+                    <a:lnBlToTr w="12700" cmpd="sng">
+                      <a:noFill/>
+                      <a:prstDash val="solid"/>
+                    </a:lnBlToTr>
+                  </a:tcPr>
+                </a:tc>
+                <a:tc>
+                  <a:txBody>
+                    <a:bodyPr/>
+                    <a:lstStyle/>
+                    <a:p>
+                      <a:pPr algn="ctr">
+                        <a:lnSpc>
+                          <a:spcPct val="107000"/>
+                        </a:lnSpc>
+                        <a:spcAft>
+                          <a:spcPts val="800"/>
+                        </a:spcAft>
+                        <a:buNone/>
+                      </a:pPr>
+                      <a:r>
+                        <a:rPr lang="en-IN" sz="800" kern="100" dirty="0">
+                          <a:effectLst/>
+                        </a:rPr>
+                        <a:t>Title of the Paper</a:t>
+                      </a:r>
+                      <a:endParaRPr lang="en-IN" sz="800" kern="100" dirty="0">
+                        <a:effectLst/>
+                        <a:latin typeface="Calibri" panose="020F0502020204030204" pitchFamily="34" charset="0"/>
+                        <a:ea typeface="Calibri" panose="020F0502020204030204" pitchFamily="34" charset="0"/>
+                        <a:cs typeface="Times New Roman" panose="02020603050405020304" pitchFamily="18" charset="0"/>
+                      </a:endParaRPr>
+                    </a:p>
+                  </a:txBody>
+                  <a:tcPr anchor="ctr">
+                    <a:lnL w="3175" cap="flat" cmpd="sng" algn="ctr">
+                      <a:solidFill>
+                        <a:schemeClr val="tx1"/>
+                      </a:solidFill>
+                      <a:prstDash val="solid"/>
+                      <a:round/>
+                      <a:headEnd type="none" w="med" len="med"/>
+                      <a:tailEnd type="none" w="med" len="med"/>
+                    </a:lnL>
+                    <a:lnR w="3175" cap="flat" cmpd="sng" algn="ctr">
+                      <a:solidFill>
+                        <a:schemeClr val="tx1"/>
+                      </a:solidFill>
+                      <a:prstDash val="solid"/>
+                      <a:round/>
+                      <a:headEnd type="none" w="med" len="med"/>
+                      <a:tailEnd type="none" w="med" len="med"/>
+                    </a:lnR>
+                    <a:lnT w="3175" cap="flat" cmpd="sng" algn="ctr">
+                      <a:solidFill>
+                        <a:schemeClr val="tx1"/>
+                      </a:solidFill>
+                      <a:prstDash val="solid"/>
+                      <a:round/>
+                      <a:headEnd type="none" w="med" len="med"/>
+                      <a:tailEnd type="none" w="med" len="med"/>
+                    </a:lnT>
+                    <a:lnB w="3175" cap="flat" cmpd="sng" algn="ctr">
+                      <a:solidFill>
+                        <a:schemeClr val="tx1"/>
+                      </a:solidFill>
+                      <a:prstDash val="solid"/>
+                      <a:round/>
+                      <a:headEnd type="none" w="med" len="med"/>
+                      <a:tailEnd type="none" w="med" len="med"/>
+                    </a:lnB>
+                    <a:lnTlToBr w="12700" cmpd="sng">
+                      <a:noFill/>
+                      <a:prstDash val="solid"/>
+                    </a:lnTlToBr>
+                    <a:lnBlToTr w="12700" cmpd="sng">
+                      <a:noFill/>
+                      <a:prstDash val="solid"/>
+                    </a:lnBlToTr>
+                  </a:tcPr>
+                </a:tc>
+                <a:tc>
+                  <a:txBody>
+                    <a:bodyPr/>
+                    <a:lstStyle/>
+                    <a:p>
+                      <a:pPr algn="ctr">
+                        <a:lnSpc>
+                          <a:spcPct val="107000"/>
+                        </a:lnSpc>
+                        <a:spcAft>
+                          <a:spcPts val="800"/>
+                        </a:spcAft>
+                        <a:buNone/>
+                      </a:pPr>
+                      <a:r>
+                        <a:rPr lang="en-IN" sz="800" kern="100" dirty="0">
+                          <a:effectLst/>
+                        </a:rPr>
+                        <a:t>Author &amp; Publication Details</a:t>
+                      </a:r>
+                      <a:endParaRPr lang="en-IN" sz="800" kern="100" dirty="0">
+                        <a:effectLst/>
+                        <a:latin typeface="Calibri" panose="020F0502020204030204" pitchFamily="34" charset="0"/>
+                        <a:ea typeface="Calibri" panose="020F0502020204030204" pitchFamily="34" charset="0"/>
+                        <a:cs typeface="Times New Roman" panose="02020603050405020304" pitchFamily="18" charset="0"/>
+                      </a:endParaRPr>
+                    </a:p>
+                  </a:txBody>
+                  <a:tcPr anchor="ctr">
+                    <a:lnL w="3175" cap="flat" cmpd="sng" algn="ctr">
+                      <a:solidFill>
+                        <a:schemeClr val="tx1"/>
+                      </a:solidFill>
+                      <a:prstDash val="solid"/>
+                      <a:round/>
+                      <a:headEnd type="none" w="med" len="med"/>
+                      <a:tailEnd type="none" w="med" len="med"/>
+                    </a:lnL>
+                    <a:lnR w="3175" cap="flat" cmpd="sng" algn="ctr">
+                      <a:solidFill>
+                        <a:schemeClr val="tx1"/>
+                      </a:solidFill>
+                      <a:prstDash val="solid"/>
+                      <a:round/>
+                      <a:headEnd type="none" w="med" len="med"/>
+                      <a:tailEnd type="none" w="med" len="med"/>
+                    </a:lnR>
+                    <a:lnT w="3175" cap="flat" cmpd="sng" algn="ctr">
+                      <a:solidFill>
+                        <a:schemeClr val="tx1"/>
+                      </a:solidFill>
+                      <a:prstDash val="solid"/>
+                      <a:round/>
+                      <a:headEnd type="none" w="med" len="med"/>
+                      <a:tailEnd type="none" w="med" len="med"/>
+                    </a:lnT>
+                    <a:lnB w="3175" cap="flat" cmpd="sng" algn="ctr">
+                      <a:solidFill>
+                        <a:schemeClr val="tx1"/>
+                      </a:solidFill>
+                      <a:prstDash val="solid"/>
+                      <a:round/>
+                      <a:headEnd type="none" w="med" len="med"/>
+                      <a:tailEnd type="none" w="med" len="med"/>
+                    </a:lnB>
+                    <a:lnTlToBr w="12700" cmpd="sng">
+                      <a:noFill/>
+                      <a:prstDash val="solid"/>
+                    </a:lnTlToBr>
+                    <a:lnBlToTr w="12700" cmpd="sng">
+                      <a:noFill/>
+                      <a:prstDash val="solid"/>
+                    </a:lnBlToTr>
+                  </a:tcPr>
+                </a:tc>
+                <a:tc>
+                  <a:txBody>
+                    <a:bodyPr/>
+                    <a:lstStyle/>
+                    <a:p>
+                      <a:pPr algn="ctr">
+                        <a:lnSpc>
+                          <a:spcPct val="107000"/>
+                        </a:lnSpc>
+                        <a:spcAft>
+                          <a:spcPts val="800"/>
+                        </a:spcAft>
+                        <a:buNone/>
+                      </a:pPr>
+                      <a:r>
+                        <a:rPr lang="en-IN" sz="800" kern="100" dirty="0">
+                          <a:effectLst/>
+                        </a:rPr>
+                        <a:t>Inference</a:t>
+                      </a:r>
+                      <a:endParaRPr lang="en-IN" sz="800" kern="100" dirty="0">
+                        <a:effectLst/>
+                        <a:latin typeface="Calibri" panose="020F0502020204030204" pitchFamily="34" charset="0"/>
+                        <a:ea typeface="Calibri" panose="020F0502020204030204" pitchFamily="34" charset="0"/>
+                        <a:cs typeface="Times New Roman" panose="02020603050405020304" pitchFamily="18" charset="0"/>
+                      </a:endParaRPr>
+                    </a:p>
+                  </a:txBody>
+                  <a:tcPr anchor="ctr">
+                    <a:lnL w="3175" cap="flat" cmpd="sng" algn="ctr">
+                      <a:solidFill>
+                        <a:schemeClr val="tx1"/>
+                      </a:solidFill>
+                      <a:prstDash val="solid"/>
+                      <a:round/>
+                      <a:headEnd type="none" w="med" len="med"/>
+                      <a:tailEnd type="none" w="med" len="med"/>
+                    </a:lnL>
+                    <a:lnR w="3175" cap="flat" cmpd="sng" algn="ctr">
+                      <a:solidFill>
+                        <a:schemeClr val="tx1"/>
+                      </a:solidFill>
+                      <a:prstDash val="solid"/>
+                      <a:round/>
+                      <a:headEnd type="none" w="med" len="med"/>
+                      <a:tailEnd type="none" w="med" len="med"/>
+                    </a:lnR>
+                    <a:lnT w="3175" cap="flat" cmpd="sng" algn="ctr">
+                      <a:solidFill>
+                        <a:schemeClr val="tx1"/>
+                      </a:solidFill>
+                      <a:prstDash val="solid"/>
+                      <a:round/>
+                      <a:headEnd type="none" w="med" len="med"/>
+                      <a:tailEnd type="none" w="med" len="med"/>
+                    </a:lnT>
+                    <a:lnB w="3175" cap="flat" cmpd="sng" algn="ctr">
+                      <a:solidFill>
+                        <a:schemeClr val="tx1"/>
+                      </a:solidFill>
+                      <a:prstDash val="solid"/>
+                      <a:round/>
+                      <a:headEnd type="none" w="med" len="med"/>
+                      <a:tailEnd type="none" w="med" len="med"/>
+                    </a:lnB>
+                    <a:lnTlToBr w="12700" cmpd="sng">
+                      <a:noFill/>
+                      <a:prstDash val="solid"/>
+                    </a:lnTlToBr>
+                    <a:lnBlToTr w="12700" cmpd="sng">
+                      <a:noFill/>
+                      <a:prstDash val="solid"/>
+                    </a:lnBlToTr>
+                  </a:tcPr>
+                </a:tc>
+                <a:extLst>
+                  <a:ext uri="{0D108BD9-81ED-4DB2-BD59-A6C34878D82A}">
+                    <a16:rowId xmlns:a16="http://schemas.microsoft.com/office/drawing/2014/main" val="4155136006"/>
+                  </a:ext>
+                </a:extLst>
+              </a:tr>
+              <a:tr h="608081">
+                <a:tc>
+                  <a:txBody>
+                    <a:bodyPr/>
+                    <a:lstStyle/>
+                    <a:p>
+                      <a:pPr algn="ctr">
+                        <a:lnSpc>
+                          <a:spcPct val="107000"/>
+                        </a:lnSpc>
+                        <a:spcAft>
+                          <a:spcPts val="800"/>
+                        </a:spcAft>
+                        <a:buNone/>
+                      </a:pPr>
+                      <a:r>
+                        <a:rPr lang="en-IN" sz="800" kern="100" dirty="0">
+                          <a:effectLst/>
+                        </a:rPr>
+                        <a:t>1</a:t>
+                      </a:r>
+                      <a:endParaRPr lang="en-IN" sz="800" kern="100" dirty="0">
+                        <a:effectLst/>
+                        <a:latin typeface="Calibri" panose="020F0502020204030204" pitchFamily="34" charset="0"/>
+                        <a:ea typeface="Calibri" panose="020F0502020204030204" pitchFamily="34" charset="0"/>
+                        <a:cs typeface="Times New Roman" panose="02020603050405020304" pitchFamily="18" charset="0"/>
+                      </a:endParaRPr>
+                    </a:p>
+                  </a:txBody>
+                  <a:tcPr marL="4931" marR="4931" marT="4931" marB="4931" anchor="ctr">
+                    <a:lnL w="3175" cap="flat" cmpd="sng" algn="ctr">
+                      <a:solidFill>
+                        <a:schemeClr val="tx1"/>
+                      </a:solidFill>
+                      <a:prstDash val="solid"/>
+                      <a:round/>
+                      <a:headEnd type="none" w="med" len="med"/>
+                      <a:tailEnd type="none" w="med" len="med"/>
+                    </a:lnL>
+                    <a:lnR w="3175" cap="flat" cmpd="sng" algn="ctr">
+                      <a:solidFill>
+                        <a:schemeClr val="tx1"/>
+                      </a:solidFill>
+                      <a:prstDash val="solid"/>
+                      <a:round/>
+                      <a:headEnd type="none" w="med" len="med"/>
+                      <a:tailEnd type="none" w="med" len="med"/>
+                    </a:lnR>
+                    <a:lnT w="3175" cap="flat" cmpd="sng" algn="ctr">
+                      <a:solidFill>
+                        <a:schemeClr val="tx1"/>
+                      </a:solidFill>
+                      <a:prstDash val="solid"/>
+                      <a:round/>
+                      <a:headEnd type="none" w="med" len="med"/>
+                      <a:tailEnd type="none" w="med" len="med"/>
+                    </a:lnT>
+                    <a:lnB w="3175" cap="flat" cmpd="sng" algn="ctr">
+                      <a:solidFill>
+                        <a:schemeClr val="tx1"/>
+                      </a:solidFill>
+                      <a:prstDash val="solid"/>
+                      <a:round/>
+                      <a:headEnd type="none" w="med" len="med"/>
+                      <a:tailEnd type="none" w="med" len="med"/>
+                    </a:lnB>
+                    <a:lnTlToBr w="12700" cmpd="sng">
+                      <a:noFill/>
+                      <a:prstDash val="solid"/>
+                    </a:lnTlToBr>
+                    <a:lnBlToTr w="12700" cmpd="sng">
+                      <a:noFill/>
+                      <a:prstDash val="solid"/>
+                    </a:lnBlToTr>
+                  </a:tcPr>
+                </a:tc>
+                <a:tc>
+                  <a:txBody>
+                    <a:bodyPr/>
+                    <a:lstStyle/>
+                    <a:p>
+                      <a:pPr lvl="1" algn="ctr">
+                        <a:lnSpc>
+                          <a:spcPct val="107000"/>
+                        </a:lnSpc>
+                        <a:spcAft>
+                          <a:spcPts val="800"/>
+                        </a:spcAft>
+                        <a:buNone/>
+                      </a:pPr>
+                      <a:r>
+                        <a:rPr lang="en-IN" sz="800" kern="100" dirty="0">
+                          <a:effectLst/>
+                          <a:latin typeface="Calibri" panose="020F0502020204030204" pitchFamily="34" charset="0"/>
+                          <a:ea typeface="Calibri" panose="020F0502020204030204" pitchFamily="34" charset="0"/>
+                          <a:cs typeface="Times New Roman" panose="02020603050405020304" pitchFamily="18" charset="0"/>
+                        </a:rPr>
+                        <a:t>2025</a:t>
+                      </a:r>
+                    </a:p>
+                  </a:txBody>
+                  <a:tcPr anchor="ctr">
+                    <a:lnL w="3175" cap="flat" cmpd="sng" algn="ctr">
+                      <a:solidFill>
+                        <a:schemeClr val="tx1"/>
+                      </a:solidFill>
+                      <a:prstDash val="solid"/>
+                      <a:round/>
+                      <a:headEnd type="none" w="med" len="med"/>
+                      <a:tailEnd type="none" w="med" len="med"/>
+                    </a:lnL>
+                    <a:lnR w="3175" cap="flat" cmpd="sng" algn="ctr">
+                      <a:solidFill>
+                        <a:schemeClr val="tx1"/>
+                      </a:solidFill>
+                      <a:prstDash val="solid"/>
+                      <a:round/>
+                      <a:headEnd type="none" w="med" len="med"/>
+                      <a:tailEnd type="none" w="med" len="med"/>
+                    </a:lnR>
+                    <a:lnT w="3175" cap="flat" cmpd="sng" algn="ctr">
+                      <a:solidFill>
+                        <a:schemeClr val="tx1"/>
+                      </a:solidFill>
+                      <a:prstDash val="solid"/>
+                      <a:round/>
+                      <a:headEnd type="none" w="med" len="med"/>
+                      <a:tailEnd type="none" w="med" len="med"/>
+                    </a:lnT>
+                    <a:lnB w="3175" cap="flat" cmpd="sng" algn="ctr">
+                      <a:solidFill>
+                        <a:schemeClr val="tx1"/>
+                      </a:solidFill>
+                      <a:prstDash val="solid"/>
+                      <a:round/>
+                      <a:headEnd type="none" w="med" len="med"/>
+                      <a:tailEnd type="none" w="med" len="med"/>
+                    </a:lnB>
+                    <a:lnTlToBr w="12700" cmpd="sng">
+                      <a:noFill/>
+                      <a:prstDash val="solid"/>
+                    </a:lnTlToBr>
+                    <a:lnBlToTr w="12700" cmpd="sng">
+                      <a:noFill/>
+                      <a:prstDash val="solid"/>
+                    </a:lnBlToTr>
+                  </a:tcPr>
+                </a:tc>
+                <a:tc>
+                  <a:txBody>
+                    <a:bodyPr/>
+                    <a:lstStyle/>
+                    <a:p>
+                      <a:pPr lvl="1" algn="l">
+                        <a:lnSpc>
+                          <a:spcPct val="107000"/>
+                        </a:lnSpc>
+                        <a:spcAft>
+                          <a:spcPts val="800"/>
+                        </a:spcAft>
+                        <a:buNone/>
+                      </a:pPr>
+                      <a:r>
+                        <a:rPr lang="en-IN" sz="800" kern="100" dirty="0">
+                          <a:effectLst/>
+                        </a:rPr>
+                        <a:t>RAGVA: Engineering Retrieval-Augmented Generation–based Virtual Assistants in Practice</a:t>
+                      </a:r>
+                      <a:endParaRPr lang="en-IN" sz="800" kern="100" dirty="0">
+                        <a:effectLst/>
+                        <a:latin typeface="Calibri" panose="020F0502020204030204" pitchFamily="34" charset="0"/>
+                        <a:ea typeface="Calibri" panose="020F0502020204030204" pitchFamily="34" charset="0"/>
+                        <a:cs typeface="Times New Roman" panose="02020603050405020304" pitchFamily="18" charset="0"/>
+                      </a:endParaRPr>
+                    </a:p>
+                  </a:txBody>
+                  <a:tcPr anchor="ctr">
+                    <a:lnL w="3175" cap="flat" cmpd="sng" algn="ctr">
+                      <a:solidFill>
+                        <a:schemeClr val="tx1"/>
+                      </a:solidFill>
+                      <a:prstDash val="solid"/>
+                      <a:round/>
+                      <a:headEnd type="none" w="med" len="med"/>
+                      <a:tailEnd type="none" w="med" len="med"/>
+                    </a:lnL>
+                    <a:lnR w="3175" cap="flat" cmpd="sng" algn="ctr">
+                      <a:solidFill>
+                        <a:schemeClr val="tx1"/>
+                      </a:solidFill>
+                      <a:prstDash val="solid"/>
+                      <a:round/>
+                      <a:headEnd type="none" w="med" len="med"/>
+                      <a:tailEnd type="none" w="med" len="med"/>
+                    </a:lnR>
+                    <a:lnT w="3175" cap="flat" cmpd="sng" algn="ctr">
+                      <a:solidFill>
+                        <a:schemeClr val="tx1"/>
+                      </a:solidFill>
+                      <a:prstDash val="solid"/>
+                      <a:round/>
+                      <a:headEnd type="none" w="med" len="med"/>
+                      <a:tailEnd type="none" w="med" len="med"/>
+                    </a:lnT>
+                    <a:lnB w="3175" cap="flat" cmpd="sng" algn="ctr">
+                      <a:solidFill>
+                        <a:schemeClr val="tx1"/>
+                      </a:solidFill>
+                      <a:prstDash val="solid"/>
+                      <a:round/>
+                      <a:headEnd type="none" w="med" len="med"/>
+                      <a:tailEnd type="none" w="med" len="med"/>
+                    </a:lnB>
+                    <a:lnTlToBr w="12700" cmpd="sng">
+                      <a:noFill/>
+                      <a:prstDash val="solid"/>
+                    </a:lnTlToBr>
+                    <a:lnBlToTr w="12700" cmpd="sng">
+                      <a:noFill/>
+                      <a:prstDash val="solid"/>
+                    </a:lnBlToTr>
+                  </a:tcPr>
+                </a:tc>
+                <a:tc>
+                  <a:txBody>
+                    <a:bodyPr/>
+                    <a:lstStyle/>
+                    <a:p>
+                      <a:pPr>
+                        <a:lnSpc>
+                          <a:spcPct val="107000"/>
+                        </a:lnSpc>
+                        <a:spcAft>
+                          <a:spcPts val="800"/>
+                        </a:spcAft>
+                        <a:buNone/>
+                      </a:pPr>
+                      <a:r>
+                        <a:rPr lang="en-IN" sz="800" kern="100" dirty="0">
+                          <a:effectLst/>
+                        </a:rPr>
+                        <a:t>R. Yang et al. (</a:t>
+                      </a:r>
+                      <a:r>
+                        <a:rPr lang="en-IN" sz="800" kern="100" dirty="0" err="1">
+                          <a:effectLst/>
+                        </a:rPr>
+                        <a:t>arXiv</a:t>
+                      </a:r>
+                      <a:r>
+                        <a:rPr lang="en-IN" sz="800" kern="100" dirty="0">
+                          <a:effectLst/>
+                        </a:rPr>
+                        <a:t> / IEEE-indexed workshops)</a:t>
+                      </a:r>
+                      <a:endParaRPr lang="en-IN" sz="800" kern="100" dirty="0">
+                        <a:effectLst/>
+                        <a:latin typeface="Calibri" panose="020F0502020204030204" pitchFamily="34" charset="0"/>
+                        <a:ea typeface="Calibri" panose="020F0502020204030204" pitchFamily="34" charset="0"/>
+                        <a:cs typeface="Times New Roman" panose="02020603050405020304" pitchFamily="18" charset="0"/>
+                      </a:endParaRPr>
+                    </a:p>
+                  </a:txBody>
+                  <a:tcPr anchor="ctr">
+                    <a:lnL w="3175" cap="flat" cmpd="sng" algn="ctr">
+                      <a:solidFill>
+                        <a:schemeClr val="tx1"/>
+                      </a:solidFill>
+                      <a:prstDash val="solid"/>
+                      <a:round/>
+                      <a:headEnd type="none" w="med" len="med"/>
+                      <a:tailEnd type="none" w="med" len="med"/>
+                    </a:lnL>
+                    <a:lnR w="3175" cap="flat" cmpd="sng" algn="ctr">
+                      <a:solidFill>
+                        <a:schemeClr val="tx1"/>
+                      </a:solidFill>
+                      <a:prstDash val="solid"/>
+                      <a:round/>
+                      <a:headEnd type="none" w="med" len="med"/>
+                      <a:tailEnd type="none" w="med" len="med"/>
+                    </a:lnR>
+                    <a:lnT w="3175" cap="flat" cmpd="sng" algn="ctr">
+                      <a:solidFill>
+                        <a:schemeClr val="tx1"/>
+                      </a:solidFill>
+                      <a:prstDash val="solid"/>
+                      <a:round/>
+                      <a:headEnd type="none" w="med" len="med"/>
+                      <a:tailEnd type="none" w="med" len="med"/>
+                    </a:lnT>
+                    <a:lnB w="3175" cap="flat" cmpd="sng" algn="ctr">
+                      <a:solidFill>
+                        <a:schemeClr val="tx1"/>
+                      </a:solidFill>
+                      <a:prstDash val="solid"/>
+                      <a:round/>
+                      <a:headEnd type="none" w="med" len="med"/>
+                      <a:tailEnd type="none" w="med" len="med"/>
+                    </a:lnB>
+                    <a:lnTlToBr w="12700" cmpd="sng">
+                      <a:noFill/>
+                      <a:prstDash val="solid"/>
+                    </a:lnTlToBr>
+                    <a:lnBlToTr w="12700" cmpd="sng">
+                      <a:noFill/>
+                      <a:prstDash val="solid"/>
+                    </a:lnBlToTr>
+                  </a:tcPr>
+                </a:tc>
+                <a:tc>
+                  <a:txBody>
+                    <a:bodyPr/>
+                    <a:lstStyle/>
+                    <a:p>
+                      <a:pPr algn="just">
+                        <a:lnSpc>
+                          <a:spcPct val="107000"/>
+                        </a:lnSpc>
+                        <a:spcAft>
+                          <a:spcPts val="800"/>
+                        </a:spcAft>
+                        <a:buNone/>
+                      </a:pPr>
+                      <a:r>
+                        <a:rPr lang="en-IN" sz="800" kern="100" dirty="0">
+                          <a:effectLst/>
+                        </a:rPr>
+                        <a:t>Provides engineering practices for implementing RAG-based conversational assistants. Advantage: Practical blueprint for RAG integration. Limitation: More experimental, not yet widely deployed in enterprise low-code platforms.</a:t>
+                      </a:r>
+                      <a:endParaRPr lang="en-IN" sz="800" kern="100" dirty="0">
+                        <a:effectLst/>
+                        <a:latin typeface="Calibri" panose="020F0502020204030204" pitchFamily="34" charset="0"/>
+                        <a:ea typeface="Calibri" panose="020F0502020204030204" pitchFamily="34" charset="0"/>
+                        <a:cs typeface="Times New Roman" panose="02020603050405020304" pitchFamily="18" charset="0"/>
+                      </a:endParaRPr>
+                    </a:p>
+                  </a:txBody>
+                  <a:tcPr anchor="ctr">
+                    <a:lnL w="3175" cap="flat" cmpd="sng" algn="ctr">
+                      <a:solidFill>
+                        <a:schemeClr val="tx1"/>
+                      </a:solidFill>
+                      <a:prstDash val="solid"/>
+                      <a:round/>
+                      <a:headEnd type="none" w="med" len="med"/>
+                      <a:tailEnd type="none" w="med" len="med"/>
+                    </a:lnL>
+                    <a:lnR w="3175" cap="flat" cmpd="sng" algn="ctr">
+                      <a:solidFill>
+                        <a:schemeClr val="tx1"/>
+                      </a:solidFill>
+                      <a:prstDash val="solid"/>
+                      <a:round/>
+                      <a:headEnd type="none" w="med" len="med"/>
+                      <a:tailEnd type="none" w="med" len="med"/>
+                    </a:lnR>
+                    <a:lnT w="3175" cap="flat" cmpd="sng" algn="ctr">
+                      <a:solidFill>
+                        <a:schemeClr val="tx1"/>
+                      </a:solidFill>
+                      <a:prstDash val="solid"/>
+                      <a:round/>
+                      <a:headEnd type="none" w="med" len="med"/>
+                      <a:tailEnd type="none" w="med" len="med"/>
+                    </a:lnT>
+                    <a:lnB w="3175" cap="flat" cmpd="sng" algn="ctr">
+                      <a:solidFill>
+                        <a:schemeClr val="tx1"/>
+                      </a:solidFill>
+                      <a:prstDash val="solid"/>
+                      <a:round/>
+                      <a:headEnd type="none" w="med" len="med"/>
+                      <a:tailEnd type="none" w="med" len="med"/>
+                    </a:lnB>
+                    <a:lnTlToBr w="12700" cmpd="sng">
+                      <a:noFill/>
+                      <a:prstDash val="solid"/>
+                    </a:lnTlToBr>
+                    <a:lnBlToTr w="12700" cmpd="sng">
+                      <a:noFill/>
+                      <a:prstDash val="solid"/>
+                    </a:lnBlToTr>
+                  </a:tcPr>
+                </a:tc>
+                <a:extLst>
+                  <a:ext uri="{0D108BD9-81ED-4DB2-BD59-A6C34878D82A}">
+                    <a16:rowId xmlns:a16="http://schemas.microsoft.com/office/drawing/2014/main" val="3751807402"/>
+                  </a:ext>
+                </a:extLst>
+              </a:tr>
+              <a:tr h="608081">
+                <a:tc>
+                  <a:txBody>
+                    <a:bodyPr/>
+                    <a:lstStyle/>
+                    <a:p>
+                      <a:pPr algn="ctr">
+                        <a:lnSpc>
+                          <a:spcPct val="107000"/>
+                        </a:lnSpc>
+                        <a:spcAft>
+                          <a:spcPts val="800"/>
+                        </a:spcAft>
+                        <a:buNone/>
+                      </a:pPr>
+                      <a:r>
+                        <a:rPr lang="en-IN" sz="800" kern="100" dirty="0">
+                          <a:effectLst/>
+                        </a:rPr>
+                        <a:t>2</a:t>
+                      </a:r>
+                      <a:endParaRPr lang="en-IN" sz="800" kern="100" dirty="0">
+                        <a:effectLst/>
+                        <a:latin typeface="Calibri" panose="020F0502020204030204" pitchFamily="34" charset="0"/>
+                        <a:ea typeface="Calibri" panose="020F0502020204030204" pitchFamily="34" charset="0"/>
+                        <a:cs typeface="Times New Roman" panose="02020603050405020304" pitchFamily="18" charset="0"/>
+                      </a:endParaRPr>
+                    </a:p>
+                  </a:txBody>
+                  <a:tcPr marL="4931" marR="4931" marT="4931" marB="4931" anchor="ctr">
+                    <a:lnL w="3175" cap="flat" cmpd="sng" algn="ctr">
+                      <a:solidFill>
+                        <a:schemeClr val="tx1"/>
+                      </a:solidFill>
+                      <a:prstDash val="solid"/>
+                      <a:round/>
+                      <a:headEnd type="none" w="med" len="med"/>
+                      <a:tailEnd type="none" w="med" len="med"/>
+                    </a:lnL>
+                    <a:lnR w="3175" cap="flat" cmpd="sng" algn="ctr">
+                      <a:solidFill>
+                        <a:schemeClr val="tx1"/>
+                      </a:solidFill>
+                      <a:prstDash val="solid"/>
+                      <a:round/>
+                      <a:headEnd type="none" w="med" len="med"/>
+                      <a:tailEnd type="none" w="med" len="med"/>
+                    </a:lnR>
+                    <a:lnT w="3175" cap="flat" cmpd="sng" algn="ctr">
+                      <a:solidFill>
+                        <a:schemeClr val="tx1"/>
+                      </a:solidFill>
+                      <a:prstDash val="solid"/>
+                      <a:round/>
+                      <a:headEnd type="none" w="med" len="med"/>
+                      <a:tailEnd type="none" w="med" len="med"/>
+                    </a:lnT>
+                    <a:lnB w="3175" cap="flat" cmpd="sng" algn="ctr">
+                      <a:solidFill>
+                        <a:schemeClr val="tx1"/>
+                      </a:solidFill>
+                      <a:prstDash val="solid"/>
+                      <a:round/>
+                      <a:headEnd type="none" w="med" len="med"/>
+                      <a:tailEnd type="none" w="med" len="med"/>
+                    </a:lnB>
+                    <a:lnTlToBr w="12700" cmpd="sng">
+                      <a:noFill/>
+                      <a:prstDash val="solid"/>
+                    </a:lnTlToBr>
+                    <a:lnBlToTr w="12700" cmpd="sng">
+                      <a:noFill/>
+                      <a:prstDash val="solid"/>
+                    </a:lnBlToTr>
+                  </a:tcPr>
+                </a:tc>
+                <a:tc>
+                  <a:txBody>
+                    <a:bodyPr/>
+                    <a:lstStyle/>
+                    <a:p>
+                      <a:pPr lvl="1" algn="ctr">
+                        <a:lnSpc>
+                          <a:spcPct val="107000"/>
+                        </a:lnSpc>
+                        <a:spcAft>
+                          <a:spcPts val="800"/>
+                        </a:spcAft>
+                        <a:buNone/>
+                      </a:pPr>
+                      <a:r>
+                        <a:rPr lang="en-IN" sz="800" kern="100" dirty="0">
+                          <a:effectLst/>
+                          <a:latin typeface="Calibri" panose="020F0502020204030204" pitchFamily="34" charset="0"/>
+                          <a:ea typeface="Calibri" panose="020F0502020204030204" pitchFamily="34" charset="0"/>
+                          <a:cs typeface="Times New Roman" panose="02020603050405020304" pitchFamily="18" charset="0"/>
+                        </a:rPr>
+                        <a:t>2025</a:t>
+                      </a:r>
+                    </a:p>
+                  </a:txBody>
+                  <a:tcPr anchor="ctr">
+                    <a:lnL w="3175" cap="flat" cmpd="sng" algn="ctr">
+                      <a:solidFill>
+                        <a:schemeClr val="tx1"/>
+                      </a:solidFill>
+                      <a:prstDash val="solid"/>
+                      <a:round/>
+                      <a:headEnd type="none" w="med" len="med"/>
+                      <a:tailEnd type="none" w="med" len="med"/>
+                    </a:lnL>
+                    <a:lnR w="3175" cap="flat" cmpd="sng" algn="ctr">
+                      <a:solidFill>
+                        <a:schemeClr val="tx1"/>
+                      </a:solidFill>
+                      <a:prstDash val="solid"/>
+                      <a:round/>
+                      <a:headEnd type="none" w="med" len="med"/>
+                      <a:tailEnd type="none" w="med" len="med"/>
+                    </a:lnR>
+                    <a:lnT w="3175" cap="flat" cmpd="sng" algn="ctr">
+                      <a:solidFill>
+                        <a:schemeClr val="tx1"/>
+                      </a:solidFill>
+                      <a:prstDash val="solid"/>
+                      <a:round/>
+                      <a:headEnd type="none" w="med" len="med"/>
+                      <a:tailEnd type="none" w="med" len="med"/>
+                    </a:lnT>
+                    <a:lnB w="3175" cap="flat" cmpd="sng" algn="ctr">
+                      <a:solidFill>
+                        <a:schemeClr val="tx1"/>
+                      </a:solidFill>
+                      <a:prstDash val="solid"/>
+                      <a:round/>
+                      <a:headEnd type="none" w="med" len="med"/>
+                      <a:tailEnd type="none" w="med" len="med"/>
+                    </a:lnB>
+                    <a:lnTlToBr w="12700" cmpd="sng">
+                      <a:noFill/>
+                      <a:prstDash val="solid"/>
+                    </a:lnTlToBr>
+                    <a:lnBlToTr w="12700" cmpd="sng">
+                      <a:noFill/>
+                      <a:prstDash val="solid"/>
+                    </a:lnBlToTr>
+                  </a:tcPr>
+                </a:tc>
+                <a:tc>
+                  <a:txBody>
+                    <a:bodyPr/>
+                    <a:lstStyle/>
+                    <a:p>
+                      <a:pPr lvl="1" algn="l">
+                        <a:lnSpc>
+                          <a:spcPct val="107000"/>
+                        </a:lnSpc>
+                        <a:spcAft>
+                          <a:spcPts val="800"/>
+                        </a:spcAft>
+                        <a:buNone/>
+                      </a:pPr>
+                      <a:r>
+                        <a:rPr lang="en-IN" sz="800" kern="100" dirty="0">
+                          <a:effectLst/>
+                        </a:rPr>
+                        <a:t>Beyond Text: Implementing Multimodal LLM-Powered Multi-Agent Systems Using a No-Code Platform</a:t>
+                      </a:r>
+                      <a:endParaRPr lang="en-IN" sz="800" kern="100" dirty="0">
+                        <a:effectLst/>
+                        <a:latin typeface="Calibri" panose="020F0502020204030204" pitchFamily="34" charset="0"/>
+                        <a:ea typeface="Calibri" panose="020F0502020204030204" pitchFamily="34" charset="0"/>
+                        <a:cs typeface="Times New Roman" panose="02020603050405020304" pitchFamily="18" charset="0"/>
+                      </a:endParaRPr>
+                    </a:p>
+                  </a:txBody>
+                  <a:tcPr anchor="ctr">
+                    <a:lnL w="3175" cap="flat" cmpd="sng" algn="ctr">
+                      <a:solidFill>
+                        <a:schemeClr val="tx1"/>
+                      </a:solidFill>
+                      <a:prstDash val="solid"/>
+                      <a:round/>
+                      <a:headEnd type="none" w="med" len="med"/>
+                      <a:tailEnd type="none" w="med" len="med"/>
+                    </a:lnL>
+                    <a:lnR w="3175" cap="flat" cmpd="sng" algn="ctr">
+                      <a:solidFill>
+                        <a:schemeClr val="tx1"/>
+                      </a:solidFill>
+                      <a:prstDash val="solid"/>
+                      <a:round/>
+                      <a:headEnd type="none" w="med" len="med"/>
+                      <a:tailEnd type="none" w="med" len="med"/>
+                    </a:lnR>
+                    <a:lnT w="3175" cap="flat" cmpd="sng" algn="ctr">
+                      <a:solidFill>
+                        <a:schemeClr val="tx1"/>
+                      </a:solidFill>
+                      <a:prstDash val="solid"/>
+                      <a:round/>
+                      <a:headEnd type="none" w="med" len="med"/>
+                      <a:tailEnd type="none" w="med" len="med"/>
+                    </a:lnT>
+                    <a:lnB w="3175" cap="flat" cmpd="sng" algn="ctr">
+                      <a:solidFill>
+                        <a:schemeClr val="tx1"/>
+                      </a:solidFill>
+                      <a:prstDash val="solid"/>
+                      <a:round/>
+                      <a:headEnd type="none" w="med" len="med"/>
+                      <a:tailEnd type="none" w="med" len="med"/>
+                    </a:lnB>
+                    <a:lnTlToBr w="12700" cmpd="sng">
+                      <a:noFill/>
+                      <a:prstDash val="solid"/>
+                    </a:lnTlToBr>
+                    <a:lnBlToTr w="12700" cmpd="sng">
+                      <a:noFill/>
+                      <a:prstDash val="solid"/>
+                    </a:lnBlToTr>
+                  </a:tcPr>
+                </a:tc>
+                <a:tc>
+                  <a:txBody>
+                    <a:bodyPr/>
+                    <a:lstStyle/>
+                    <a:p>
+                      <a:pPr>
+                        <a:lnSpc>
+                          <a:spcPct val="107000"/>
+                        </a:lnSpc>
+                        <a:spcAft>
+                          <a:spcPts val="800"/>
+                        </a:spcAft>
+                        <a:buNone/>
+                      </a:pPr>
+                      <a:r>
+                        <a:rPr lang="en-IN" sz="800" b="0" i="0" u="none" strike="noStrike" kern="100" cap="none" dirty="0" err="1">
+                          <a:solidFill>
+                            <a:schemeClr val="tx1"/>
+                          </a:solidFill>
+                          <a:effectLst/>
+                          <a:latin typeface="+mn-lt"/>
+                          <a:ea typeface="+mn-ea"/>
+                          <a:cs typeface="+mn-cs"/>
+                          <a:sym typeface="Arial" panose="020B0604020202020204"/>
+                        </a:rPr>
+                        <a:t>Cheonsu</a:t>
+                      </a:r>
+                      <a:r>
+                        <a:rPr lang="en-IN" sz="800" b="0" i="0" u="none" strike="noStrike" kern="100" cap="none" dirty="0">
+                          <a:solidFill>
+                            <a:schemeClr val="tx1"/>
+                          </a:solidFill>
+                          <a:effectLst/>
+                          <a:latin typeface="+mn-lt"/>
+                          <a:ea typeface="+mn-ea"/>
+                          <a:cs typeface="+mn-cs"/>
+                          <a:sym typeface="Arial" panose="020B0604020202020204"/>
+                        </a:rPr>
+                        <a:t> </a:t>
+                      </a:r>
+                      <a:r>
+                        <a:rPr lang="en-IN" sz="800" kern="100" dirty="0">
+                          <a:effectLst/>
+                        </a:rPr>
+                        <a:t> Jeong </a:t>
+                      </a:r>
+                      <a:endParaRPr lang="en-IN" sz="800" kern="100" dirty="0">
+                        <a:effectLst/>
+                        <a:latin typeface="Calibri" panose="020F0502020204030204" pitchFamily="34" charset="0"/>
+                        <a:ea typeface="Calibri" panose="020F0502020204030204" pitchFamily="34" charset="0"/>
+                        <a:cs typeface="Times New Roman" panose="02020603050405020304" pitchFamily="18" charset="0"/>
+                      </a:endParaRPr>
+                    </a:p>
+                  </a:txBody>
+                  <a:tcPr anchor="ctr">
+                    <a:lnL w="3175" cap="flat" cmpd="sng" algn="ctr">
+                      <a:solidFill>
+                        <a:schemeClr val="tx1"/>
+                      </a:solidFill>
+                      <a:prstDash val="solid"/>
+                      <a:round/>
+                      <a:headEnd type="none" w="med" len="med"/>
+                      <a:tailEnd type="none" w="med" len="med"/>
+                    </a:lnL>
+                    <a:lnR w="3175" cap="flat" cmpd="sng" algn="ctr">
+                      <a:solidFill>
+                        <a:schemeClr val="tx1"/>
+                      </a:solidFill>
+                      <a:prstDash val="solid"/>
+                      <a:round/>
+                      <a:headEnd type="none" w="med" len="med"/>
+                      <a:tailEnd type="none" w="med" len="med"/>
+                    </a:lnR>
+                    <a:lnT w="3175" cap="flat" cmpd="sng" algn="ctr">
+                      <a:solidFill>
+                        <a:schemeClr val="tx1"/>
+                      </a:solidFill>
+                      <a:prstDash val="solid"/>
+                      <a:round/>
+                      <a:headEnd type="none" w="med" len="med"/>
+                      <a:tailEnd type="none" w="med" len="med"/>
+                    </a:lnT>
+                    <a:lnB w="3175" cap="flat" cmpd="sng" algn="ctr">
+                      <a:solidFill>
+                        <a:schemeClr val="tx1"/>
+                      </a:solidFill>
+                      <a:prstDash val="solid"/>
+                      <a:round/>
+                      <a:headEnd type="none" w="med" len="med"/>
+                      <a:tailEnd type="none" w="med" len="med"/>
+                    </a:lnB>
+                    <a:lnTlToBr w="12700" cmpd="sng">
+                      <a:noFill/>
+                      <a:prstDash val="solid"/>
+                    </a:lnTlToBr>
+                    <a:lnBlToTr w="12700" cmpd="sng">
+                      <a:noFill/>
+                      <a:prstDash val="solid"/>
+                    </a:lnBlToTr>
+                  </a:tcPr>
+                </a:tc>
+                <a:tc>
+                  <a:txBody>
+                    <a:bodyPr/>
+                    <a:lstStyle/>
+                    <a:p>
+                      <a:pPr algn="just">
+                        <a:lnSpc>
+                          <a:spcPct val="107000"/>
+                        </a:lnSpc>
+                        <a:spcAft>
+                          <a:spcPts val="800"/>
+                        </a:spcAft>
+                        <a:buNone/>
+                      </a:pPr>
+                      <a:r>
+                        <a:rPr lang="en-IN" sz="800" kern="100" dirty="0">
+                          <a:effectLst/>
+                        </a:rPr>
+                        <a:t>Explores a no-code platform for building multi-agent conversational systems with RAG. Advantage: Demonstrates multimodal conversational AI in low-code setting. Limitation: Early-stage work; scalability in enterprise settings untested.</a:t>
+                      </a:r>
+                      <a:endParaRPr lang="en-IN" sz="800" kern="100" dirty="0">
+                        <a:effectLst/>
+                        <a:latin typeface="Calibri" panose="020F0502020204030204" pitchFamily="34" charset="0"/>
+                        <a:ea typeface="Calibri" panose="020F0502020204030204" pitchFamily="34" charset="0"/>
+                        <a:cs typeface="Times New Roman" panose="02020603050405020304" pitchFamily="18" charset="0"/>
+                      </a:endParaRPr>
+                    </a:p>
+                  </a:txBody>
+                  <a:tcPr anchor="ctr">
+                    <a:lnL w="3175" cap="flat" cmpd="sng" algn="ctr">
+                      <a:solidFill>
+                        <a:schemeClr val="tx1"/>
+                      </a:solidFill>
+                      <a:prstDash val="solid"/>
+                      <a:round/>
+                      <a:headEnd type="none" w="med" len="med"/>
+                      <a:tailEnd type="none" w="med" len="med"/>
+                    </a:lnL>
+                    <a:lnR w="3175" cap="flat" cmpd="sng" algn="ctr">
+                      <a:solidFill>
+                        <a:schemeClr val="tx1"/>
+                      </a:solidFill>
+                      <a:prstDash val="solid"/>
+                      <a:round/>
+                      <a:headEnd type="none" w="med" len="med"/>
+                      <a:tailEnd type="none" w="med" len="med"/>
+                    </a:lnR>
+                    <a:lnT w="3175" cap="flat" cmpd="sng" algn="ctr">
+                      <a:solidFill>
+                        <a:schemeClr val="tx1"/>
+                      </a:solidFill>
+                      <a:prstDash val="solid"/>
+                      <a:round/>
+                      <a:headEnd type="none" w="med" len="med"/>
+                      <a:tailEnd type="none" w="med" len="med"/>
+                    </a:lnT>
+                    <a:lnB w="3175" cap="flat" cmpd="sng" algn="ctr">
+                      <a:solidFill>
+                        <a:schemeClr val="tx1"/>
+                      </a:solidFill>
+                      <a:prstDash val="solid"/>
+                      <a:round/>
+                      <a:headEnd type="none" w="med" len="med"/>
+                      <a:tailEnd type="none" w="med" len="med"/>
+                    </a:lnB>
+                    <a:lnTlToBr w="12700" cmpd="sng">
+                      <a:noFill/>
+                      <a:prstDash val="solid"/>
+                    </a:lnTlToBr>
+                    <a:lnBlToTr w="12700" cmpd="sng">
+                      <a:noFill/>
+                      <a:prstDash val="solid"/>
+                    </a:lnBlToTr>
+                  </a:tcPr>
+                </a:tc>
+                <a:extLst>
+                  <a:ext uri="{0D108BD9-81ED-4DB2-BD59-A6C34878D82A}">
+                    <a16:rowId xmlns:a16="http://schemas.microsoft.com/office/drawing/2014/main" val="3714737215"/>
+                  </a:ext>
+                </a:extLst>
+              </a:tr>
+              <a:tr h="695088">
+                <a:tc>
+                  <a:txBody>
+                    <a:bodyPr/>
+                    <a:lstStyle/>
+                    <a:p>
+                      <a:pPr algn="ctr">
+                        <a:lnSpc>
+                          <a:spcPct val="107000"/>
+                        </a:lnSpc>
+                        <a:spcAft>
+                          <a:spcPts val="800"/>
+                        </a:spcAft>
+                        <a:buNone/>
+                      </a:pPr>
+                      <a:r>
+                        <a:rPr lang="en-IN" sz="800" kern="100" dirty="0">
+                          <a:effectLst/>
+                        </a:rPr>
+                        <a:t>3</a:t>
+                      </a:r>
+                      <a:endParaRPr lang="en-IN" sz="800" kern="100" dirty="0">
+                        <a:effectLst/>
+                        <a:latin typeface="Calibri" panose="020F0502020204030204" pitchFamily="34" charset="0"/>
+                        <a:ea typeface="Calibri" panose="020F0502020204030204" pitchFamily="34" charset="0"/>
+                        <a:cs typeface="Times New Roman" panose="02020603050405020304" pitchFamily="18" charset="0"/>
+                      </a:endParaRPr>
+                    </a:p>
+                  </a:txBody>
+                  <a:tcPr anchor="ctr">
+                    <a:lnL w="3175" cap="flat" cmpd="sng" algn="ctr">
+                      <a:solidFill>
+                        <a:schemeClr val="tx1"/>
+                      </a:solidFill>
+                      <a:prstDash val="solid"/>
+                      <a:round/>
+                      <a:headEnd type="none" w="med" len="med"/>
+                      <a:tailEnd type="none" w="med" len="med"/>
+                    </a:lnL>
+                    <a:lnR w="3175" cap="flat" cmpd="sng" algn="ctr">
+                      <a:solidFill>
+                        <a:schemeClr val="tx1"/>
+                      </a:solidFill>
+                      <a:prstDash val="solid"/>
+                      <a:round/>
+                      <a:headEnd type="none" w="med" len="med"/>
+                      <a:tailEnd type="none" w="med" len="med"/>
+                    </a:lnR>
+                    <a:lnT w="3175" cap="flat" cmpd="sng" algn="ctr">
+                      <a:solidFill>
+                        <a:schemeClr val="tx1"/>
+                      </a:solidFill>
+                      <a:prstDash val="solid"/>
+                      <a:round/>
+                      <a:headEnd type="none" w="med" len="med"/>
+                      <a:tailEnd type="none" w="med" len="med"/>
+                    </a:lnT>
+                    <a:lnB w="3175" cap="flat" cmpd="sng" algn="ctr">
+                      <a:solidFill>
+                        <a:schemeClr val="tx1"/>
+                      </a:solidFill>
+                      <a:prstDash val="solid"/>
+                      <a:round/>
+                      <a:headEnd type="none" w="med" len="med"/>
+                      <a:tailEnd type="none" w="med" len="med"/>
+                    </a:lnB>
+                    <a:lnTlToBr w="12700" cmpd="sng">
+                      <a:noFill/>
+                      <a:prstDash val="solid"/>
+                    </a:lnTlToBr>
+                    <a:lnBlToTr w="12700" cmpd="sng">
+                      <a:noFill/>
+                      <a:prstDash val="solid"/>
+                    </a:lnBlToTr>
+                  </a:tcPr>
+                </a:tc>
+                <a:tc>
+                  <a:txBody>
+                    <a:bodyPr/>
+                    <a:lstStyle/>
+                    <a:p>
+                      <a:pPr marR="0" lvl="1" algn="ctr" rtl="0">
+                        <a:lnSpc>
+                          <a:spcPct val="107000"/>
+                        </a:lnSpc>
+                        <a:spcBef>
+                          <a:spcPts val="0"/>
+                        </a:spcBef>
+                        <a:spcAft>
+                          <a:spcPts val="800"/>
+                        </a:spcAft>
+                        <a:buClr>
+                          <a:srgbClr val="000000"/>
+                        </a:buClr>
+                        <a:buFont typeface="Arial" panose="020B0604020202020204"/>
+                        <a:buNone/>
+                      </a:pPr>
+                      <a:r>
+                        <a:rPr lang="en-IN" sz="800" b="0" i="0" u="none" strike="noStrike" kern="100" cap="none" dirty="0">
+                          <a:solidFill>
+                            <a:schemeClr val="tx1"/>
+                          </a:solidFill>
+                          <a:effectLst/>
+                          <a:latin typeface="Calibri" panose="020F0502020204030204" pitchFamily="34" charset="0"/>
+                          <a:ea typeface="Calibri" panose="020F0502020204030204" pitchFamily="34" charset="0"/>
+                          <a:cs typeface="Times New Roman" panose="02020603050405020304" pitchFamily="18" charset="0"/>
+                          <a:sym typeface="Arial" panose="020B0604020202020204"/>
+                        </a:rPr>
+                        <a:t>2025</a:t>
+                      </a:r>
+                    </a:p>
+                  </a:txBody>
+                  <a:tcPr anchor="ctr">
+                    <a:lnL w="3175" cap="flat" cmpd="sng" algn="ctr">
+                      <a:solidFill>
+                        <a:schemeClr val="tx1"/>
+                      </a:solidFill>
+                      <a:prstDash val="solid"/>
+                      <a:round/>
+                      <a:headEnd type="none" w="med" len="med"/>
+                      <a:tailEnd type="none" w="med" len="med"/>
+                    </a:lnL>
+                    <a:lnR w="3175" cap="flat" cmpd="sng" algn="ctr">
+                      <a:solidFill>
+                        <a:schemeClr val="tx1"/>
+                      </a:solidFill>
+                      <a:prstDash val="solid"/>
+                      <a:round/>
+                      <a:headEnd type="none" w="med" len="med"/>
+                      <a:tailEnd type="none" w="med" len="med"/>
+                    </a:lnR>
+                    <a:lnT w="3175" cap="flat" cmpd="sng" algn="ctr">
+                      <a:solidFill>
+                        <a:schemeClr val="tx1"/>
+                      </a:solidFill>
+                      <a:prstDash val="solid"/>
+                      <a:round/>
+                      <a:headEnd type="none" w="med" len="med"/>
+                      <a:tailEnd type="none" w="med" len="med"/>
+                    </a:lnT>
+                    <a:lnB w="3175" cap="flat" cmpd="sng" algn="ctr">
+                      <a:solidFill>
+                        <a:schemeClr val="tx1"/>
+                      </a:solidFill>
+                      <a:prstDash val="solid"/>
+                      <a:round/>
+                      <a:headEnd type="none" w="med" len="med"/>
+                      <a:tailEnd type="none" w="med" len="med"/>
+                    </a:lnB>
+                    <a:lnTlToBr w="12700" cmpd="sng">
+                      <a:noFill/>
+                      <a:prstDash val="solid"/>
+                    </a:lnTlToBr>
+                    <a:lnBlToTr w="12700" cmpd="sng">
+                      <a:noFill/>
+                      <a:prstDash val="solid"/>
+                    </a:lnBlToTr>
+                  </a:tcPr>
+                </a:tc>
+                <a:tc>
+                  <a:txBody>
+                    <a:bodyPr/>
+                    <a:lstStyle/>
+                    <a:p>
+                      <a:pPr marR="0" lvl="1" algn="l" rtl="0">
+                        <a:lnSpc>
+                          <a:spcPct val="107000"/>
+                        </a:lnSpc>
+                        <a:spcBef>
+                          <a:spcPts val="0"/>
+                        </a:spcBef>
+                        <a:spcAft>
+                          <a:spcPts val="800"/>
+                        </a:spcAft>
+                        <a:buClr>
+                          <a:srgbClr val="000000"/>
+                        </a:buClr>
+                        <a:buFont typeface="Arial" panose="020B0604020202020204"/>
+                        <a:buNone/>
+                      </a:pPr>
+                      <a:r>
+                        <a:rPr lang="en-IN" sz="800" b="0" i="0" u="none" strike="noStrike" kern="100" cap="none" dirty="0">
+                          <a:solidFill>
+                            <a:schemeClr val="tx1"/>
+                          </a:solidFill>
+                          <a:effectLst/>
+                          <a:latin typeface="+mn-lt"/>
+                          <a:ea typeface="+mn-ea"/>
+                          <a:cs typeface="+mn-cs"/>
+                          <a:sym typeface="Arial" panose="020B0604020202020204"/>
+                        </a:rPr>
+                        <a:t>Low-Code RAG-LLM Framework for Context-Aware Querying in Electrical Standards, Design, and Research</a:t>
+                      </a:r>
+                    </a:p>
+                  </a:txBody>
+                  <a:tcPr anchor="ctr">
+                    <a:lnL w="3175" cap="flat" cmpd="sng" algn="ctr">
+                      <a:solidFill>
+                        <a:schemeClr val="tx1"/>
+                      </a:solidFill>
+                      <a:prstDash val="solid"/>
+                      <a:round/>
+                      <a:headEnd type="none" w="med" len="med"/>
+                      <a:tailEnd type="none" w="med" len="med"/>
+                    </a:lnL>
+                    <a:lnR w="3175" cap="flat" cmpd="sng" algn="ctr">
+                      <a:solidFill>
+                        <a:schemeClr val="tx1"/>
+                      </a:solidFill>
+                      <a:prstDash val="solid"/>
+                      <a:round/>
+                      <a:headEnd type="none" w="med" len="med"/>
+                      <a:tailEnd type="none" w="med" len="med"/>
+                    </a:lnR>
+                    <a:lnT w="3175" cap="flat" cmpd="sng" algn="ctr">
+                      <a:solidFill>
+                        <a:schemeClr val="tx1"/>
+                      </a:solidFill>
+                      <a:prstDash val="solid"/>
+                      <a:round/>
+                      <a:headEnd type="none" w="med" len="med"/>
+                      <a:tailEnd type="none" w="med" len="med"/>
+                    </a:lnT>
+                    <a:lnB w="3175" cap="flat" cmpd="sng" algn="ctr">
+                      <a:solidFill>
+                        <a:schemeClr val="tx1"/>
+                      </a:solidFill>
+                      <a:prstDash val="solid"/>
+                      <a:round/>
+                      <a:headEnd type="none" w="med" len="med"/>
+                      <a:tailEnd type="none" w="med" len="med"/>
+                    </a:lnB>
+                    <a:lnTlToBr w="12700" cmpd="sng">
+                      <a:noFill/>
+                      <a:prstDash val="solid"/>
+                    </a:lnTlToBr>
+                    <a:lnBlToTr w="12700" cmpd="sng">
+                      <a:noFill/>
+                      <a:prstDash val="solid"/>
+                    </a:lnBlToTr>
+                  </a:tcPr>
+                </a:tc>
+                <a:tc>
+                  <a:txBody>
+                    <a:bodyPr/>
+                    <a:lstStyle/>
+                    <a:p>
+                      <a:pPr marR="0" lvl="1" algn="l" rtl="0">
+                        <a:lnSpc>
+                          <a:spcPct val="107000"/>
+                        </a:lnSpc>
+                        <a:spcBef>
+                          <a:spcPts val="0"/>
+                        </a:spcBef>
+                        <a:spcAft>
+                          <a:spcPts val="800"/>
+                        </a:spcAft>
+                        <a:buClr>
+                          <a:srgbClr val="000000"/>
+                        </a:buClr>
+                        <a:buFont typeface="Arial" panose="020B0604020202020204"/>
+                        <a:buNone/>
+                      </a:pPr>
+                      <a:r>
+                        <a:rPr lang="en-IN" sz="800" b="0" i="0" u="none" strike="noStrike" kern="100" cap="none" dirty="0">
+                          <a:solidFill>
+                            <a:schemeClr val="tx1"/>
+                          </a:solidFill>
+                          <a:effectLst/>
+                          <a:latin typeface="+mn-lt"/>
+                          <a:ea typeface="+mn-ea"/>
+                          <a:cs typeface="+mn-cs"/>
+                          <a:sym typeface="Arial" panose="020B0604020202020204"/>
+                        </a:rPr>
+                        <a:t>Soham Ghosh &amp; Gaurav Mittal (preprint on Preprints.org) </a:t>
+                      </a:r>
+                      <a:r>
+                        <a:rPr lang="en-IN" sz="800" b="0" i="0" u="none" strike="noStrike" kern="100" cap="none" dirty="0">
+                          <a:solidFill>
+                            <a:schemeClr val="tx1"/>
+                          </a:solidFill>
+                          <a:effectLst/>
+                          <a:latin typeface="+mn-lt"/>
+                          <a:ea typeface="+mn-ea"/>
+                          <a:cs typeface="+mn-cs"/>
+                          <a:sym typeface="Arial" panose="020B0604020202020204"/>
+                          <a:hlinkClick r:id="rId3">
+                            <a:extLst>
+                              <a:ext uri="{A12FA001-AC4F-418D-AE19-62706E023703}">
+                                <ahyp:hlinkClr xmlns:ahyp="http://schemas.microsoft.com/office/drawing/2018/hyperlinkcolor" val="tx"/>
+                              </a:ext>
+                            </a:extLst>
+                          </a:hlinkClick>
+                        </a:rPr>
+                        <a:t>Preprints</a:t>
+                      </a:r>
+                      <a:endParaRPr lang="en-IN" sz="800" b="0" i="0" u="none" strike="noStrike" kern="100" cap="none" dirty="0">
+                        <a:solidFill>
+                          <a:schemeClr val="tx1"/>
+                        </a:solidFill>
+                        <a:effectLst/>
+                        <a:latin typeface="+mn-lt"/>
+                        <a:ea typeface="+mn-ea"/>
+                        <a:cs typeface="+mn-cs"/>
+                        <a:sym typeface="Arial" panose="020B0604020202020204"/>
+                      </a:endParaRPr>
+                    </a:p>
+                  </a:txBody>
+                  <a:tcPr anchor="ctr">
+                    <a:lnL w="3175" cap="flat" cmpd="sng" algn="ctr">
+                      <a:solidFill>
+                        <a:schemeClr val="tx1"/>
+                      </a:solidFill>
+                      <a:prstDash val="solid"/>
+                      <a:round/>
+                      <a:headEnd type="none" w="med" len="med"/>
+                      <a:tailEnd type="none" w="med" len="med"/>
+                    </a:lnL>
+                    <a:lnR w="3175" cap="flat" cmpd="sng" algn="ctr">
+                      <a:solidFill>
+                        <a:schemeClr val="tx1"/>
+                      </a:solidFill>
+                      <a:prstDash val="solid"/>
+                      <a:round/>
+                      <a:headEnd type="none" w="med" len="med"/>
+                      <a:tailEnd type="none" w="med" len="med"/>
+                    </a:lnR>
+                    <a:lnT w="3175" cap="flat" cmpd="sng" algn="ctr">
+                      <a:solidFill>
+                        <a:schemeClr val="tx1"/>
+                      </a:solidFill>
+                      <a:prstDash val="solid"/>
+                      <a:round/>
+                      <a:headEnd type="none" w="med" len="med"/>
+                      <a:tailEnd type="none" w="med" len="med"/>
+                    </a:lnT>
+                    <a:lnB w="3175" cap="flat" cmpd="sng" algn="ctr">
+                      <a:solidFill>
+                        <a:schemeClr val="tx1"/>
+                      </a:solidFill>
+                      <a:prstDash val="solid"/>
+                      <a:round/>
+                      <a:headEnd type="none" w="med" len="med"/>
+                      <a:tailEnd type="none" w="med" len="med"/>
+                    </a:lnB>
+                    <a:lnTlToBr w="12700" cmpd="sng">
+                      <a:noFill/>
+                      <a:prstDash val="solid"/>
+                    </a:lnTlToBr>
+                    <a:lnBlToTr w="12700" cmpd="sng">
+                      <a:noFill/>
+                      <a:prstDash val="solid"/>
+                    </a:lnBlToTr>
+                  </a:tcPr>
+                </a:tc>
+                <a:tc>
+                  <a:txBody>
+                    <a:bodyPr/>
+                    <a:lstStyle/>
+                    <a:p>
+                      <a:pPr marR="0" lvl="1" algn="just" rtl="0">
+                        <a:lnSpc>
+                          <a:spcPct val="107000"/>
+                        </a:lnSpc>
+                        <a:spcBef>
+                          <a:spcPts val="0"/>
+                        </a:spcBef>
+                        <a:spcAft>
+                          <a:spcPts val="800"/>
+                        </a:spcAft>
+                        <a:buClr>
+                          <a:srgbClr val="000000"/>
+                        </a:buClr>
+                        <a:buFont typeface="Arial" panose="020B0604020202020204"/>
+                        <a:buNone/>
+                      </a:pPr>
+                      <a:r>
+                        <a:rPr lang="en-IN" sz="800" b="0" i="0" u="none" strike="noStrike" kern="100" cap="none" dirty="0">
+                          <a:solidFill>
+                            <a:schemeClr val="tx1"/>
+                          </a:solidFill>
+                          <a:effectLst/>
+                          <a:latin typeface="+mn-lt"/>
+                          <a:ea typeface="+mn-ea"/>
+                          <a:cs typeface="+mn-cs"/>
+                          <a:sym typeface="Arial" panose="020B0604020202020204"/>
+                        </a:rPr>
+                        <a:t>Introduces a low-code RAG-LLM pipeline built using N8N, tailored for domain-specific querying; modular, supports reranking, contextual retrieval, knowledge-graph augmentation; evaluated on NFPA, IEEE Xplore documents </a:t>
+                      </a:r>
+                      <a:r>
+                        <a:rPr lang="en-IN" sz="800" b="0" i="0" u="none" strike="noStrike" kern="100" cap="none" dirty="0">
+                          <a:solidFill>
+                            <a:schemeClr val="tx1"/>
+                          </a:solidFill>
+                          <a:effectLst/>
+                          <a:latin typeface="+mn-lt"/>
+                          <a:ea typeface="+mn-ea"/>
+                          <a:cs typeface="+mn-cs"/>
+                          <a:sym typeface="Arial" panose="020B0604020202020204"/>
+                          <a:hlinkClick r:id="rId3">
+                            <a:extLst>
+                              <a:ext uri="{A12FA001-AC4F-418D-AE19-62706E023703}">
+                                <ahyp:hlinkClr xmlns:ahyp="http://schemas.microsoft.com/office/drawing/2018/hyperlinkcolor" val="tx"/>
+                              </a:ext>
+                            </a:extLst>
+                          </a:hlinkClick>
+                        </a:rPr>
+                        <a:t>Preprints</a:t>
+                      </a:r>
+                      <a:endParaRPr lang="en-IN" sz="800" b="0" i="0" u="none" strike="noStrike" kern="100" cap="none" dirty="0">
+                        <a:solidFill>
+                          <a:schemeClr val="tx1"/>
+                        </a:solidFill>
+                        <a:effectLst/>
+                        <a:latin typeface="+mn-lt"/>
+                        <a:ea typeface="+mn-ea"/>
+                        <a:cs typeface="+mn-cs"/>
+                        <a:sym typeface="Arial" panose="020B0604020202020204"/>
+                      </a:endParaRPr>
+                    </a:p>
+                  </a:txBody>
+                  <a:tcPr anchor="ctr">
+                    <a:lnL w="3175" cap="flat" cmpd="sng" algn="ctr">
+                      <a:solidFill>
+                        <a:schemeClr val="tx1"/>
+                      </a:solidFill>
+                      <a:prstDash val="solid"/>
+                      <a:round/>
+                      <a:headEnd type="none" w="med" len="med"/>
+                      <a:tailEnd type="none" w="med" len="med"/>
+                    </a:lnL>
+                    <a:lnR w="3175" cap="flat" cmpd="sng" algn="ctr">
+                      <a:solidFill>
+                        <a:schemeClr val="tx1"/>
+                      </a:solidFill>
+                      <a:prstDash val="solid"/>
+                      <a:round/>
+                      <a:headEnd type="none" w="med" len="med"/>
+                      <a:tailEnd type="none" w="med" len="med"/>
+                    </a:lnR>
+                    <a:lnT w="3175" cap="flat" cmpd="sng" algn="ctr">
+                      <a:solidFill>
+                        <a:schemeClr val="tx1"/>
+                      </a:solidFill>
+                      <a:prstDash val="solid"/>
+                      <a:round/>
+                      <a:headEnd type="none" w="med" len="med"/>
+                      <a:tailEnd type="none" w="med" len="med"/>
+                    </a:lnT>
+                    <a:lnB w="3175" cap="flat" cmpd="sng" algn="ctr">
+                      <a:solidFill>
+                        <a:schemeClr val="tx1"/>
+                      </a:solidFill>
+                      <a:prstDash val="solid"/>
+                      <a:round/>
+                      <a:headEnd type="none" w="med" len="med"/>
+                      <a:tailEnd type="none" w="med" len="med"/>
+                    </a:lnB>
+                    <a:lnTlToBr w="12700" cmpd="sng">
+                      <a:noFill/>
+                      <a:prstDash val="solid"/>
+                    </a:lnTlToBr>
+                    <a:lnBlToTr w="12700" cmpd="sng">
+                      <a:noFill/>
+                      <a:prstDash val="solid"/>
+                    </a:lnBlToTr>
+                  </a:tcPr>
+                </a:tc>
+                <a:extLst>
+                  <a:ext uri="{0D108BD9-81ED-4DB2-BD59-A6C34878D82A}">
+                    <a16:rowId xmlns:a16="http://schemas.microsoft.com/office/drawing/2014/main" val="3235423339"/>
+                  </a:ext>
+                </a:extLst>
+              </a:tr>
+              <a:tr h="668134">
+                <a:tc>
+                  <a:txBody>
+                    <a:bodyPr/>
+                    <a:lstStyle/>
+                    <a:p>
+                      <a:pPr algn="ctr">
+                        <a:lnSpc>
+                          <a:spcPct val="107000"/>
+                        </a:lnSpc>
+                        <a:spcAft>
+                          <a:spcPts val="800"/>
+                        </a:spcAft>
+                        <a:buNone/>
+                      </a:pPr>
+                      <a:r>
+                        <a:rPr lang="en-IN" sz="800" kern="100" dirty="0">
+                          <a:effectLst/>
+                        </a:rPr>
+                        <a:t>4</a:t>
+                      </a:r>
+                      <a:endParaRPr lang="en-IN" sz="800" kern="100" dirty="0">
+                        <a:effectLst/>
+                        <a:latin typeface="Calibri" panose="020F0502020204030204" pitchFamily="34" charset="0"/>
+                        <a:ea typeface="Calibri" panose="020F0502020204030204" pitchFamily="34" charset="0"/>
+                        <a:cs typeface="Times New Roman" panose="02020603050405020304" pitchFamily="18" charset="0"/>
+                      </a:endParaRPr>
+                    </a:p>
+                  </a:txBody>
+                  <a:tcPr marL="4931" marR="4931" marT="4931" marB="4931" anchor="ctr">
+                    <a:lnL w="3175" cap="flat" cmpd="sng" algn="ctr">
+                      <a:solidFill>
+                        <a:schemeClr val="tx1"/>
+                      </a:solidFill>
+                      <a:prstDash val="solid"/>
+                      <a:round/>
+                      <a:headEnd type="none" w="med" len="med"/>
+                      <a:tailEnd type="none" w="med" len="med"/>
+                    </a:lnL>
+                    <a:lnR w="3175" cap="flat" cmpd="sng" algn="ctr">
+                      <a:solidFill>
+                        <a:schemeClr val="tx1"/>
+                      </a:solidFill>
+                      <a:prstDash val="solid"/>
+                      <a:round/>
+                      <a:headEnd type="none" w="med" len="med"/>
+                      <a:tailEnd type="none" w="med" len="med"/>
+                    </a:lnR>
+                    <a:lnT w="3175" cap="flat" cmpd="sng" algn="ctr">
+                      <a:solidFill>
+                        <a:schemeClr val="tx1"/>
+                      </a:solidFill>
+                      <a:prstDash val="solid"/>
+                      <a:round/>
+                      <a:headEnd type="none" w="med" len="med"/>
+                      <a:tailEnd type="none" w="med" len="med"/>
+                    </a:lnT>
+                    <a:lnB w="3175" cap="flat" cmpd="sng" algn="ctr">
+                      <a:solidFill>
+                        <a:schemeClr val="tx1"/>
+                      </a:solidFill>
+                      <a:prstDash val="solid"/>
+                      <a:round/>
+                      <a:headEnd type="none" w="med" len="med"/>
+                      <a:tailEnd type="none" w="med" len="med"/>
+                    </a:lnB>
+                    <a:lnTlToBr w="12700" cmpd="sng">
+                      <a:noFill/>
+                      <a:prstDash val="solid"/>
+                    </a:lnTlToBr>
+                    <a:lnBlToTr w="12700" cmpd="sng">
+                      <a:noFill/>
+                      <a:prstDash val="solid"/>
+                    </a:lnBlToTr>
+                  </a:tcPr>
+                </a:tc>
+                <a:tc>
+                  <a:txBody>
+                    <a:bodyPr/>
+                    <a:lstStyle/>
+                    <a:p>
+                      <a:pPr lvl="1" algn="ctr">
+                        <a:lnSpc>
+                          <a:spcPct val="107000"/>
+                        </a:lnSpc>
+                        <a:spcAft>
+                          <a:spcPts val="800"/>
+                        </a:spcAft>
+                        <a:buNone/>
+                      </a:pPr>
+                      <a:r>
+                        <a:rPr lang="en-IN" sz="800" kern="100" dirty="0">
+                          <a:effectLst/>
+                          <a:latin typeface="Calibri" panose="020F0502020204030204" pitchFamily="34" charset="0"/>
+                          <a:ea typeface="Calibri" panose="020F0502020204030204" pitchFamily="34" charset="0"/>
+                          <a:cs typeface="Times New Roman" panose="02020603050405020304" pitchFamily="18" charset="0"/>
+                        </a:rPr>
+                        <a:t>2024</a:t>
+                      </a:r>
+                    </a:p>
+                  </a:txBody>
+                  <a:tcPr anchor="ctr">
+                    <a:lnL w="3175" cap="flat" cmpd="sng" algn="ctr">
+                      <a:solidFill>
+                        <a:schemeClr val="tx1"/>
+                      </a:solidFill>
+                      <a:prstDash val="solid"/>
+                      <a:round/>
+                      <a:headEnd type="none" w="med" len="med"/>
+                      <a:tailEnd type="none" w="med" len="med"/>
+                    </a:lnL>
+                    <a:lnR w="3175" cap="flat" cmpd="sng" algn="ctr">
+                      <a:solidFill>
+                        <a:schemeClr val="tx1"/>
+                      </a:solidFill>
+                      <a:prstDash val="solid"/>
+                      <a:round/>
+                      <a:headEnd type="none" w="med" len="med"/>
+                      <a:tailEnd type="none" w="med" len="med"/>
+                    </a:lnR>
+                    <a:lnT w="3175" cap="flat" cmpd="sng" algn="ctr">
+                      <a:solidFill>
+                        <a:schemeClr val="tx1"/>
+                      </a:solidFill>
+                      <a:prstDash val="solid"/>
+                      <a:round/>
+                      <a:headEnd type="none" w="med" len="med"/>
+                      <a:tailEnd type="none" w="med" len="med"/>
+                    </a:lnT>
+                    <a:lnB w="3175" cap="flat" cmpd="sng" algn="ctr">
+                      <a:solidFill>
+                        <a:schemeClr val="tx1"/>
+                      </a:solidFill>
+                      <a:prstDash val="solid"/>
+                      <a:round/>
+                      <a:headEnd type="none" w="med" len="med"/>
+                      <a:tailEnd type="none" w="med" len="med"/>
+                    </a:lnB>
+                    <a:lnTlToBr w="12700" cmpd="sng">
+                      <a:noFill/>
+                      <a:prstDash val="solid"/>
+                    </a:lnTlToBr>
+                    <a:lnBlToTr w="12700" cmpd="sng">
+                      <a:noFill/>
+                      <a:prstDash val="solid"/>
+                    </a:lnBlToTr>
+                  </a:tcPr>
+                </a:tc>
+                <a:tc>
+                  <a:txBody>
+                    <a:bodyPr/>
+                    <a:lstStyle/>
+                    <a:p>
+                      <a:pPr lvl="1" algn="l">
+                        <a:lnSpc>
+                          <a:spcPct val="107000"/>
+                        </a:lnSpc>
+                        <a:spcAft>
+                          <a:spcPts val="800"/>
+                        </a:spcAft>
+                        <a:buNone/>
+                      </a:pPr>
+                      <a:r>
+                        <a:rPr lang="en-IN" sz="800" kern="100" dirty="0">
+                          <a:effectLst/>
+                        </a:rPr>
+                        <a:t>Generating a Low-Code Workflow via Task Decomposition and RAG</a:t>
+                      </a:r>
+                      <a:endParaRPr lang="en-IN" sz="800" kern="100" dirty="0">
+                        <a:effectLst/>
+                        <a:latin typeface="Calibri" panose="020F0502020204030204" pitchFamily="34" charset="0"/>
+                        <a:ea typeface="Calibri" panose="020F0502020204030204" pitchFamily="34" charset="0"/>
+                        <a:cs typeface="Times New Roman" panose="02020603050405020304" pitchFamily="18" charset="0"/>
+                      </a:endParaRPr>
+                    </a:p>
+                  </a:txBody>
+                  <a:tcPr anchor="ctr">
+                    <a:lnL w="3175" cap="flat" cmpd="sng" algn="ctr">
+                      <a:solidFill>
+                        <a:schemeClr val="tx1"/>
+                      </a:solidFill>
+                      <a:prstDash val="solid"/>
+                      <a:round/>
+                      <a:headEnd type="none" w="med" len="med"/>
+                      <a:tailEnd type="none" w="med" len="med"/>
+                    </a:lnL>
+                    <a:lnR w="3175" cap="flat" cmpd="sng" algn="ctr">
+                      <a:solidFill>
+                        <a:schemeClr val="tx1"/>
+                      </a:solidFill>
+                      <a:prstDash val="solid"/>
+                      <a:round/>
+                      <a:headEnd type="none" w="med" len="med"/>
+                      <a:tailEnd type="none" w="med" len="med"/>
+                    </a:lnR>
+                    <a:lnT w="3175" cap="flat" cmpd="sng" algn="ctr">
+                      <a:solidFill>
+                        <a:schemeClr val="tx1"/>
+                      </a:solidFill>
+                      <a:prstDash val="solid"/>
+                      <a:round/>
+                      <a:headEnd type="none" w="med" len="med"/>
+                      <a:tailEnd type="none" w="med" len="med"/>
+                    </a:lnT>
+                    <a:lnB w="3175" cap="flat" cmpd="sng" algn="ctr">
+                      <a:solidFill>
+                        <a:schemeClr val="tx1"/>
+                      </a:solidFill>
+                      <a:prstDash val="solid"/>
+                      <a:round/>
+                      <a:headEnd type="none" w="med" len="med"/>
+                      <a:tailEnd type="none" w="med" len="med"/>
+                    </a:lnB>
+                    <a:lnTlToBr w="12700" cmpd="sng">
+                      <a:noFill/>
+                      <a:prstDash val="solid"/>
+                    </a:lnTlToBr>
+                    <a:lnBlToTr w="12700" cmpd="sng">
+                      <a:noFill/>
+                      <a:prstDash val="solid"/>
+                    </a:lnBlToTr>
+                  </a:tcPr>
+                </a:tc>
+                <a:tc>
+                  <a:txBody>
+                    <a:bodyPr/>
+                    <a:lstStyle/>
+                    <a:p>
+                      <a:pPr>
+                        <a:lnSpc>
+                          <a:spcPct val="107000"/>
+                        </a:lnSpc>
+                        <a:spcAft>
+                          <a:spcPts val="800"/>
+                        </a:spcAft>
+                        <a:buNone/>
+                      </a:pPr>
+                      <a:r>
+                        <a:rPr lang="en-IN" sz="800" kern="100" dirty="0">
+                          <a:effectLst/>
+                        </a:rPr>
+                        <a:t>O. Marquez Ayala &amp; P. </a:t>
+                      </a:r>
+                      <a:r>
+                        <a:rPr lang="en-IN" sz="800" kern="100" dirty="0" err="1">
+                          <a:effectLst/>
+                        </a:rPr>
+                        <a:t>Béchard</a:t>
+                      </a:r>
+                      <a:endParaRPr lang="en-IN" sz="800" kern="100" dirty="0">
+                        <a:effectLst/>
+                        <a:latin typeface="Calibri" panose="020F0502020204030204" pitchFamily="34" charset="0"/>
+                        <a:ea typeface="Calibri" panose="020F0502020204030204" pitchFamily="34" charset="0"/>
+                        <a:cs typeface="Times New Roman" panose="02020603050405020304" pitchFamily="18" charset="0"/>
+                      </a:endParaRPr>
+                    </a:p>
+                  </a:txBody>
+                  <a:tcPr anchor="ctr">
+                    <a:lnL w="3175" cap="flat" cmpd="sng" algn="ctr">
+                      <a:solidFill>
+                        <a:schemeClr val="tx1"/>
+                      </a:solidFill>
+                      <a:prstDash val="solid"/>
+                      <a:round/>
+                      <a:headEnd type="none" w="med" len="med"/>
+                      <a:tailEnd type="none" w="med" len="med"/>
+                    </a:lnL>
+                    <a:lnR w="3175" cap="flat" cmpd="sng" algn="ctr">
+                      <a:solidFill>
+                        <a:schemeClr val="tx1"/>
+                      </a:solidFill>
+                      <a:prstDash val="solid"/>
+                      <a:round/>
+                      <a:headEnd type="none" w="med" len="med"/>
+                      <a:tailEnd type="none" w="med" len="med"/>
+                    </a:lnR>
+                    <a:lnT w="3175" cap="flat" cmpd="sng" algn="ctr">
+                      <a:solidFill>
+                        <a:schemeClr val="tx1"/>
+                      </a:solidFill>
+                      <a:prstDash val="solid"/>
+                      <a:round/>
+                      <a:headEnd type="none" w="med" len="med"/>
+                      <a:tailEnd type="none" w="med" len="med"/>
+                    </a:lnT>
+                    <a:lnB w="3175" cap="flat" cmpd="sng" algn="ctr">
+                      <a:solidFill>
+                        <a:schemeClr val="tx1"/>
+                      </a:solidFill>
+                      <a:prstDash val="solid"/>
+                      <a:round/>
+                      <a:headEnd type="none" w="med" len="med"/>
+                      <a:tailEnd type="none" w="med" len="med"/>
+                    </a:lnB>
+                    <a:lnTlToBr w="12700" cmpd="sng">
+                      <a:noFill/>
+                      <a:prstDash val="solid"/>
+                    </a:lnTlToBr>
+                    <a:lnBlToTr w="12700" cmpd="sng">
+                      <a:noFill/>
+                      <a:prstDash val="solid"/>
+                    </a:lnBlToTr>
+                  </a:tcPr>
+                </a:tc>
+                <a:tc>
+                  <a:txBody>
+                    <a:bodyPr/>
+                    <a:lstStyle/>
+                    <a:p>
+                      <a:pPr algn="just">
+                        <a:lnSpc>
+                          <a:spcPct val="107000"/>
+                        </a:lnSpc>
+                        <a:spcAft>
+                          <a:spcPts val="800"/>
+                        </a:spcAft>
+                        <a:buNone/>
+                      </a:pPr>
+                      <a:r>
+                        <a:rPr lang="en-IN" sz="800" kern="100" dirty="0">
+                          <a:effectLst/>
+                        </a:rPr>
+                        <a:t>Introduces Task Decomposition + RAG as design patterns for enterprise workflows. Advantage: Connects low-code principles with RAG-based automation. Limitation: Conceptual framework; lacks industrial case studies.</a:t>
+                      </a:r>
+                      <a:endParaRPr lang="en-IN" sz="800" kern="100" dirty="0">
+                        <a:effectLst/>
+                        <a:latin typeface="Calibri" panose="020F0502020204030204" pitchFamily="34" charset="0"/>
+                        <a:ea typeface="Calibri" panose="020F0502020204030204" pitchFamily="34" charset="0"/>
+                        <a:cs typeface="Times New Roman" panose="02020603050405020304" pitchFamily="18" charset="0"/>
+                      </a:endParaRPr>
+                    </a:p>
+                  </a:txBody>
+                  <a:tcPr anchor="ctr">
+                    <a:lnL w="3175" cap="flat" cmpd="sng" algn="ctr">
+                      <a:solidFill>
+                        <a:schemeClr val="tx1"/>
+                      </a:solidFill>
+                      <a:prstDash val="solid"/>
+                      <a:round/>
+                      <a:headEnd type="none" w="med" len="med"/>
+                      <a:tailEnd type="none" w="med" len="med"/>
+                    </a:lnL>
+                    <a:lnR w="3175" cap="flat" cmpd="sng" algn="ctr">
+                      <a:solidFill>
+                        <a:schemeClr val="tx1"/>
+                      </a:solidFill>
+                      <a:prstDash val="solid"/>
+                      <a:round/>
+                      <a:headEnd type="none" w="med" len="med"/>
+                      <a:tailEnd type="none" w="med" len="med"/>
+                    </a:lnR>
+                    <a:lnT w="3175" cap="flat" cmpd="sng" algn="ctr">
+                      <a:solidFill>
+                        <a:schemeClr val="tx1"/>
+                      </a:solidFill>
+                      <a:prstDash val="solid"/>
+                      <a:round/>
+                      <a:headEnd type="none" w="med" len="med"/>
+                      <a:tailEnd type="none" w="med" len="med"/>
+                    </a:lnT>
+                    <a:lnB w="3175" cap="flat" cmpd="sng" algn="ctr">
+                      <a:solidFill>
+                        <a:schemeClr val="tx1"/>
+                      </a:solidFill>
+                      <a:prstDash val="solid"/>
+                      <a:round/>
+                      <a:headEnd type="none" w="med" len="med"/>
+                      <a:tailEnd type="none" w="med" len="med"/>
+                    </a:lnB>
+                    <a:lnTlToBr w="12700" cmpd="sng">
+                      <a:noFill/>
+                      <a:prstDash val="solid"/>
+                    </a:lnTlToBr>
+                    <a:lnBlToTr w="12700" cmpd="sng">
+                      <a:noFill/>
+                      <a:prstDash val="solid"/>
+                    </a:lnBlToTr>
+                  </a:tcPr>
+                </a:tc>
+                <a:extLst>
+                  <a:ext uri="{0D108BD9-81ED-4DB2-BD59-A6C34878D82A}">
+                    <a16:rowId xmlns:a16="http://schemas.microsoft.com/office/drawing/2014/main" val="546651449"/>
+                  </a:ext>
+                </a:extLst>
+              </a:tr>
+              <a:tr h="697854">
+                <a:tc>
+                  <a:txBody>
+                    <a:bodyPr/>
+                    <a:lstStyle/>
+                    <a:p>
+                      <a:pPr algn="ctr">
+                        <a:lnSpc>
+                          <a:spcPct val="107000"/>
+                        </a:lnSpc>
+                        <a:spcAft>
+                          <a:spcPts val="800"/>
+                        </a:spcAft>
+                        <a:buNone/>
+                      </a:pPr>
+                      <a:r>
+                        <a:rPr lang="en-IN" sz="800" kern="100" dirty="0">
+                          <a:effectLst/>
+                        </a:rPr>
+                        <a:t>5</a:t>
+                      </a:r>
+                      <a:endParaRPr lang="en-IN" sz="800" kern="100" dirty="0">
+                        <a:effectLst/>
+                        <a:latin typeface="Calibri" panose="020F0502020204030204" pitchFamily="34" charset="0"/>
+                        <a:ea typeface="Calibri" panose="020F0502020204030204" pitchFamily="34" charset="0"/>
+                        <a:cs typeface="Times New Roman" panose="02020603050405020304" pitchFamily="18" charset="0"/>
+                      </a:endParaRPr>
+                    </a:p>
+                  </a:txBody>
+                  <a:tcPr marL="4931" marR="4931" marT="4931" marB="4931" anchor="ctr">
+                    <a:lnL w="3175" cap="flat" cmpd="sng" algn="ctr">
+                      <a:solidFill>
+                        <a:schemeClr val="tx1"/>
+                      </a:solidFill>
+                      <a:prstDash val="solid"/>
+                      <a:round/>
+                      <a:headEnd type="none" w="med" len="med"/>
+                      <a:tailEnd type="none" w="med" len="med"/>
+                    </a:lnL>
+                    <a:lnR w="3175" cap="flat" cmpd="sng" algn="ctr">
+                      <a:solidFill>
+                        <a:schemeClr val="tx1"/>
+                      </a:solidFill>
+                      <a:prstDash val="solid"/>
+                      <a:round/>
+                      <a:headEnd type="none" w="med" len="med"/>
+                      <a:tailEnd type="none" w="med" len="med"/>
+                    </a:lnR>
+                    <a:lnT w="3175" cap="flat" cmpd="sng" algn="ctr">
+                      <a:solidFill>
+                        <a:schemeClr val="tx1"/>
+                      </a:solidFill>
+                      <a:prstDash val="solid"/>
+                      <a:round/>
+                      <a:headEnd type="none" w="med" len="med"/>
+                      <a:tailEnd type="none" w="med" len="med"/>
+                    </a:lnT>
+                    <a:lnB w="3175" cap="flat" cmpd="sng" algn="ctr">
+                      <a:solidFill>
+                        <a:schemeClr val="tx1"/>
+                      </a:solidFill>
+                      <a:prstDash val="solid"/>
+                      <a:round/>
+                      <a:headEnd type="none" w="med" len="med"/>
+                      <a:tailEnd type="none" w="med" len="med"/>
+                    </a:lnB>
+                    <a:lnTlToBr w="12700" cmpd="sng">
+                      <a:noFill/>
+                      <a:prstDash val="solid"/>
+                    </a:lnTlToBr>
+                    <a:lnBlToTr w="12700" cmpd="sng">
+                      <a:noFill/>
+                      <a:prstDash val="solid"/>
+                    </a:lnBlToTr>
+                  </a:tcPr>
+                </a:tc>
+                <a:tc>
+                  <a:txBody>
+                    <a:bodyPr/>
+                    <a:lstStyle/>
+                    <a:p>
+                      <a:pPr lvl="1" algn="ctr">
+                        <a:lnSpc>
+                          <a:spcPct val="107000"/>
+                        </a:lnSpc>
+                        <a:spcAft>
+                          <a:spcPts val="800"/>
+                        </a:spcAft>
+                        <a:buNone/>
+                      </a:pPr>
+                      <a:r>
+                        <a:rPr lang="en-IN" sz="800" kern="100" dirty="0">
+                          <a:effectLst/>
+                          <a:latin typeface="Calibri" panose="020F0502020204030204" pitchFamily="34" charset="0"/>
+                          <a:ea typeface="Calibri" panose="020F0502020204030204" pitchFamily="34" charset="0"/>
+                          <a:cs typeface="Times New Roman" panose="02020603050405020304" pitchFamily="18" charset="0"/>
+                        </a:rPr>
+                        <a:t>2024</a:t>
+                      </a:r>
+                    </a:p>
+                  </a:txBody>
+                  <a:tcPr anchor="ctr">
+                    <a:lnL w="3175" cap="flat" cmpd="sng" algn="ctr">
+                      <a:solidFill>
+                        <a:schemeClr val="tx1"/>
+                      </a:solidFill>
+                      <a:prstDash val="solid"/>
+                      <a:round/>
+                      <a:headEnd type="none" w="med" len="med"/>
+                      <a:tailEnd type="none" w="med" len="med"/>
+                    </a:lnL>
+                    <a:lnR w="3175" cap="flat" cmpd="sng" algn="ctr">
+                      <a:solidFill>
+                        <a:schemeClr val="tx1"/>
+                      </a:solidFill>
+                      <a:prstDash val="solid"/>
+                      <a:round/>
+                      <a:headEnd type="none" w="med" len="med"/>
+                      <a:tailEnd type="none" w="med" len="med"/>
+                    </a:lnR>
+                    <a:lnT w="3175" cap="flat" cmpd="sng" algn="ctr">
+                      <a:solidFill>
+                        <a:schemeClr val="tx1"/>
+                      </a:solidFill>
+                      <a:prstDash val="solid"/>
+                      <a:round/>
+                      <a:headEnd type="none" w="med" len="med"/>
+                      <a:tailEnd type="none" w="med" len="med"/>
+                    </a:lnT>
+                    <a:lnB w="3175" cap="flat" cmpd="sng" algn="ctr">
+                      <a:solidFill>
+                        <a:schemeClr val="tx1"/>
+                      </a:solidFill>
+                      <a:prstDash val="solid"/>
+                      <a:round/>
+                      <a:headEnd type="none" w="med" len="med"/>
+                      <a:tailEnd type="none" w="med" len="med"/>
+                    </a:lnB>
+                    <a:lnTlToBr w="12700" cmpd="sng">
+                      <a:noFill/>
+                      <a:prstDash val="solid"/>
+                    </a:lnTlToBr>
+                    <a:lnBlToTr w="12700" cmpd="sng">
+                      <a:noFill/>
+                      <a:prstDash val="solid"/>
+                    </a:lnBlToTr>
+                  </a:tcPr>
+                </a:tc>
+                <a:tc>
+                  <a:txBody>
+                    <a:bodyPr/>
+                    <a:lstStyle/>
+                    <a:p>
+                      <a:pPr lvl="1" algn="l">
+                        <a:lnSpc>
+                          <a:spcPct val="107000"/>
+                        </a:lnSpc>
+                        <a:spcAft>
+                          <a:spcPts val="800"/>
+                        </a:spcAft>
+                        <a:buNone/>
+                      </a:pPr>
+                      <a:r>
+                        <a:rPr lang="en-IN" sz="800" kern="100" dirty="0">
+                          <a:effectLst/>
+                        </a:rPr>
+                        <a:t>White-box LLM-supported Low-code Engineering: A Vision and First Insights</a:t>
+                      </a:r>
+                      <a:endParaRPr lang="en-IN" sz="800" kern="100" dirty="0">
+                        <a:effectLst/>
+                        <a:latin typeface="Calibri" panose="020F0502020204030204" pitchFamily="34" charset="0"/>
+                        <a:ea typeface="Calibri" panose="020F0502020204030204" pitchFamily="34" charset="0"/>
+                        <a:cs typeface="Times New Roman" panose="02020603050405020304" pitchFamily="18" charset="0"/>
+                      </a:endParaRPr>
+                    </a:p>
+                  </a:txBody>
+                  <a:tcPr anchor="ctr">
+                    <a:lnL w="3175" cap="flat" cmpd="sng" algn="ctr">
+                      <a:solidFill>
+                        <a:schemeClr val="tx1"/>
+                      </a:solidFill>
+                      <a:prstDash val="solid"/>
+                      <a:round/>
+                      <a:headEnd type="none" w="med" len="med"/>
+                      <a:tailEnd type="none" w="med" len="med"/>
+                    </a:lnL>
+                    <a:lnR w="3175" cap="flat" cmpd="sng" algn="ctr">
+                      <a:solidFill>
+                        <a:schemeClr val="tx1"/>
+                      </a:solidFill>
+                      <a:prstDash val="solid"/>
+                      <a:round/>
+                      <a:headEnd type="none" w="med" len="med"/>
+                      <a:tailEnd type="none" w="med" len="med"/>
+                    </a:lnR>
+                    <a:lnT w="3175" cap="flat" cmpd="sng" algn="ctr">
+                      <a:solidFill>
+                        <a:schemeClr val="tx1"/>
+                      </a:solidFill>
+                      <a:prstDash val="solid"/>
+                      <a:round/>
+                      <a:headEnd type="none" w="med" len="med"/>
+                      <a:tailEnd type="none" w="med" len="med"/>
+                    </a:lnT>
+                    <a:lnB w="3175" cap="flat" cmpd="sng" algn="ctr">
+                      <a:solidFill>
+                        <a:schemeClr val="tx1"/>
+                      </a:solidFill>
+                      <a:prstDash val="solid"/>
+                      <a:round/>
+                      <a:headEnd type="none" w="med" len="med"/>
+                      <a:tailEnd type="none" w="med" len="med"/>
+                    </a:lnB>
+                    <a:lnTlToBr w="12700" cmpd="sng">
+                      <a:noFill/>
+                      <a:prstDash val="solid"/>
+                    </a:lnTlToBr>
+                    <a:lnBlToTr w="12700" cmpd="sng">
+                      <a:noFill/>
+                      <a:prstDash val="solid"/>
+                    </a:lnBlToTr>
+                  </a:tcPr>
+                </a:tc>
+                <a:tc>
+                  <a:txBody>
+                    <a:bodyPr/>
+                    <a:lstStyle/>
+                    <a:p>
+                      <a:pPr>
+                        <a:lnSpc>
+                          <a:spcPct val="107000"/>
+                        </a:lnSpc>
+                        <a:spcAft>
+                          <a:spcPts val="800"/>
+                        </a:spcAft>
+                        <a:buNone/>
+                      </a:pPr>
+                      <a:r>
+                        <a:rPr lang="en-IN" sz="800" kern="100" dirty="0">
+                          <a:effectLst/>
+                        </a:rPr>
+                        <a:t>Y. Cai, Z. Xing, et al. (ACM/IEEE MODELS Companion)</a:t>
+                      </a:r>
+                      <a:endParaRPr lang="en-IN" sz="800" kern="100" dirty="0">
+                        <a:effectLst/>
+                        <a:latin typeface="Calibri" panose="020F0502020204030204" pitchFamily="34" charset="0"/>
+                        <a:ea typeface="Calibri" panose="020F0502020204030204" pitchFamily="34" charset="0"/>
+                        <a:cs typeface="Times New Roman" panose="02020603050405020304" pitchFamily="18" charset="0"/>
+                      </a:endParaRPr>
+                    </a:p>
+                  </a:txBody>
+                  <a:tcPr anchor="ctr">
+                    <a:lnL w="3175" cap="flat" cmpd="sng" algn="ctr">
+                      <a:solidFill>
+                        <a:schemeClr val="tx1"/>
+                      </a:solidFill>
+                      <a:prstDash val="solid"/>
+                      <a:round/>
+                      <a:headEnd type="none" w="med" len="med"/>
+                      <a:tailEnd type="none" w="med" len="med"/>
+                    </a:lnL>
+                    <a:lnR w="3175" cap="flat" cmpd="sng" algn="ctr">
+                      <a:solidFill>
+                        <a:schemeClr val="tx1"/>
+                      </a:solidFill>
+                      <a:prstDash val="solid"/>
+                      <a:round/>
+                      <a:headEnd type="none" w="med" len="med"/>
+                      <a:tailEnd type="none" w="med" len="med"/>
+                    </a:lnR>
+                    <a:lnT w="3175" cap="flat" cmpd="sng" algn="ctr">
+                      <a:solidFill>
+                        <a:schemeClr val="tx1"/>
+                      </a:solidFill>
+                      <a:prstDash val="solid"/>
+                      <a:round/>
+                      <a:headEnd type="none" w="med" len="med"/>
+                      <a:tailEnd type="none" w="med" len="med"/>
+                    </a:lnT>
+                    <a:lnB w="3175" cap="flat" cmpd="sng" algn="ctr">
+                      <a:solidFill>
+                        <a:schemeClr val="tx1"/>
+                      </a:solidFill>
+                      <a:prstDash val="solid"/>
+                      <a:round/>
+                      <a:headEnd type="none" w="med" len="med"/>
+                      <a:tailEnd type="none" w="med" len="med"/>
+                    </a:lnB>
+                    <a:lnTlToBr w="12700" cmpd="sng">
+                      <a:noFill/>
+                      <a:prstDash val="solid"/>
+                    </a:lnTlToBr>
+                    <a:lnBlToTr w="12700" cmpd="sng">
+                      <a:noFill/>
+                      <a:prstDash val="solid"/>
+                    </a:lnBlToTr>
+                  </a:tcPr>
+                </a:tc>
+                <a:tc>
+                  <a:txBody>
+                    <a:bodyPr/>
+                    <a:lstStyle/>
+                    <a:p>
+                      <a:pPr algn="just">
+                        <a:lnSpc>
+                          <a:spcPct val="107000"/>
+                        </a:lnSpc>
+                        <a:spcAft>
+                          <a:spcPts val="800"/>
+                        </a:spcAft>
+                        <a:buNone/>
+                      </a:pPr>
+                      <a:r>
+                        <a:rPr lang="en-IN" sz="800" kern="100" dirty="0">
+                          <a:effectLst/>
+                        </a:rPr>
+                        <a:t>Explores how LLMs can be integrated into low-code platforms for model-driven engineering. Advantage: Provides first architectural insights into combining low-code and LLM. Limitation: Still conceptual, lacks large-scale empirical validation.</a:t>
+                      </a:r>
+                      <a:endParaRPr lang="en-IN" sz="800" kern="100" dirty="0">
+                        <a:effectLst/>
+                        <a:latin typeface="Calibri" panose="020F0502020204030204" pitchFamily="34" charset="0"/>
+                        <a:ea typeface="Calibri" panose="020F0502020204030204" pitchFamily="34" charset="0"/>
+                        <a:cs typeface="Times New Roman" panose="02020603050405020304" pitchFamily="18" charset="0"/>
+                      </a:endParaRPr>
+                    </a:p>
+                  </a:txBody>
+                  <a:tcPr anchor="ctr">
+                    <a:lnL w="3175" cap="flat" cmpd="sng" algn="ctr">
+                      <a:solidFill>
+                        <a:schemeClr val="tx1"/>
+                      </a:solidFill>
+                      <a:prstDash val="solid"/>
+                      <a:round/>
+                      <a:headEnd type="none" w="med" len="med"/>
+                      <a:tailEnd type="none" w="med" len="med"/>
+                    </a:lnL>
+                    <a:lnR w="3175" cap="flat" cmpd="sng" algn="ctr">
+                      <a:solidFill>
+                        <a:schemeClr val="tx1"/>
+                      </a:solidFill>
+                      <a:prstDash val="solid"/>
+                      <a:round/>
+                      <a:headEnd type="none" w="med" len="med"/>
+                      <a:tailEnd type="none" w="med" len="med"/>
+                    </a:lnR>
+                    <a:lnT w="3175" cap="flat" cmpd="sng" algn="ctr">
+                      <a:solidFill>
+                        <a:schemeClr val="tx1"/>
+                      </a:solidFill>
+                      <a:prstDash val="solid"/>
+                      <a:round/>
+                      <a:headEnd type="none" w="med" len="med"/>
+                      <a:tailEnd type="none" w="med" len="med"/>
+                    </a:lnT>
+                    <a:lnB w="3175" cap="flat" cmpd="sng" algn="ctr">
+                      <a:solidFill>
+                        <a:schemeClr val="tx1"/>
+                      </a:solidFill>
+                      <a:prstDash val="solid"/>
+                      <a:round/>
+                      <a:headEnd type="none" w="med" len="med"/>
+                      <a:tailEnd type="none" w="med" len="med"/>
+                    </a:lnB>
+                    <a:lnTlToBr w="12700" cmpd="sng">
+                      <a:noFill/>
+                      <a:prstDash val="solid"/>
+                    </a:lnTlToBr>
+                    <a:lnBlToTr w="12700" cmpd="sng">
+                      <a:noFill/>
+                      <a:prstDash val="solid"/>
+                    </a:lnBlToTr>
+                  </a:tcPr>
+                </a:tc>
+                <a:extLst>
+                  <a:ext uri="{0D108BD9-81ED-4DB2-BD59-A6C34878D82A}">
+                    <a16:rowId xmlns:a16="http://schemas.microsoft.com/office/drawing/2014/main" val="3240612881"/>
+                  </a:ext>
+                </a:extLst>
+              </a:tr>
+              <a:tr h="728211">
+                <a:tc>
+                  <a:txBody>
+                    <a:bodyPr/>
+                    <a:lstStyle/>
+                    <a:p>
+                      <a:pPr algn="ctr">
+                        <a:lnSpc>
+                          <a:spcPct val="107000"/>
+                        </a:lnSpc>
+                        <a:spcAft>
+                          <a:spcPts val="800"/>
+                        </a:spcAft>
+                        <a:buNone/>
+                      </a:pPr>
+                      <a:r>
+                        <a:rPr lang="en-IN" sz="800" kern="100" dirty="0">
+                          <a:effectLst/>
+                        </a:rPr>
+                        <a:t>6</a:t>
+                      </a:r>
+                      <a:endParaRPr lang="en-IN" sz="800" kern="100" dirty="0">
+                        <a:effectLst/>
+                        <a:latin typeface="Calibri" panose="020F0502020204030204" pitchFamily="34" charset="0"/>
+                        <a:ea typeface="Calibri" panose="020F0502020204030204" pitchFamily="34" charset="0"/>
+                        <a:cs typeface="Times New Roman" panose="02020603050405020304" pitchFamily="18" charset="0"/>
+                      </a:endParaRPr>
+                    </a:p>
+                  </a:txBody>
+                  <a:tcPr marL="4931" marR="4931" marT="4931" marB="4931" anchor="ctr">
+                    <a:lnL w="3175" cap="flat" cmpd="sng" algn="ctr">
+                      <a:solidFill>
+                        <a:schemeClr val="tx1"/>
+                      </a:solidFill>
+                      <a:prstDash val="solid"/>
+                      <a:round/>
+                      <a:headEnd type="none" w="med" len="med"/>
+                      <a:tailEnd type="none" w="med" len="med"/>
+                    </a:lnL>
+                    <a:lnR w="3175" cap="flat" cmpd="sng" algn="ctr">
+                      <a:solidFill>
+                        <a:schemeClr val="tx1"/>
+                      </a:solidFill>
+                      <a:prstDash val="solid"/>
+                      <a:round/>
+                      <a:headEnd type="none" w="med" len="med"/>
+                      <a:tailEnd type="none" w="med" len="med"/>
+                    </a:lnR>
+                    <a:lnT w="3175" cap="flat" cmpd="sng" algn="ctr">
+                      <a:solidFill>
+                        <a:schemeClr val="tx1"/>
+                      </a:solidFill>
+                      <a:prstDash val="solid"/>
+                      <a:round/>
+                      <a:headEnd type="none" w="med" len="med"/>
+                      <a:tailEnd type="none" w="med" len="med"/>
+                    </a:lnT>
+                    <a:lnB w="3175" cap="flat" cmpd="sng" algn="ctr">
+                      <a:solidFill>
+                        <a:schemeClr val="tx1"/>
+                      </a:solidFill>
+                      <a:prstDash val="solid"/>
+                      <a:round/>
+                      <a:headEnd type="none" w="med" len="med"/>
+                      <a:tailEnd type="none" w="med" len="med"/>
+                    </a:lnB>
+                    <a:lnTlToBr w="12700" cmpd="sng">
+                      <a:noFill/>
+                      <a:prstDash val="solid"/>
+                    </a:lnTlToBr>
+                    <a:lnBlToTr w="12700" cmpd="sng">
+                      <a:noFill/>
+                      <a:prstDash val="solid"/>
+                    </a:lnBlToTr>
+                  </a:tcPr>
+                </a:tc>
+                <a:tc>
+                  <a:txBody>
+                    <a:bodyPr/>
+                    <a:lstStyle/>
+                    <a:p>
+                      <a:pPr lvl="1" algn="ctr">
+                        <a:lnSpc>
+                          <a:spcPct val="107000"/>
+                        </a:lnSpc>
+                        <a:spcAft>
+                          <a:spcPts val="800"/>
+                        </a:spcAft>
+                        <a:buNone/>
+                      </a:pPr>
+                      <a:r>
+                        <a:rPr lang="en-IN" sz="800" kern="100" dirty="0">
+                          <a:effectLst/>
+                          <a:latin typeface="Calibri" panose="020F0502020204030204" pitchFamily="34" charset="0"/>
+                          <a:ea typeface="Calibri" panose="020F0502020204030204" pitchFamily="34" charset="0"/>
+                          <a:cs typeface="Times New Roman" panose="02020603050405020304" pitchFamily="18" charset="0"/>
+                        </a:rPr>
+                        <a:t>2023</a:t>
+                      </a:r>
+                    </a:p>
+                  </a:txBody>
+                  <a:tcPr anchor="ctr">
+                    <a:lnL w="3175" cap="flat" cmpd="sng" algn="ctr">
+                      <a:solidFill>
+                        <a:schemeClr val="tx1"/>
+                      </a:solidFill>
+                      <a:prstDash val="solid"/>
+                      <a:round/>
+                      <a:headEnd type="none" w="med" len="med"/>
+                      <a:tailEnd type="none" w="med" len="med"/>
+                    </a:lnL>
+                    <a:lnR w="3175" cap="flat" cmpd="sng" algn="ctr">
+                      <a:solidFill>
+                        <a:schemeClr val="tx1"/>
+                      </a:solidFill>
+                      <a:prstDash val="solid"/>
+                      <a:round/>
+                      <a:headEnd type="none" w="med" len="med"/>
+                      <a:tailEnd type="none" w="med" len="med"/>
+                    </a:lnR>
+                    <a:lnT w="3175" cap="flat" cmpd="sng" algn="ctr">
+                      <a:solidFill>
+                        <a:schemeClr val="tx1"/>
+                      </a:solidFill>
+                      <a:prstDash val="solid"/>
+                      <a:round/>
+                      <a:headEnd type="none" w="med" len="med"/>
+                      <a:tailEnd type="none" w="med" len="med"/>
+                    </a:lnT>
+                    <a:lnB w="3175" cap="flat" cmpd="sng" algn="ctr">
+                      <a:solidFill>
+                        <a:schemeClr val="tx1"/>
+                      </a:solidFill>
+                      <a:prstDash val="solid"/>
+                      <a:round/>
+                      <a:headEnd type="none" w="med" len="med"/>
+                      <a:tailEnd type="none" w="med" len="med"/>
+                    </a:lnB>
+                    <a:lnTlToBr w="12700" cmpd="sng">
+                      <a:noFill/>
+                      <a:prstDash val="solid"/>
+                    </a:lnTlToBr>
+                    <a:lnBlToTr w="12700" cmpd="sng">
+                      <a:noFill/>
+                      <a:prstDash val="solid"/>
+                    </a:lnBlToTr>
+                  </a:tcPr>
+                </a:tc>
+                <a:tc>
+                  <a:txBody>
+                    <a:bodyPr/>
+                    <a:lstStyle/>
+                    <a:p>
+                      <a:pPr lvl="1" algn="l">
+                        <a:lnSpc>
+                          <a:spcPct val="107000"/>
+                        </a:lnSpc>
+                        <a:spcAft>
+                          <a:spcPts val="800"/>
+                        </a:spcAft>
+                        <a:buNone/>
+                      </a:pPr>
+                      <a:r>
+                        <a:rPr lang="en-IN" sz="800" kern="100" dirty="0">
+                          <a:effectLst/>
+                        </a:rPr>
+                        <a:t>The Next Frontier in Software Development: AI-Augmented Software Development Processes</a:t>
+                      </a:r>
+                      <a:endParaRPr lang="en-IN" sz="800" kern="100" dirty="0">
+                        <a:effectLst/>
+                        <a:latin typeface="Calibri" panose="020F0502020204030204" pitchFamily="34" charset="0"/>
+                        <a:ea typeface="Calibri" panose="020F0502020204030204" pitchFamily="34" charset="0"/>
+                        <a:cs typeface="Times New Roman" panose="02020603050405020304" pitchFamily="18" charset="0"/>
+                      </a:endParaRPr>
+                    </a:p>
+                  </a:txBody>
+                  <a:tcPr anchor="ctr">
+                    <a:lnL w="3175" cap="flat" cmpd="sng" algn="ctr">
+                      <a:solidFill>
+                        <a:schemeClr val="tx1"/>
+                      </a:solidFill>
+                      <a:prstDash val="solid"/>
+                      <a:round/>
+                      <a:headEnd type="none" w="med" len="med"/>
+                      <a:tailEnd type="none" w="med" len="med"/>
+                    </a:lnL>
+                    <a:lnR w="3175" cap="flat" cmpd="sng" algn="ctr">
+                      <a:solidFill>
+                        <a:schemeClr val="tx1"/>
+                      </a:solidFill>
+                      <a:prstDash val="solid"/>
+                      <a:round/>
+                      <a:headEnd type="none" w="med" len="med"/>
+                      <a:tailEnd type="none" w="med" len="med"/>
+                    </a:lnR>
+                    <a:lnT w="3175" cap="flat" cmpd="sng" algn="ctr">
+                      <a:solidFill>
+                        <a:schemeClr val="tx1"/>
+                      </a:solidFill>
+                      <a:prstDash val="solid"/>
+                      <a:round/>
+                      <a:headEnd type="none" w="med" len="med"/>
+                      <a:tailEnd type="none" w="med" len="med"/>
+                    </a:lnT>
+                    <a:lnB w="3175" cap="flat" cmpd="sng" algn="ctr">
+                      <a:solidFill>
+                        <a:schemeClr val="tx1"/>
+                      </a:solidFill>
+                      <a:prstDash val="solid"/>
+                      <a:round/>
+                      <a:headEnd type="none" w="med" len="med"/>
+                      <a:tailEnd type="none" w="med" len="med"/>
+                    </a:lnB>
+                    <a:lnTlToBr w="12700" cmpd="sng">
+                      <a:noFill/>
+                      <a:prstDash val="solid"/>
+                    </a:lnTlToBr>
+                    <a:lnBlToTr w="12700" cmpd="sng">
+                      <a:noFill/>
+                      <a:prstDash val="solid"/>
+                    </a:lnBlToTr>
+                  </a:tcPr>
+                </a:tc>
+                <a:tc>
+                  <a:txBody>
+                    <a:bodyPr/>
+                    <a:lstStyle/>
+                    <a:p>
+                      <a:pPr>
+                        <a:lnSpc>
+                          <a:spcPct val="107000"/>
+                        </a:lnSpc>
+                        <a:spcAft>
+                          <a:spcPts val="800"/>
+                        </a:spcAft>
+                        <a:buNone/>
+                      </a:pPr>
+                      <a:r>
+                        <a:rPr lang="en-IN" sz="800" kern="100" dirty="0">
+                          <a:effectLst/>
+                        </a:rPr>
+                        <a:t>IEEE Software Editorial Board</a:t>
+                      </a:r>
+                      <a:endParaRPr lang="en-IN" sz="800" kern="100" dirty="0">
+                        <a:effectLst/>
+                        <a:latin typeface="Calibri" panose="020F0502020204030204" pitchFamily="34" charset="0"/>
+                        <a:ea typeface="Calibri" panose="020F0502020204030204" pitchFamily="34" charset="0"/>
+                        <a:cs typeface="Times New Roman" panose="02020603050405020304" pitchFamily="18" charset="0"/>
+                      </a:endParaRPr>
+                    </a:p>
+                  </a:txBody>
+                  <a:tcPr anchor="ctr">
+                    <a:lnL w="3175" cap="flat" cmpd="sng" algn="ctr">
+                      <a:solidFill>
+                        <a:schemeClr val="tx1"/>
+                      </a:solidFill>
+                      <a:prstDash val="solid"/>
+                      <a:round/>
+                      <a:headEnd type="none" w="med" len="med"/>
+                      <a:tailEnd type="none" w="med" len="med"/>
+                    </a:lnL>
+                    <a:lnR w="3175" cap="flat" cmpd="sng" algn="ctr">
+                      <a:solidFill>
+                        <a:schemeClr val="tx1"/>
+                      </a:solidFill>
+                      <a:prstDash val="solid"/>
+                      <a:round/>
+                      <a:headEnd type="none" w="med" len="med"/>
+                      <a:tailEnd type="none" w="med" len="med"/>
+                    </a:lnR>
+                    <a:lnT w="3175" cap="flat" cmpd="sng" algn="ctr">
+                      <a:solidFill>
+                        <a:schemeClr val="tx1"/>
+                      </a:solidFill>
+                      <a:prstDash val="solid"/>
+                      <a:round/>
+                      <a:headEnd type="none" w="med" len="med"/>
+                      <a:tailEnd type="none" w="med" len="med"/>
+                    </a:lnT>
+                    <a:lnB w="3175" cap="flat" cmpd="sng" algn="ctr">
+                      <a:solidFill>
+                        <a:schemeClr val="tx1"/>
+                      </a:solidFill>
+                      <a:prstDash val="solid"/>
+                      <a:round/>
+                      <a:headEnd type="none" w="med" len="med"/>
+                      <a:tailEnd type="none" w="med" len="med"/>
+                    </a:lnB>
+                    <a:lnTlToBr w="12700" cmpd="sng">
+                      <a:noFill/>
+                      <a:prstDash val="solid"/>
+                    </a:lnTlToBr>
+                    <a:lnBlToTr w="12700" cmpd="sng">
+                      <a:noFill/>
+                      <a:prstDash val="solid"/>
+                    </a:lnBlToTr>
+                  </a:tcPr>
+                </a:tc>
+                <a:tc>
+                  <a:txBody>
+                    <a:bodyPr/>
+                    <a:lstStyle/>
+                    <a:p>
+                      <a:pPr algn="just">
+                        <a:lnSpc>
+                          <a:spcPct val="107000"/>
+                        </a:lnSpc>
+                        <a:spcAft>
+                          <a:spcPts val="800"/>
+                        </a:spcAft>
+                        <a:buNone/>
+                      </a:pPr>
+                      <a:r>
+                        <a:rPr lang="en-IN" sz="800" kern="100" dirty="0">
+                          <a:effectLst/>
+                        </a:rPr>
+                        <a:t>Argues LLMs can accelerate no-code/low-code development by automating repetitive tasks. Advantage: Establishes LLMs as co-developers. Limitation: Discusses opportunities broadly, without specific RAG or conversational AI focus.</a:t>
+                      </a:r>
+                      <a:endParaRPr lang="en-IN" sz="800" kern="100" dirty="0">
+                        <a:effectLst/>
+                        <a:latin typeface="Calibri" panose="020F0502020204030204" pitchFamily="34" charset="0"/>
+                        <a:ea typeface="Calibri" panose="020F0502020204030204" pitchFamily="34" charset="0"/>
+                        <a:cs typeface="Times New Roman" panose="02020603050405020304" pitchFamily="18" charset="0"/>
+                      </a:endParaRPr>
+                    </a:p>
+                  </a:txBody>
+                  <a:tcPr anchor="ctr">
+                    <a:lnL w="3175" cap="flat" cmpd="sng" algn="ctr">
+                      <a:solidFill>
+                        <a:schemeClr val="tx1"/>
+                      </a:solidFill>
+                      <a:prstDash val="solid"/>
+                      <a:round/>
+                      <a:headEnd type="none" w="med" len="med"/>
+                      <a:tailEnd type="none" w="med" len="med"/>
+                    </a:lnL>
+                    <a:lnR w="3175" cap="flat" cmpd="sng" algn="ctr">
+                      <a:solidFill>
+                        <a:schemeClr val="tx1"/>
+                      </a:solidFill>
+                      <a:prstDash val="solid"/>
+                      <a:round/>
+                      <a:headEnd type="none" w="med" len="med"/>
+                      <a:tailEnd type="none" w="med" len="med"/>
+                    </a:lnR>
+                    <a:lnT w="3175" cap="flat" cmpd="sng" algn="ctr">
+                      <a:solidFill>
+                        <a:schemeClr val="tx1"/>
+                      </a:solidFill>
+                      <a:prstDash val="solid"/>
+                      <a:round/>
+                      <a:headEnd type="none" w="med" len="med"/>
+                      <a:tailEnd type="none" w="med" len="med"/>
+                    </a:lnT>
+                    <a:lnB w="3175" cap="flat" cmpd="sng" algn="ctr">
+                      <a:solidFill>
+                        <a:schemeClr val="tx1"/>
+                      </a:solidFill>
+                      <a:prstDash val="solid"/>
+                      <a:round/>
+                      <a:headEnd type="none" w="med" len="med"/>
+                      <a:tailEnd type="none" w="med" len="med"/>
+                    </a:lnB>
+                    <a:lnTlToBr w="12700" cmpd="sng">
+                      <a:noFill/>
+                      <a:prstDash val="solid"/>
+                    </a:lnTlToBr>
+                    <a:lnBlToTr w="12700" cmpd="sng">
+                      <a:noFill/>
+                      <a:prstDash val="solid"/>
+                    </a:lnBlToTr>
+                  </a:tcPr>
+                </a:tc>
+                <a:extLst>
+                  <a:ext uri="{0D108BD9-81ED-4DB2-BD59-A6C34878D82A}">
+                    <a16:rowId xmlns:a16="http://schemas.microsoft.com/office/drawing/2014/main" val="3561087582"/>
+                  </a:ext>
+                </a:extLst>
+              </a:tr>
+            </a:tbl>
+          </a:graphicData>
+        </a:graphic>
+      </p:graphicFrame>
+    </p:spTree>
+    <p:extLst>
+      <p:ext uri="{BB962C8B-B14F-4D97-AF65-F5344CB8AC3E}">
+        <p14:creationId xmlns:p14="http://schemas.microsoft.com/office/powerpoint/2010/main" val="1197328252"/>
+      </p:ext>
+    </p:extLst>
+  </p:cSld>
+  <p:clrMapOvr>
+    <a:masterClrMapping/>
+  </p:clrMapOvr>
+  <p:transition>
+    <p:fade thruBlk="1"/>
+  </p:transition>
+</p:sld>
+</file>
+
+<file path=ppt/slides/slide11.xml><?xml version="1.0" encoding="utf-8"?>
+<p:sld xmlns:a="http://schemas.openxmlformats.org/drawingml/2006/main" xmlns:r="http://schemas.openxmlformats.org/officeDocument/2006/relationships" xmlns:p="http://schemas.openxmlformats.org/presentationml/2006/main">
+  <p:cSld>
+    <p:spTree>
+      <p:nvGrpSpPr>
         <p:cNvPr id="1" name="Shape 858"/>
         <p:cNvGrpSpPr/>
         <p:nvPr/>
@@ -10230,7 +13579,7 @@
                   <a:schemeClr val="dk1"/>
                 </a:solidFill>
               </a:rPr>
-              <a:t>10</a:t>
+              <a:t>11</a:t>
             </a:fld>
             <a:endParaRPr>
               <a:solidFill>
@@ -10297,6 +13646,2999 @@
         </p:nvSpPr>
         <p:spPr>
           <a:xfrm>
+            <a:off x="256634" y="128181"/>
+            <a:ext cx="7049322" cy="466968"/>
+          </a:xfrm>
+          <a:prstGeom prst="rect">
+            <a:avLst/>
+          </a:prstGeom>
+          <a:noFill/>
+          <a:ln>
+            <a:noFill/>
+          </a:ln>
+        </p:spPr>
+        <p:txBody>
+          <a:bodyPr spcFirstLastPara="1" wrap="square" lIns="0" tIns="0" rIns="0" bIns="0" anchor="t" anchorCtr="0">
+            <a:noAutofit/>
+          </a:bodyPr>
+          <a:lstStyle/>
+          <a:p>
+            <a:pPr marL="0" marR="0" lvl="0" indent="0" algn="l" rtl="0">
+              <a:lnSpc>
+                <a:spcPct val="90000"/>
+              </a:lnSpc>
+              <a:spcBef>
+                <a:spcPts val="0"/>
+              </a:spcBef>
+              <a:spcAft>
+                <a:spcPts val="0"/>
+              </a:spcAft>
+              <a:buClr>
+                <a:schemeClr val="accent2"/>
+              </a:buClr>
+              <a:buSzPts val="3200"/>
+              <a:buFont typeface="Zilla Slab SemiBold"/>
+              <a:buNone/>
+            </a:pPr>
+            <a:r>
+              <a:rPr lang="en-US" sz="2200" b="1" dirty="0">
+                <a:solidFill>
+                  <a:schemeClr val="accent2"/>
+                </a:solidFill>
+                <a:latin typeface="Times New Roman" panose="02020603050405020304"/>
+                <a:ea typeface="Zilla Slab SemiBold"/>
+                <a:cs typeface="Times New Roman" panose="02020603050405020304"/>
+                <a:sym typeface="Times New Roman" panose="02020603050405020304"/>
+              </a:rPr>
+              <a:t>Literature Review</a:t>
+            </a:r>
+            <a:endParaRPr sz="2200" b="1" i="0" u="none" strike="noStrike" cap="none" dirty="0">
+              <a:solidFill>
+                <a:schemeClr val="accent2"/>
+              </a:solidFill>
+              <a:latin typeface="Zilla Slab SemiBold"/>
+              <a:ea typeface="Zilla Slab SemiBold"/>
+              <a:cs typeface="Zilla Slab SemiBold"/>
+              <a:sym typeface="Zilla Slab SemiBold"/>
+            </a:endParaRPr>
+          </a:p>
+        </p:txBody>
+      </p:sp>
+      <p:graphicFrame>
+        <p:nvGraphicFramePr>
+          <p:cNvPr id="2" name="Table 1">
+            <a:extLst>
+              <a:ext uri="{FF2B5EF4-FFF2-40B4-BE49-F238E27FC236}">
+                <a16:creationId xmlns:a16="http://schemas.microsoft.com/office/drawing/2014/main" id="{A36A5B55-FBF5-E416-BB62-644C0BFA1306}"/>
+              </a:ext>
+            </a:extLst>
+          </p:cNvPr>
+          <p:cNvGraphicFramePr>
+            <a:graphicFrameLocks noGrp="1"/>
+          </p:cNvGraphicFramePr>
+          <p:nvPr>
+            <p:extLst>
+              <p:ext uri="{D42A27DB-BD31-4B8C-83A1-F6EECF244321}">
+                <p14:modId xmlns:p14="http://schemas.microsoft.com/office/powerpoint/2010/main" val="695252051"/>
+              </p:ext>
+            </p:extLst>
+          </p:nvPr>
+        </p:nvGraphicFramePr>
+        <p:xfrm>
+          <a:off x="324577" y="532327"/>
+          <a:ext cx="8449476" cy="4406109"/>
+        </p:xfrm>
+        <a:graphic>
+          <a:graphicData uri="http://schemas.openxmlformats.org/drawingml/2006/table">
+            <a:tbl>
+              <a:tblPr firstRow="1" firstCol="1" bandRow="1">
+                <a:tableStyleId>{72833802-FEF1-4C79-8D5D-14CF1EAF98D9}</a:tableStyleId>
+              </a:tblPr>
+              <a:tblGrid>
+                <a:gridCol w="415319">
+                  <a:extLst>
+                    <a:ext uri="{9D8B030D-6E8A-4147-A177-3AD203B41FA5}">
+                      <a16:colId xmlns:a16="http://schemas.microsoft.com/office/drawing/2014/main" val="3286546900"/>
+                    </a:ext>
+                  </a:extLst>
+                </a:gridCol>
+                <a:gridCol w="523512">
+                  <a:extLst>
+                    <a:ext uri="{9D8B030D-6E8A-4147-A177-3AD203B41FA5}">
+                      <a16:colId xmlns:a16="http://schemas.microsoft.com/office/drawing/2014/main" val="213655152"/>
+                    </a:ext>
+                  </a:extLst>
+                </a:gridCol>
+                <a:gridCol w="2603597">
+                  <a:extLst>
+                    <a:ext uri="{9D8B030D-6E8A-4147-A177-3AD203B41FA5}">
+                      <a16:colId xmlns:a16="http://schemas.microsoft.com/office/drawing/2014/main" val="3260751214"/>
+                    </a:ext>
+                  </a:extLst>
+                </a:gridCol>
+                <a:gridCol w="1903349">
+                  <a:extLst>
+                    <a:ext uri="{9D8B030D-6E8A-4147-A177-3AD203B41FA5}">
+                      <a16:colId xmlns:a16="http://schemas.microsoft.com/office/drawing/2014/main" val="1776928445"/>
+                    </a:ext>
+                  </a:extLst>
+                </a:gridCol>
+                <a:gridCol w="3003699">
+                  <a:extLst>
+                    <a:ext uri="{9D8B030D-6E8A-4147-A177-3AD203B41FA5}">
+                      <a16:colId xmlns:a16="http://schemas.microsoft.com/office/drawing/2014/main" val="758750201"/>
+                    </a:ext>
+                  </a:extLst>
+                </a:gridCol>
+              </a:tblGrid>
+              <a:tr h="331033">
+                <a:tc>
+                  <a:txBody>
+                    <a:bodyPr/>
+                    <a:lstStyle/>
+                    <a:p>
+                      <a:pPr algn="ctr">
+                        <a:lnSpc>
+                          <a:spcPct val="107000"/>
+                        </a:lnSpc>
+                        <a:spcAft>
+                          <a:spcPts val="800"/>
+                        </a:spcAft>
+                        <a:buNone/>
+                      </a:pPr>
+                      <a:r>
+                        <a:rPr lang="en-IN" sz="800" kern="100" dirty="0">
+                          <a:effectLst/>
+                        </a:rPr>
+                        <a:t>Sno</a:t>
+                      </a:r>
+                      <a:endParaRPr lang="en-IN" sz="800" kern="100" dirty="0">
+                        <a:effectLst/>
+                        <a:latin typeface="Calibri" panose="020F0502020204030204" pitchFamily="34" charset="0"/>
+                        <a:ea typeface="Calibri" panose="020F0502020204030204" pitchFamily="34" charset="0"/>
+                        <a:cs typeface="Times New Roman" panose="02020603050405020304" pitchFamily="18" charset="0"/>
+                      </a:endParaRPr>
+                    </a:p>
+                  </a:txBody>
+                  <a:tcPr anchor="ctr">
+                    <a:lnL w="3175" cap="flat" cmpd="sng" algn="ctr">
+                      <a:solidFill>
+                        <a:schemeClr val="tx1"/>
+                      </a:solidFill>
+                      <a:prstDash val="solid"/>
+                      <a:round/>
+                      <a:headEnd type="none" w="med" len="med"/>
+                      <a:tailEnd type="none" w="med" len="med"/>
+                    </a:lnL>
+                    <a:lnR w="3175" cap="flat" cmpd="sng" algn="ctr">
+                      <a:solidFill>
+                        <a:schemeClr val="tx1"/>
+                      </a:solidFill>
+                      <a:prstDash val="solid"/>
+                      <a:round/>
+                      <a:headEnd type="none" w="med" len="med"/>
+                      <a:tailEnd type="none" w="med" len="med"/>
+                    </a:lnR>
+                    <a:lnT w="3175" cap="flat" cmpd="sng" algn="ctr">
+                      <a:solidFill>
+                        <a:schemeClr val="tx1"/>
+                      </a:solidFill>
+                      <a:prstDash val="solid"/>
+                      <a:round/>
+                      <a:headEnd type="none" w="med" len="med"/>
+                      <a:tailEnd type="none" w="med" len="med"/>
+                    </a:lnT>
+                    <a:lnB w="3175" cap="flat" cmpd="sng" algn="ctr">
+                      <a:solidFill>
+                        <a:schemeClr val="tx1"/>
+                      </a:solidFill>
+                      <a:prstDash val="solid"/>
+                      <a:round/>
+                      <a:headEnd type="none" w="med" len="med"/>
+                      <a:tailEnd type="none" w="med" len="med"/>
+                    </a:lnB>
+                    <a:lnTlToBr w="12700" cmpd="sng">
+                      <a:noFill/>
+                      <a:prstDash val="solid"/>
+                    </a:lnTlToBr>
+                    <a:lnBlToTr w="12700" cmpd="sng">
+                      <a:noFill/>
+                      <a:prstDash val="solid"/>
+                    </a:lnBlToTr>
+                  </a:tcPr>
+                </a:tc>
+                <a:tc>
+                  <a:txBody>
+                    <a:bodyPr/>
+                    <a:lstStyle/>
+                    <a:p>
+                      <a:pPr algn="ctr">
+                        <a:lnSpc>
+                          <a:spcPct val="107000"/>
+                        </a:lnSpc>
+                        <a:spcAft>
+                          <a:spcPts val="800"/>
+                        </a:spcAft>
+                        <a:buNone/>
+                      </a:pPr>
+                      <a:r>
+                        <a:rPr lang="en-IN" sz="800" kern="100" dirty="0">
+                          <a:effectLst/>
+                          <a:latin typeface="Calibri" panose="020F0502020204030204" pitchFamily="34" charset="0"/>
+                          <a:ea typeface="Calibri" panose="020F0502020204030204" pitchFamily="34" charset="0"/>
+                          <a:cs typeface="Times New Roman" panose="02020603050405020304" pitchFamily="18" charset="0"/>
+                        </a:rPr>
+                        <a:t>Year</a:t>
+                      </a:r>
+                    </a:p>
+                  </a:txBody>
+                  <a:tcPr anchor="ctr">
+                    <a:lnL w="3175" cap="flat" cmpd="sng" algn="ctr">
+                      <a:solidFill>
+                        <a:schemeClr val="tx1"/>
+                      </a:solidFill>
+                      <a:prstDash val="solid"/>
+                      <a:round/>
+                      <a:headEnd type="none" w="med" len="med"/>
+                      <a:tailEnd type="none" w="med" len="med"/>
+                    </a:lnL>
+                    <a:lnR w="3175" cap="flat" cmpd="sng" algn="ctr">
+                      <a:solidFill>
+                        <a:schemeClr val="tx1"/>
+                      </a:solidFill>
+                      <a:prstDash val="solid"/>
+                      <a:round/>
+                      <a:headEnd type="none" w="med" len="med"/>
+                      <a:tailEnd type="none" w="med" len="med"/>
+                    </a:lnR>
+                    <a:lnT w="3175" cap="flat" cmpd="sng" algn="ctr">
+                      <a:solidFill>
+                        <a:schemeClr val="tx1"/>
+                      </a:solidFill>
+                      <a:prstDash val="solid"/>
+                      <a:round/>
+                      <a:headEnd type="none" w="med" len="med"/>
+                      <a:tailEnd type="none" w="med" len="med"/>
+                    </a:lnT>
+                    <a:lnB w="3175" cap="flat" cmpd="sng" algn="ctr">
+                      <a:solidFill>
+                        <a:schemeClr val="tx1"/>
+                      </a:solidFill>
+                      <a:prstDash val="solid"/>
+                      <a:round/>
+                      <a:headEnd type="none" w="med" len="med"/>
+                      <a:tailEnd type="none" w="med" len="med"/>
+                    </a:lnB>
+                    <a:lnTlToBr w="12700" cmpd="sng">
+                      <a:noFill/>
+                      <a:prstDash val="solid"/>
+                    </a:lnTlToBr>
+                    <a:lnBlToTr w="12700" cmpd="sng">
+                      <a:noFill/>
+                      <a:prstDash val="solid"/>
+                    </a:lnBlToTr>
+                  </a:tcPr>
+                </a:tc>
+                <a:tc>
+                  <a:txBody>
+                    <a:bodyPr/>
+                    <a:lstStyle/>
+                    <a:p>
+                      <a:pPr algn="ctr">
+                        <a:lnSpc>
+                          <a:spcPct val="107000"/>
+                        </a:lnSpc>
+                        <a:spcAft>
+                          <a:spcPts val="800"/>
+                        </a:spcAft>
+                        <a:buNone/>
+                      </a:pPr>
+                      <a:r>
+                        <a:rPr lang="en-IN" sz="800" kern="100" dirty="0">
+                          <a:effectLst/>
+                        </a:rPr>
+                        <a:t>Title of the Paper</a:t>
+                      </a:r>
+                      <a:endParaRPr lang="en-IN" sz="800" kern="100" dirty="0">
+                        <a:effectLst/>
+                        <a:latin typeface="Calibri" panose="020F0502020204030204" pitchFamily="34" charset="0"/>
+                        <a:ea typeface="Calibri" panose="020F0502020204030204" pitchFamily="34" charset="0"/>
+                        <a:cs typeface="Times New Roman" panose="02020603050405020304" pitchFamily="18" charset="0"/>
+                      </a:endParaRPr>
+                    </a:p>
+                  </a:txBody>
+                  <a:tcPr anchor="ctr">
+                    <a:lnL w="3175" cap="flat" cmpd="sng" algn="ctr">
+                      <a:solidFill>
+                        <a:schemeClr val="tx1"/>
+                      </a:solidFill>
+                      <a:prstDash val="solid"/>
+                      <a:round/>
+                      <a:headEnd type="none" w="med" len="med"/>
+                      <a:tailEnd type="none" w="med" len="med"/>
+                    </a:lnL>
+                    <a:lnR w="3175" cap="flat" cmpd="sng" algn="ctr">
+                      <a:solidFill>
+                        <a:schemeClr val="tx1"/>
+                      </a:solidFill>
+                      <a:prstDash val="solid"/>
+                      <a:round/>
+                      <a:headEnd type="none" w="med" len="med"/>
+                      <a:tailEnd type="none" w="med" len="med"/>
+                    </a:lnR>
+                    <a:lnT w="3175" cap="flat" cmpd="sng" algn="ctr">
+                      <a:solidFill>
+                        <a:schemeClr val="tx1"/>
+                      </a:solidFill>
+                      <a:prstDash val="solid"/>
+                      <a:round/>
+                      <a:headEnd type="none" w="med" len="med"/>
+                      <a:tailEnd type="none" w="med" len="med"/>
+                    </a:lnT>
+                    <a:lnB w="3175" cap="flat" cmpd="sng" algn="ctr">
+                      <a:solidFill>
+                        <a:schemeClr val="tx1"/>
+                      </a:solidFill>
+                      <a:prstDash val="solid"/>
+                      <a:round/>
+                      <a:headEnd type="none" w="med" len="med"/>
+                      <a:tailEnd type="none" w="med" len="med"/>
+                    </a:lnB>
+                    <a:lnTlToBr w="12700" cmpd="sng">
+                      <a:noFill/>
+                      <a:prstDash val="solid"/>
+                    </a:lnTlToBr>
+                    <a:lnBlToTr w="12700" cmpd="sng">
+                      <a:noFill/>
+                      <a:prstDash val="solid"/>
+                    </a:lnBlToTr>
+                  </a:tcPr>
+                </a:tc>
+                <a:tc>
+                  <a:txBody>
+                    <a:bodyPr/>
+                    <a:lstStyle/>
+                    <a:p>
+                      <a:pPr algn="ctr">
+                        <a:lnSpc>
+                          <a:spcPct val="107000"/>
+                        </a:lnSpc>
+                        <a:spcAft>
+                          <a:spcPts val="800"/>
+                        </a:spcAft>
+                        <a:buNone/>
+                      </a:pPr>
+                      <a:r>
+                        <a:rPr lang="en-IN" sz="800" kern="100" dirty="0">
+                          <a:effectLst/>
+                        </a:rPr>
+                        <a:t>Author &amp; Publication Details</a:t>
+                      </a:r>
+                      <a:endParaRPr lang="en-IN" sz="800" kern="100" dirty="0">
+                        <a:effectLst/>
+                        <a:latin typeface="Calibri" panose="020F0502020204030204" pitchFamily="34" charset="0"/>
+                        <a:ea typeface="Calibri" panose="020F0502020204030204" pitchFamily="34" charset="0"/>
+                        <a:cs typeface="Times New Roman" panose="02020603050405020304" pitchFamily="18" charset="0"/>
+                      </a:endParaRPr>
+                    </a:p>
+                  </a:txBody>
+                  <a:tcPr anchor="ctr">
+                    <a:lnL w="3175" cap="flat" cmpd="sng" algn="ctr">
+                      <a:solidFill>
+                        <a:schemeClr val="tx1"/>
+                      </a:solidFill>
+                      <a:prstDash val="solid"/>
+                      <a:round/>
+                      <a:headEnd type="none" w="med" len="med"/>
+                      <a:tailEnd type="none" w="med" len="med"/>
+                    </a:lnL>
+                    <a:lnR w="3175" cap="flat" cmpd="sng" algn="ctr">
+                      <a:solidFill>
+                        <a:schemeClr val="tx1"/>
+                      </a:solidFill>
+                      <a:prstDash val="solid"/>
+                      <a:round/>
+                      <a:headEnd type="none" w="med" len="med"/>
+                      <a:tailEnd type="none" w="med" len="med"/>
+                    </a:lnR>
+                    <a:lnT w="3175" cap="flat" cmpd="sng" algn="ctr">
+                      <a:solidFill>
+                        <a:schemeClr val="tx1"/>
+                      </a:solidFill>
+                      <a:prstDash val="solid"/>
+                      <a:round/>
+                      <a:headEnd type="none" w="med" len="med"/>
+                      <a:tailEnd type="none" w="med" len="med"/>
+                    </a:lnT>
+                    <a:lnB w="3175" cap="flat" cmpd="sng" algn="ctr">
+                      <a:solidFill>
+                        <a:schemeClr val="tx1"/>
+                      </a:solidFill>
+                      <a:prstDash val="solid"/>
+                      <a:round/>
+                      <a:headEnd type="none" w="med" len="med"/>
+                      <a:tailEnd type="none" w="med" len="med"/>
+                    </a:lnB>
+                    <a:lnTlToBr w="12700" cmpd="sng">
+                      <a:noFill/>
+                      <a:prstDash val="solid"/>
+                    </a:lnTlToBr>
+                    <a:lnBlToTr w="12700" cmpd="sng">
+                      <a:noFill/>
+                      <a:prstDash val="solid"/>
+                    </a:lnBlToTr>
+                  </a:tcPr>
+                </a:tc>
+                <a:tc>
+                  <a:txBody>
+                    <a:bodyPr/>
+                    <a:lstStyle/>
+                    <a:p>
+                      <a:pPr algn="ctr">
+                        <a:lnSpc>
+                          <a:spcPct val="107000"/>
+                        </a:lnSpc>
+                        <a:spcAft>
+                          <a:spcPts val="800"/>
+                        </a:spcAft>
+                        <a:buNone/>
+                      </a:pPr>
+                      <a:r>
+                        <a:rPr lang="en-IN" sz="800" kern="100" dirty="0">
+                          <a:effectLst/>
+                        </a:rPr>
+                        <a:t>Inference</a:t>
+                      </a:r>
+                      <a:endParaRPr lang="en-IN" sz="800" kern="100" dirty="0">
+                        <a:effectLst/>
+                        <a:latin typeface="Calibri" panose="020F0502020204030204" pitchFamily="34" charset="0"/>
+                        <a:ea typeface="Calibri" panose="020F0502020204030204" pitchFamily="34" charset="0"/>
+                        <a:cs typeface="Times New Roman" panose="02020603050405020304" pitchFamily="18" charset="0"/>
+                      </a:endParaRPr>
+                    </a:p>
+                  </a:txBody>
+                  <a:tcPr anchor="ctr">
+                    <a:lnL w="3175" cap="flat" cmpd="sng" algn="ctr">
+                      <a:solidFill>
+                        <a:schemeClr val="tx1"/>
+                      </a:solidFill>
+                      <a:prstDash val="solid"/>
+                      <a:round/>
+                      <a:headEnd type="none" w="med" len="med"/>
+                      <a:tailEnd type="none" w="med" len="med"/>
+                    </a:lnL>
+                    <a:lnR w="3175" cap="flat" cmpd="sng" algn="ctr">
+                      <a:solidFill>
+                        <a:schemeClr val="tx1"/>
+                      </a:solidFill>
+                      <a:prstDash val="solid"/>
+                      <a:round/>
+                      <a:headEnd type="none" w="med" len="med"/>
+                      <a:tailEnd type="none" w="med" len="med"/>
+                    </a:lnR>
+                    <a:lnT w="3175" cap="flat" cmpd="sng" algn="ctr">
+                      <a:solidFill>
+                        <a:schemeClr val="tx1"/>
+                      </a:solidFill>
+                      <a:prstDash val="solid"/>
+                      <a:round/>
+                      <a:headEnd type="none" w="med" len="med"/>
+                      <a:tailEnd type="none" w="med" len="med"/>
+                    </a:lnT>
+                    <a:lnB w="3175" cap="flat" cmpd="sng" algn="ctr">
+                      <a:solidFill>
+                        <a:schemeClr val="tx1"/>
+                      </a:solidFill>
+                      <a:prstDash val="solid"/>
+                      <a:round/>
+                      <a:headEnd type="none" w="med" len="med"/>
+                      <a:tailEnd type="none" w="med" len="med"/>
+                    </a:lnB>
+                    <a:lnTlToBr w="12700" cmpd="sng">
+                      <a:noFill/>
+                      <a:prstDash val="solid"/>
+                    </a:lnTlToBr>
+                    <a:lnBlToTr w="12700" cmpd="sng">
+                      <a:noFill/>
+                      <a:prstDash val="solid"/>
+                    </a:lnBlToTr>
+                  </a:tcPr>
+                </a:tc>
+                <a:extLst>
+                  <a:ext uri="{0D108BD9-81ED-4DB2-BD59-A6C34878D82A}">
+                    <a16:rowId xmlns:a16="http://schemas.microsoft.com/office/drawing/2014/main" val="4155136006"/>
+                  </a:ext>
+                </a:extLst>
+              </a:tr>
+              <a:tr h="642231">
+                <a:tc>
+                  <a:txBody>
+                    <a:bodyPr/>
+                    <a:lstStyle/>
+                    <a:p>
+                      <a:pPr algn="ctr">
+                        <a:lnSpc>
+                          <a:spcPct val="107000"/>
+                        </a:lnSpc>
+                        <a:spcAft>
+                          <a:spcPts val="800"/>
+                        </a:spcAft>
+                        <a:buNone/>
+                      </a:pPr>
+                      <a:r>
+                        <a:rPr lang="en-IN" sz="800" kern="100" dirty="0">
+                          <a:effectLst/>
+                        </a:rPr>
+                        <a:t>1</a:t>
+                      </a:r>
+                      <a:endParaRPr lang="en-IN" sz="800" kern="100" dirty="0">
+                        <a:effectLst/>
+                        <a:latin typeface="Calibri" panose="020F0502020204030204" pitchFamily="34" charset="0"/>
+                        <a:ea typeface="Calibri" panose="020F0502020204030204" pitchFamily="34" charset="0"/>
+                        <a:cs typeface="Times New Roman" panose="02020603050405020304" pitchFamily="18" charset="0"/>
+                      </a:endParaRPr>
+                    </a:p>
+                  </a:txBody>
+                  <a:tcPr marL="4931" marR="4931" marT="4931" marB="4931" anchor="ctr">
+                    <a:lnL w="3175" cap="flat" cmpd="sng" algn="ctr">
+                      <a:solidFill>
+                        <a:schemeClr val="tx1"/>
+                      </a:solidFill>
+                      <a:prstDash val="solid"/>
+                      <a:round/>
+                      <a:headEnd type="none" w="med" len="med"/>
+                      <a:tailEnd type="none" w="med" len="med"/>
+                    </a:lnL>
+                    <a:lnR w="3175" cap="flat" cmpd="sng" algn="ctr">
+                      <a:solidFill>
+                        <a:schemeClr val="tx1"/>
+                      </a:solidFill>
+                      <a:prstDash val="solid"/>
+                      <a:round/>
+                      <a:headEnd type="none" w="med" len="med"/>
+                      <a:tailEnd type="none" w="med" len="med"/>
+                    </a:lnR>
+                    <a:lnT w="3175" cap="flat" cmpd="sng" algn="ctr">
+                      <a:solidFill>
+                        <a:schemeClr val="tx1"/>
+                      </a:solidFill>
+                      <a:prstDash val="solid"/>
+                      <a:round/>
+                      <a:headEnd type="none" w="med" len="med"/>
+                      <a:tailEnd type="none" w="med" len="med"/>
+                    </a:lnT>
+                    <a:lnB w="3175" cap="flat" cmpd="sng" algn="ctr">
+                      <a:solidFill>
+                        <a:schemeClr val="tx1"/>
+                      </a:solidFill>
+                      <a:prstDash val="solid"/>
+                      <a:round/>
+                      <a:headEnd type="none" w="med" len="med"/>
+                      <a:tailEnd type="none" w="med" len="med"/>
+                    </a:lnB>
+                    <a:lnTlToBr w="12700" cmpd="sng">
+                      <a:noFill/>
+                      <a:prstDash val="solid"/>
+                    </a:lnTlToBr>
+                    <a:lnBlToTr w="12700" cmpd="sng">
+                      <a:noFill/>
+                      <a:prstDash val="solid"/>
+                    </a:lnBlToTr>
+                  </a:tcPr>
+                </a:tc>
+                <a:tc>
+                  <a:txBody>
+                    <a:bodyPr/>
+                    <a:lstStyle/>
+                    <a:p>
+                      <a:pPr lvl="1" algn="ctr">
+                        <a:lnSpc>
+                          <a:spcPct val="107000"/>
+                        </a:lnSpc>
+                        <a:spcAft>
+                          <a:spcPts val="800"/>
+                        </a:spcAft>
+                        <a:buNone/>
+                      </a:pPr>
+                      <a:r>
+                        <a:rPr lang="en-IN" sz="800" kern="100" dirty="0">
+                          <a:effectLst/>
+                          <a:latin typeface="Calibri" panose="020F0502020204030204" pitchFamily="34" charset="0"/>
+                          <a:ea typeface="Calibri" panose="020F0502020204030204" pitchFamily="34" charset="0"/>
+                          <a:cs typeface="Times New Roman" panose="02020603050405020304" pitchFamily="18" charset="0"/>
+                        </a:rPr>
+                        <a:t>2025</a:t>
+                      </a:r>
+                    </a:p>
+                  </a:txBody>
+                  <a:tcPr anchor="ctr">
+                    <a:lnL w="3175" cap="flat" cmpd="sng" algn="ctr">
+                      <a:solidFill>
+                        <a:schemeClr val="tx1"/>
+                      </a:solidFill>
+                      <a:prstDash val="solid"/>
+                      <a:round/>
+                      <a:headEnd type="none" w="med" len="med"/>
+                      <a:tailEnd type="none" w="med" len="med"/>
+                    </a:lnL>
+                    <a:lnR w="3175" cap="flat" cmpd="sng" algn="ctr">
+                      <a:solidFill>
+                        <a:schemeClr val="tx1"/>
+                      </a:solidFill>
+                      <a:prstDash val="solid"/>
+                      <a:round/>
+                      <a:headEnd type="none" w="med" len="med"/>
+                      <a:tailEnd type="none" w="med" len="med"/>
+                    </a:lnR>
+                    <a:lnT w="3175" cap="flat" cmpd="sng" algn="ctr">
+                      <a:solidFill>
+                        <a:schemeClr val="tx1"/>
+                      </a:solidFill>
+                      <a:prstDash val="solid"/>
+                      <a:round/>
+                      <a:headEnd type="none" w="med" len="med"/>
+                      <a:tailEnd type="none" w="med" len="med"/>
+                    </a:lnT>
+                    <a:lnB w="3175" cap="flat" cmpd="sng" algn="ctr">
+                      <a:solidFill>
+                        <a:schemeClr val="tx1"/>
+                      </a:solidFill>
+                      <a:prstDash val="solid"/>
+                      <a:round/>
+                      <a:headEnd type="none" w="med" len="med"/>
+                      <a:tailEnd type="none" w="med" len="med"/>
+                    </a:lnB>
+                    <a:lnTlToBr w="12700" cmpd="sng">
+                      <a:noFill/>
+                      <a:prstDash val="solid"/>
+                    </a:lnTlToBr>
+                    <a:lnBlToTr w="12700" cmpd="sng">
+                      <a:noFill/>
+                      <a:prstDash val="solid"/>
+                    </a:lnBlToTr>
+                  </a:tcPr>
+                </a:tc>
+                <a:tc>
+                  <a:txBody>
+                    <a:bodyPr/>
+                    <a:lstStyle/>
+                    <a:p>
+                      <a:pPr lvl="1" algn="l">
+                        <a:lnSpc>
+                          <a:spcPct val="107000"/>
+                        </a:lnSpc>
+                        <a:spcAft>
+                          <a:spcPts val="800"/>
+                        </a:spcAft>
+                        <a:buNone/>
+                      </a:pPr>
+                      <a:r>
+                        <a:rPr lang="en-IN" sz="800" kern="100" dirty="0">
+                          <a:effectLst/>
+                        </a:rPr>
+                        <a:t>RAGVA: Engineering Retrieval-Augmented Generation–based Virtual Assistants in Practice</a:t>
+                      </a:r>
+                      <a:endParaRPr lang="en-IN" sz="800" kern="100" dirty="0">
+                        <a:effectLst/>
+                        <a:latin typeface="Calibri" panose="020F0502020204030204" pitchFamily="34" charset="0"/>
+                        <a:ea typeface="Calibri" panose="020F0502020204030204" pitchFamily="34" charset="0"/>
+                        <a:cs typeface="Times New Roman" panose="02020603050405020304" pitchFamily="18" charset="0"/>
+                      </a:endParaRPr>
+                    </a:p>
+                  </a:txBody>
+                  <a:tcPr anchor="ctr">
+                    <a:lnL w="3175" cap="flat" cmpd="sng" algn="ctr">
+                      <a:solidFill>
+                        <a:schemeClr val="tx1"/>
+                      </a:solidFill>
+                      <a:prstDash val="solid"/>
+                      <a:round/>
+                      <a:headEnd type="none" w="med" len="med"/>
+                      <a:tailEnd type="none" w="med" len="med"/>
+                    </a:lnL>
+                    <a:lnR w="3175" cap="flat" cmpd="sng" algn="ctr">
+                      <a:solidFill>
+                        <a:schemeClr val="tx1"/>
+                      </a:solidFill>
+                      <a:prstDash val="solid"/>
+                      <a:round/>
+                      <a:headEnd type="none" w="med" len="med"/>
+                      <a:tailEnd type="none" w="med" len="med"/>
+                    </a:lnR>
+                    <a:lnT w="3175" cap="flat" cmpd="sng" algn="ctr">
+                      <a:solidFill>
+                        <a:schemeClr val="tx1"/>
+                      </a:solidFill>
+                      <a:prstDash val="solid"/>
+                      <a:round/>
+                      <a:headEnd type="none" w="med" len="med"/>
+                      <a:tailEnd type="none" w="med" len="med"/>
+                    </a:lnT>
+                    <a:lnB w="3175" cap="flat" cmpd="sng" algn="ctr">
+                      <a:solidFill>
+                        <a:schemeClr val="tx1"/>
+                      </a:solidFill>
+                      <a:prstDash val="solid"/>
+                      <a:round/>
+                      <a:headEnd type="none" w="med" len="med"/>
+                      <a:tailEnd type="none" w="med" len="med"/>
+                    </a:lnB>
+                    <a:lnTlToBr w="12700" cmpd="sng">
+                      <a:noFill/>
+                      <a:prstDash val="solid"/>
+                    </a:lnTlToBr>
+                    <a:lnBlToTr w="12700" cmpd="sng">
+                      <a:noFill/>
+                      <a:prstDash val="solid"/>
+                    </a:lnBlToTr>
+                  </a:tcPr>
+                </a:tc>
+                <a:tc>
+                  <a:txBody>
+                    <a:bodyPr/>
+                    <a:lstStyle/>
+                    <a:p>
+                      <a:pPr>
+                        <a:lnSpc>
+                          <a:spcPct val="107000"/>
+                        </a:lnSpc>
+                        <a:spcAft>
+                          <a:spcPts val="800"/>
+                        </a:spcAft>
+                        <a:buNone/>
+                      </a:pPr>
+                      <a:r>
+                        <a:rPr lang="en-IN" sz="800" kern="100" dirty="0">
+                          <a:effectLst/>
+                        </a:rPr>
+                        <a:t>R. Yang et al. (</a:t>
+                      </a:r>
+                      <a:r>
+                        <a:rPr lang="en-IN" sz="800" kern="100" dirty="0" err="1">
+                          <a:effectLst/>
+                        </a:rPr>
+                        <a:t>arXiv</a:t>
+                      </a:r>
+                      <a:r>
+                        <a:rPr lang="en-IN" sz="800" kern="100" dirty="0">
+                          <a:effectLst/>
+                        </a:rPr>
+                        <a:t> / IEEE-indexed workshops)</a:t>
+                      </a:r>
+                      <a:endParaRPr lang="en-IN" sz="800" kern="100" dirty="0">
+                        <a:effectLst/>
+                        <a:latin typeface="Calibri" panose="020F0502020204030204" pitchFamily="34" charset="0"/>
+                        <a:ea typeface="Calibri" panose="020F0502020204030204" pitchFamily="34" charset="0"/>
+                        <a:cs typeface="Times New Roman" panose="02020603050405020304" pitchFamily="18" charset="0"/>
+                      </a:endParaRPr>
+                    </a:p>
+                  </a:txBody>
+                  <a:tcPr anchor="ctr">
+                    <a:lnL w="3175" cap="flat" cmpd="sng" algn="ctr">
+                      <a:solidFill>
+                        <a:schemeClr val="tx1"/>
+                      </a:solidFill>
+                      <a:prstDash val="solid"/>
+                      <a:round/>
+                      <a:headEnd type="none" w="med" len="med"/>
+                      <a:tailEnd type="none" w="med" len="med"/>
+                    </a:lnL>
+                    <a:lnR w="3175" cap="flat" cmpd="sng" algn="ctr">
+                      <a:solidFill>
+                        <a:schemeClr val="tx1"/>
+                      </a:solidFill>
+                      <a:prstDash val="solid"/>
+                      <a:round/>
+                      <a:headEnd type="none" w="med" len="med"/>
+                      <a:tailEnd type="none" w="med" len="med"/>
+                    </a:lnR>
+                    <a:lnT w="3175" cap="flat" cmpd="sng" algn="ctr">
+                      <a:solidFill>
+                        <a:schemeClr val="tx1"/>
+                      </a:solidFill>
+                      <a:prstDash val="solid"/>
+                      <a:round/>
+                      <a:headEnd type="none" w="med" len="med"/>
+                      <a:tailEnd type="none" w="med" len="med"/>
+                    </a:lnT>
+                    <a:lnB w="3175" cap="flat" cmpd="sng" algn="ctr">
+                      <a:solidFill>
+                        <a:schemeClr val="tx1"/>
+                      </a:solidFill>
+                      <a:prstDash val="solid"/>
+                      <a:round/>
+                      <a:headEnd type="none" w="med" len="med"/>
+                      <a:tailEnd type="none" w="med" len="med"/>
+                    </a:lnB>
+                    <a:lnTlToBr w="12700" cmpd="sng">
+                      <a:noFill/>
+                      <a:prstDash val="solid"/>
+                    </a:lnTlToBr>
+                    <a:lnBlToTr w="12700" cmpd="sng">
+                      <a:noFill/>
+                      <a:prstDash val="solid"/>
+                    </a:lnBlToTr>
+                  </a:tcPr>
+                </a:tc>
+                <a:tc>
+                  <a:txBody>
+                    <a:bodyPr/>
+                    <a:lstStyle/>
+                    <a:p>
+                      <a:pPr algn="just">
+                        <a:lnSpc>
+                          <a:spcPct val="107000"/>
+                        </a:lnSpc>
+                        <a:spcAft>
+                          <a:spcPts val="800"/>
+                        </a:spcAft>
+                        <a:buNone/>
+                      </a:pPr>
+                      <a:r>
+                        <a:rPr lang="en-IN" sz="800" kern="100" dirty="0">
+                          <a:effectLst/>
+                        </a:rPr>
+                        <a:t>Provides engineering practices for implementing RAG-based conversational assistants. Advantage: Practical blueprint for RAG integration. Limitation: More experimental, not yet widely deployed in enterprise low-code platforms.</a:t>
+                      </a:r>
+                      <a:endParaRPr lang="en-IN" sz="800" kern="100" dirty="0">
+                        <a:effectLst/>
+                        <a:latin typeface="Calibri" panose="020F0502020204030204" pitchFamily="34" charset="0"/>
+                        <a:ea typeface="Calibri" panose="020F0502020204030204" pitchFamily="34" charset="0"/>
+                        <a:cs typeface="Times New Roman" panose="02020603050405020304" pitchFamily="18" charset="0"/>
+                      </a:endParaRPr>
+                    </a:p>
+                  </a:txBody>
+                  <a:tcPr anchor="ctr">
+                    <a:lnL w="3175" cap="flat" cmpd="sng" algn="ctr">
+                      <a:solidFill>
+                        <a:schemeClr val="tx1"/>
+                      </a:solidFill>
+                      <a:prstDash val="solid"/>
+                      <a:round/>
+                      <a:headEnd type="none" w="med" len="med"/>
+                      <a:tailEnd type="none" w="med" len="med"/>
+                    </a:lnL>
+                    <a:lnR w="3175" cap="flat" cmpd="sng" algn="ctr">
+                      <a:solidFill>
+                        <a:schemeClr val="tx1"/>
+                      </a:solidFill>
+                      <a:prstDash val="solid"/>
+                      <a:round/>
+                      <a:headEnd type="none" w="med" len="med"/>
+                      <a:tailEnd type="none" w="med" len="med"/>
+                    </a:lnR>
+                    <a:lnT w="3175" cap="flat" cmpd="sng" algn="ctr">
+                      <a:solidFill>
+                        <a:schemeClr val="tx1"/>
+                      </a:solidFill>
+                      <a:prstDash val="solid"/>
+                      <a:round/>
+                      <a:headEnd type="none" w="med" len="med"/>
+                      <a:tailEnd type="none" w="med" len="med"/>
+                    </a:lnT>
+                    <a:lnB w="3175" cap="flat" cmpd="sng" algn="ctr">
+                      <a:solidFill>
+                        <a:schemeClr val="tx1"/>
+                      </a:solidFill>
+                      <a:prstDash val="solid"/>
+                      <a:round/>
+                      <a:headEnd type="none" w="med" len="med"/>
+                      <a:tailEnd type="none" w="med" len="med"/>
+                    </a:lnB>
+                    <a:lnTlToBr w="12700" cmpd="sng">
+                      <a:noFill/>
+                      <a:prstDash val="solid"/>
+                    </a:lnTlToBr>
+                    <a:lnBlToTr w="12700" cmpd="sng">
+                      <a:noFill/>
+                      <a:prstDash val="solid"/>
+                    </a:lnBlToTr>
+                  </a:tcPr>
+                </a:tc>
+                <a:extLst>
+                  <a:ext uri="{0D108BD9-81ED-4DB2-BD59-A6C34878D82A}">
+                    <a16:rowId xmlns:a16="http://schemas.microsoft.com/office/drawing/2014/main" val="3751807402"/>
+                  </a:ext>
+                </a:extLst>
+              </a:tr>
+              <a:tr h="642231">
+                <a:tc>
+                  <a:txBody>
+                    <a:bodyPr/>
+                    <a:lstStyle/>
+                    <a:p>
+                      <a:pPr algn="ctr">
+                        <a:lnSpc>
+                          <a:spcPct val="107000"/>
+                        </a:lnSpc>
+                        <a:spcAft>
+                          <a:spcPts val="800"/>
+                        </a:spcAft>
+                        <a:buNone/>
+                      </a:pPr>
+                      <a:r>
+                        <a:rPr lang="en-IN" sz="800" kern="100" dirty="0">
+                          <a:effectLst/>
+                        </a:rPr>
+                        <a:t>2</a:t>
+                      </a:r>
+                      <a:endParaRPr lang="en-IN" sz="800" kern="100" dirty="0">
+                        <a:effectLst/>
+                        <a:latin typeface="Calibri" panose="020F0502020204030204" pitchFamily="34" charset="0"/>
+                        <a:ea typeface="Calibri" panose="020F0502020204030204" pitchFamily="34" charset="0"/>
+                        <a:cs typeface="Times New Roman" panose="02020603050405020304" pitchFamily="18" charset="0"/>
+                      </a:endParaRPr>
+                    </a:p>
+                  </a:txBody>
+                  <a:tcPr marL="4931" marR="4931" marT="4931" marB="4931" anchor="ctr">
+                    <a:lnL w="3175" cap="flat" cmpd="sng" algn="ctr">
+                      <a:solidFill>
+                        <a:schemeClr val="tx1"/>
+                      </a:solidFill>
+                      <a:prstDash val="solid"/>
+                      <a:round/>
+                      <a:headEnd type="none" w="med" len="med"/>
+                      <a:tailEnd type="none" w="med" len="med"/>
+                    </a:lnL>
+                    <a:lnR w="3175" cap="flat" cmpd="sng" algn="ctr">
+                      <a:solidFill>
+                        <a:schemeClr val="tx1"/>
+                      </a:solidFill>
+                      <a:prstDash val="solid"/>
+                      <a:round/>
+                      <a:headEnd type="none" w="med" len="med"/>
+                      <a:tailEnd type="none" w="med" len="med"/>
+                    </a:lnR>
+                    <a:lnT w="3175" cap="flat" cmpd="sng" algn="ctr">
+                      <a:solidFill>
+                        <a:schemeClr val="tx1"/>
+                      </a:solidFill>
+                      <a:prstDash val="solid"/>
+                      <a:round/>
+                      <a:headEnd type="none" w="med" len="med"/>
+                      <a:tailEnd type="none" w="med" len="med"/>
+                    </a:lnT>
+                    <a:lnB w="3175" cap="flat" cmpd="sng" algn="ctr">
+                      <a:solidFill>
+                        <a:schemeClr val="tx1"/>
+                      </a:solidFill>
+                      <a:prstDash val="solid"/>
+                      <a:round/>
+                      <a:headEnd type="none" w="med" len="med"/>
+                      <a:tailEnd type="none" w="med" len="med"/>
+                    </a:lnB>
+                    <a:lnTlToBr w="12700" cmpd="sng">
+                      <a:noFill/>
+                      <a:prstDash val="solid"/>
+                    </a:lnTlToBr>
+                    <a:lnBlToTr w="12700" cmpd="sng">
+                      <a:noFill/>
+                      <a:prstDash val="solid"/>
+                    </a:lnBlToTr>
+                  </a:tcPr>
+                </a:tc>
+                <a:tc>
+                  <a:txBody>
+                    <a:bodyPr/>
+                    <a:lstStyle/>
+                    <a:p>
+                      <a:pPr lvl="1" algn="ctr">
+                        <a:lnSpc>
+                          <a:spcPct val="107000"/>
+                        </a:lnSpc>
+                        <a:spcAft>
+                          <a:spcPts val="800"/>
+                        </a:spcAft>
+                        <a:buNone/>
+                      </a:pPr>
+                      <a:r>
+                        <a:rPr lang="en-IN" sz="800" kern="100" dirty="0">
+                          <a:effectLst/>
+                          <a:latin typeface="Calibri" panose="020F0502020204030204" pitchFamily="34" charset="0"/>
+                          <a:ea typeface="Calibri" panose="020F0502020204030204" pitchFamily="34" charset="0"/>
+                          <a:cs typeface="Times New Roman" panose="02020603050405020304" pitchFamily="18" charset="0"/>
+                        </a:rPr>
+                        <a:t>2025</a:t>
+                      </a:r>
+                    </a:p>
+                  </a:txBody>
+                  <a:tcPr anchor="ctr">
+                    <a:lnL w="3175" cap="flat" cmpd="sng" algn="ctr">
+                      <a:solidFill>
+                        <a:schemeClr val="tx1"/>
+                      </a:solidFill>
+                      <a:prstDash val="solid"/>
+                      <a:round/>
+                      <a:headEnd type="none" w="med" len="med"/>
+                      <a:tailEnd type="none" w="med" len="med"/>
+                    </a:lnL>
+                    <a:lnR w="3175" cap="flat" cmpd="sng" algn="ctr">
+                      <a:solidFill>
+                        <a:schemeClr val="tx1"/>
+                      </a:solidFill>
+                      <a:prstDash val="solid"/>
+                      <a:round/>
+                      <a:headEnd type="none" w="med" len="med"/>
+                      <a:tailEnd type="none" w="med" len="med"/>
+                    </a:lnR>
+                    <a:lnT w="3175" cap="flat" cmpd="sng" algn="ctr">
+                      <a:solidFill>
+                        <a:schemeClr val="tx1"/>
+                      </a:solidFill>
+                      <a:prstDash val="solid"/>
+                      <a:round/>
+                      <a:headEnd type="none" w="med" len="med"/>
+                      <a:tailEnd type="none" w="med" len="med"/>
+                    </a:lnT>
+                    <a:lnB w="3175" cap="flat" cmpd="sng" algn="ctr">
+                      <a:solidFill>
+                        <a:schemeClr val="tx1"/>
+                      </a:solidFill>
+                      <a:prstDash val="solid"/>
+                      <a:round/>
+                      <a:headEnd type="none" w="med" len="med"/>
+                      <a:tailEnd type="none" w="med" len="med"/>
+                    </a:lnB>
+                    <a:lnTlToBr w="12700" cmpd="sng">
+                      <a:noFill/>
+                      <a:prstDash val="solid"/>
+                    </a:lnTlToBr>
+                    <a:lnBlToTr w="12700" cmpd="sng">
+                      <a:noFill/>
+                      <a:prstDash val="solid"/>
+                    </a:lnBlToTr>
+                  </a:tcPr>
+                </a:tc>
+                <a:tc>
+                  <a:txBody>
+                    <a:bodyPr/>
+                    <a:lstStyle/>
+                    <a:p>
+                      <a:pPr lvl="1" algn="l">
+                        <a:lnSpc>
+                          <a:spcPct val="107000"/>
+                        </a:lnSpc>
+                        <a:spcAft>
+                          <a:spcPts val="800"/>
+                        </a:spcAft>
+                        <a:buNone/>
+                      </a:pPr>
+                      <a:r>
+                        <a:rPr lang="en-IN" sz="800" kern="100" dirty="0">
+                          <a:effectLst/>
+                        </a:rPr>
+                        <a:t>Beyond Text: Implementing Multimodal LLM-Powered Multi-Agent Systems Using a No-Code Platform</a:t>
+                      </a:r>
+                      <a:endParaRPr lang="en-IN" sz="800" kern="100" dirty="0">
+                        <a:effectLst/>
+                        <a:latin typeface="Calibri" panose="020F0502020204030204" pitchFamily="34" charset="0"/>
+                        <a:ea typeface="Calibri" panose="020F0502020204030204" pitchFamily="34" charset="0"/>
+                        <a:cs typeface="Times New Roman" panose="02020603050405020304" pitchFamily="18" charset="0"/>
+                      </a:endParaRPr>
+                    </a:p>
+                  </a:txBody>
+                  <a:tcPr anchor="ctr">
+                    <a:lnL w="3175" cap="flat" cmpd="sng" algn="ctr">
+                      <a:solidFill>
+                        <a:schemeClr val="tx1"/>
+                      </a:solidFill>
+                      <a:prstDash val="solid"/>
+                      <a:round/>
+                      <a:headEnd type="none" w="med" len="med"/>
+                      <a:tailEnd type="none" w="med" len="med"/>
+                    </a:lnL>
+                    <a:lnR w="3175" cap="flat" cmpd="sng" algn="ctr">
+                      <a:solidFill>
+                        <a:schemeClr val="tx1"/>
+                      </a:solidFill>
+                      <a:prstDash val="solid"/>
+                      <a:round/>
+                      <a:headEnd type="none" w="med" len="med"/>
+                      <a:tailEnd type="none" w="med" len="med"/>
+                    </a:lnR>
+                    <a:lnT w="3175" cap="flat" cmpd="sng" algn="ctr">
+                      <a:solidFill>
+                        <a:schemeClr val="tx1"/>
+                      </a:solidFill>
+                      <a:prstDash val="solid"/>
+                      <a:round/>
+                      <a:headEnd type="none" w="med" len="med"/>
+                      <a:tailEnd type="none" w="med" len="med"/>
+                    </a:lnT>
+                    <a:lnB w="3175" cap="flat" cmpd="sng" algn="ctr">
+                      <a:solidFill>
+                        <a:schemeClr val="tx1"/>
+                      </a:solidFill>
+                      <a:prstDash val="solid"/>
+                      <a:round/>
+                      <a:headEnd type="none" w="med" len="med"/>
+                      <a:tailEnd type="none" w="med" len="med"/>
+                    </a:lnB>
+                    <a:lnTlToBr w="12700" cmpd="sng">
+                      <a:noFill/>
+                      <a:prstDash val="solid"/>
+                    </a:lnTlToBr>
+                    <a:lnBlToTr w="12700" cmpd="sng">
+                      <a:noFill/>
+                      <a:prstDash val="solid"/>
+                    </a:lnBlToTr>
+                  </a:tcPr>
+                </a:tc>
+                <a:tc>
+                  <a:txBody>
+                    <a:bodyPr/>
+                    <a:lstStyle/>
+                    <a:p>
+                      <a:pPr>
+                        <a:lnSpc>
+                          <a:spcPct val="107000"/>
+                        </a:lnSpc>
+                        <a:spcAft>
+                          <a:spcPts val="800"/>
+                        </a:spcAft>
+                        <a:buNone/>
+                      </a:pPr>
+                      <a:r>
+                        <a:rPr lang="en-IN" sz="800" b="0" i="0" u="none" strike="noStrike" kern="100" cap="none" dirty="0" err="1">
+                          <a:solidFill>
+                            <a:schemeClr val="tx1"/>
+                          </a:solidFill>
+                          <a:effectLst/>
+                          <a:latin typeface="+mn-lt"/>
+                          <a:ea typeface="+mn-ea"/>
+                          <a:cs typeface="+mn-cs"/>
+                          <a:sym typeface="Arial" panose="020B0604020202020204"/>
+                        </a:rPr>
+                        <a:t>Cheonsu</a:t>
+                      </a:r>
+                      <a:r>
+                        <a:rPr lang="en-IN" sz="800" b="0" i="0" u="none" strike="noStrike" kern="100" cap="none" dirty="0">
+                          <a:solidFill>
+                            <a:schemeClr val="tx1"/>
+                          </a:solidFill>
+                          <a:effectLst/>
+                          <a:latin typeface="+mn-lt"/>
+                          <a:ea typeface="+mn-ea"/>
+                          <a:cs typeface="+mn-cs"/>
+                          <a:sym typeface="Arial" panose="020B0604020202020204"/>
+                        </a:rPr>
+                        <a:t> </a:t>
+                      </a:r>
+                      <a:r>
+                        <a:rPr lang="en-IN" sz="800" kern="100" dirty="0">
+                          <a:effectLst/>
+                        </a:rPr>
+                        <a:t> Jeong </a:t>
+                      </a:r>
+                      <a:endParaRPr lang="en-IN" sz="800" kern="100" dirty="0">
+                        <a:effectLst/>
+                        <a:latin typeface="Calibri" panose="020F0502020204030204" pitchFamily="34" charset="0"/>
+                        <a:ea typeface="Calibri" panose="020F0502020204030204" pitchFamily="34" charset="0"/>
+                        <a:cs typeface="Times New Roman" panose="02020603050405020304" pitchFamily="18" charset="0"/>
+                      </a:endParaRPr>
+                    </a:p>
+                  </a:txBody>
+                  <a:tcPr anchor="ctr">
+                    <a:lnL w="3175" cap="flat" cmpd="sng" algn="ctr">
+                      <a:solidFill>
+                        <a:schemeClr val="tx1"/>
+                      </a:solidFill>
+                      <a:prstDash val="solid"/>
+                      <a:round/>
+                      <a:headEnd type="none" w="med" len="med"/>
+                      <a:tailEnd type="none" w="med" len="med"/>
+                    </a:lnL>
+                    <a:lnR w="3175" cap="flat" cmpd="sng" algn="ctr">
+                      <a:solidFill>
+                        <a:schemeClr val="tx1"/>
+                      </a:solidFill>
+                      <a:prstDash val="solid"/>
+                      <a:round/>
+                      <a:headEnd type="none" w="med" len="med"/>
+                      <a:tailEnd type="none" w="med" len="med"/>
+                    </a:lnR>
+                    <a:lnT w="3175" cap="flat" cmpd="sng" algn="ctr">
+                      <a:solidFill>
+                        <a:schemeClr val="tx1"/>
+                      </a:solidFill>
+                      <a:prstDash val="solid"/>
+                      <a:round/>
+                      <a:headEnd type="none" w="med" len="med"/>
+                      <a:tailEnd type="none" w="med" len="med"/>
+                    </a:lnT>
+                    <a:lnB w="3175" cap="flat" cmpd="sng" algn="ctr">
+                      <a:solidFill>
+                        <a:schemeClr val="tx1"/>
+                      </a:solidFill>
+                      <a:prstDash val="solid"/>
+                      <a:round/>
+                      <a:headEnd type="none" w="med" len="med"/>
+                      <a:tailEnd type="none" w="med" len="med"/>
+                    </a:lnB>
+                    <a:lnTlToBr w="12700" cmpd="sng">
+                      <a:noFill/>
+                      <a:prstDash val="solid"/>
+                    </a:lnTlToBr>
+                    <a:lnBlToTr w="12700" cmpd="sng">
+                      <a:noFill/>
+                      <a:prstDash val="solid"/>
+                    </a:lnBlToTr>
+                  </a:tcPr>
+                </a:tc>
+                <a:tc>
+                  <a:txBody>
+                    <a:bodyPr/>
+                    <a:lstStyle/>
+                    <a:p>
+                      <a:pPr algn="just">
+                        <a:lnSpc>
+                          <a:spcPct val="107000"/>
+                        </a:lnSpc>
+                        <a:spcAft>
+                          <a:spcPts val="800"/>
+                        </a:spcAft>
+                        <a:buNone/>
+                      </a:pPr>
+                      <a:r>
+                        <a:rPr lang="en-IN" sz="800" kern="100" dirty="0">
+                          <a:effectLst/>
+                        </a:rPr>
+                        <a:t>Explores a no-code platform for building multi-agent conversational systems with RAG. Advantage: Demonstrates multimodal conversational AI in low-code setting. Limitation: Early-stage work; scalability in enterprise settings untested.</a:t>
+                      </a:r>
+                      <a:endParaRPr lang="en-IN" sz="800" kern="100" dirty="0">
+                        <a:effectLst/>
+                        <a:latin typeface="Calibri" panose="020F0502020204030204" pitchFamily="34" charset="0"/>
+                        <a:ea typeface="Calibri" panose="020F0502020204030204" pitchFamily="34" charset="0"/>
+                        <a:cs typeface="Times New Roman" panose="02020603050405020304" pitchFamily="18" charset="0"/>
+                      </a:endParaRPr>
+                    </a:p>
+                  </a:txBody>
+                  <a:tcPr anchor="ctr">
+                    <a:lnL w="3175" cap="flat" cmpd="sng" algn="ctr">
+                      <a:solidFill>
+                        <a:schemeClr val="tx1"/>
+                      </a:solidFill>
+                      <a:prstDash val="solid"/>
+                      <a:round/>
+                      <a:headEnd type="none" w="med" len="med"/>
+                      <a:tailEnd type="none" w="med" len="med"/>
+                    </a:lnL>
+                    <a:lnR w="3175" cap="flat" cmpd="sng" algn="ctr">
+                      <a:solidFill>
+                        <a:schemeClr val="tx1"/>
+                      </a:solidFill>
+                      <a:prstDash val="solid"/>
+                      <a:round/>
+                      <a:headEnd type="none" w="med" len="med"/>
+                      <a:tailEnd type="none" w="med" len="med"/>
+                    </a:lnR>
+                    <a:lnT w="3175" cap="flat" cmpd="sng" algn="ctr">
+                      <a:solidFill>
+                        <a:schemeClr val="tx1"/>
+                      </a:solidFill>
+                      <a:prstDash val="solid"/>
+                      <a:round/>
+                      <a:headEnd type="none" w="med" len="med"/>
+                      <a:tailEnd type="none" w="med" len="med"/>
+                    </a:lnT>
+                    <a:lnB w="3175" cap="flat" cmpd="sng" algn="ctr">
+                      <a:solidFill>
+                        <a:schemeClr val="tx1"/>
+                      </a:solidFill>
+                      <a:prstDash val="solid"/>
+                      <a:round/>
+                      <a:headEnd type="none" w="med" len="med"/>
+                      <a:tailEnd type="none" w="med" len="med"/>
+                    </a:lnB>
+                    <a:lnTlToBr w="12700" cmpd="sng">
+                      <a:noFill/>
+                      <a:prstDash val="solid"/>
+                    </a:lnTlToBr>
+                    <a:lnBlToTr w="12700" cmpd="sng">
+                      <a:noFill/>
+                      <a:prstDash val="solid"/>
+                    </a:lnBlToTr>
+                  </a:tcPr>
+                </a:tc>
+                <a:extLst>
+                  <a:ext uri="{0D108BD9-81ED-4DB2-BD59-A6C34878D82A}">
+                    <a16:rowId xmlns:a16="http://schemas.microsoft.com/office/drawing/2014/main" val="3714737215"/>
+                  </a:ext>
+                </a:extLst>
+              </a:tr>
+              <a:tr h="642231">
+                <a:tc>
+                  <a:txBody>
+                    <a:bodyPr/>
+                    <a:lstStyle/>
+                    <a:p>
+                      <a:pPr algn="ctr">
+                        <a:lnSpc>
+                          <a:spcPct val="107000"/>
+                        </a:lnSpc>
+                        <a:spcAft>
+                          <a:spcPts val="800"/>
+                        </a:spcAft>
+                        <a:buNone/>
+                      </a:pPr>
+                      <a:r>
+                        <a:rPr lang="en-IN" sz="800" kern="100" dirty="0">
+                          <a:effectLst/>
+                        </a:rPr>
+                        <a:t>3</a:t>
+                      </a:r>
+                      <a:endParaRPr lang="en-IN" sz="800" kern="100" dirty="0">
+                        <a:effectLst/>
+                        <a:latin typeface="Calibri" panose="020F0502020204030204" pitchFamily="34" charset="0"/>
+                        <a:ea typeface="Calibri" panose="020F0502020204030204" pitchFamily="34" charset="0"/>
+                        <a:cs typeface="Times New Roman" panose="02020603050405020304" pitchFamily="18" charset="0"/>
+                      </a:endParaRPr>
+                    </a:p>
+                  </a:txBody>
+                  <a:tcPr marL="4931" marR="4931" marT="4931" marB="4931" anchor="ctr">
+                    <a:lnL w="3175" cap="flat" cmpd="sng" algn="ctr">
+                      <a:solidFill>
+                        <a:schemeClr val="tx1"/>
+                      </a:solidFill>
+                      <a:prstDash val="solid"/>
+                      <a:round/>
+                      <a:headEnd type="none" w="med" len="med"/>
+                      <a:tailEnd type="none" w="med" len="med"/>
+                    </a:lnL>
+                    <a:lnR w="3175" cap="flat" cmpd="sng" algn="ctr">
+                      <a:solidFill>
+                        <a:schemeClr val="tx1"/>
+                      </a:solidFill>
+                      <a:prstDash val="solid"/>
+                      <a:round/>
+                      <a:headEnd type="none" w="med" len="med"/>
+                      <a:tailEnd type="none" w="med" len="med"/>
+                    </a:lnR>
+                    <a:lnT w="3175" cap="flat" cmpd="sng" algn="ctr">
+                      <a:solidFill>
+                        <a:schemeClr val="tx1"/>
+                      </a:solidFill>
+                      <a:prstDash val="solid"/>
+                      <a:round/>
+                      <a:headEnd type="none" w="med" len="med"/>
+                      <a:tailEnd type="none" w="med" len="med"/>
+                    </a:lnT>
+                    <a:lnB w="3175" cap="flat" cmpd="sng" algn="ctr">
+                      <a:solidFill>
+                        <a:schemeClr val="tx1"/>
+                      </a:solidFill>
+                      <a:prstDash val="solid"/>
+                      <a:round/>
+                      <a:headEnd type="none" w="med" len="med"/>
+                      <a:tailEnd type="none" w="med" len="med"/>
+                    </a:lnB>
+                    <a:lnTlToBr w="12700" cmpd="sng">
+                      <a:noFill/>
+                      <a:prstDash val="solid"/>
+                    </a:lnTlToBr>
+                    <a:lnBlToTr w="12700" cmpd="sng">
+                      <a:noFill/>
+                      <a:prstDash val="solid"/>
+                    </a:lnBlToTr>
+                  </a:tcPr>
+                </a:tc>
+                <a:tc>
+                  <a:txBody>
+                    <a:bodyPr/>
+                    <a:lstStyle/>
+                    <a:p>
+                      <a:pPr lvl="1" algn="ctr">
+                        <a:lnSpc>
+                          <a:spcPct val="107000"/>
+                        </a:lnSpc>
+                        <a:spcAft>
+                          <a:spcPts val="800"/>
+                        </a:spcAft>
+                        <a:buNone/>
+                      </a:pPr>
+                      <a:r>
+                        <a:rPr lang="en-IN" sz="800" kern="100" dirty="0">
+                          <a:effectLst/>
+                          <a:latin typeface="Calibri" panose="020F0502020204030204" pitchFamily="34" charset="0"/>
+                          <a:ea typeface="Calibri" panose="020F0502020204030204" pitchFamily="34" charset="0"/>
+                          <a:cs typeface="Times New Roman" panose="02020603050405020304" pitchFamily="18" charset="0"/>
+                        </a:rPr>
+                        <a:t>2024</a:t>
+                      </a:r>
+                    </a:p>
+                  </a:txBody>
+                  <a:tcPr anchor="ctr">
+                    <a:lnL w="3175" cap="flat" cmpd="sng" algn="ctr">
+                      <a:solidFill>
+                        <a:schemeClr val="tx1"/>
+                      </a:solidFill>
+                      <a:prstDash val="solid"/>
+                      <a:round/>
+                      <a:headEnd type="none" w="med" len="med"/>
+                      <a:tailEnd type="none" w="med" len="med"/>
+                    </a:lnL>
+                    <a:lnR w="3175" cap="flat" cmpd="sng" algn="ctr">
+                      <a:solidFill>
+                        <a:schemeClr val="tx1"/>
+                      </a:solidFill>
+                      <a:prstDash val="solid"/>
+                      <a:round/>
+                      <a:headEnd type="none" w="med" len="med"/>
+                      <a:tailEnd type="none" w="med" len="med"/>
+                    </a:lnR>
+                    <a:lnT w="3175" cap="flat" cmpd="sng" algn="ctr">
+                      <a:solidFill>
+                        <a:schemeClr val="tx1"/>
+                      </a:solidFill>
+                      <a:prstDash val="solid"/>
+                      <a:round/>
+                      <a:headEnd type="none" w="med" len="med"/>
+                      <a:tailEnd type="none" w="med" len="med"/>
+                    </a:lnT>
+                    <a:lnB w="3175" cap="flat" cmpd="sng" algn="ctr">
+                      <a:solidFill>
+                        <a:schemeClr val="tx1"/>
+                      </a:solidFill>
+                      <a:prstDash val="solid"/>
+                      <a:round/>
+                      <a:headEnd type="none" w="med" len="med"/>
+                      <a:tailEnd type="none" w="med" len="med"/>
+                    </a:lnB>
+                    <a:lnTlToBr w="12700" cmpd="sng">
+                      <a:noFill/>
+                      <a:prstDash val="solid"/>
+                    </a:lnTlToBr>
+                    <a:lnBlToTr w="12700" cmpd="sng">
+                      <a:noFill/>
+                      <a:prstDash val="solid"/>
+                    </a:lnBlToTr>
+                  </a:tcPr>
+                </a:tc>
+                <a:tc>
+                  <a:txBody>
+                    <a:bodyPr/>
+                    <a:lstStyle/>
+                    <a:p>
+                      <a:pPr lvl="1" algn="l">
+                        <a:lnSpc>
+                          <a:spcPct val="107000"/>
+                        </a:lnSpc>
+                        <a:spcAft>
+                          <a:spcPts val="800"/>
+                        </a:spcAft>
+                        <a:buNone/>
+                      </a:pPr>
+                      <a:r>
+                        <a:rPr lang="en-IN" sz="800" kern="100" dirty="0">
+                          <a:effectLst/>
+                        </a:rPr>
+                        <a:t>Generating a Low-Code Workflow via Task Decomposition and RAG</a:t>
+                      </a:r>
+                      <a:endParaRPr lang="en-IN" sz="800" kern="100" dirty="0">
+                        <a:effectLst/>
+                        <a:latin typeface="Calibri" panose="020F0502020204030204" pitchFamily="34" charset="0"/>
+                        <a:ea typeface="Calibri" panose="020F0502020204030204" pitchFamily="34" charset="0"/>
+                        <a:cs typeface="Times New Roman" panose="02020603050405020304" pitchFamily="18" charset="0"/>
+                      </a:endParaRPr>
+                    </a:p>
+                  </a:txBody>
+                  <a:tcPr anchor="ctr">
+                    <a:lnL w="3175" cap="flat" cmpd="sng" algn="ctr">
+                      <a:solidFill>
+                        <a:schemeClr val="tx1"/>
+                      </a:solidFill>
+                      <a:prstDash val="solid"/>
+                      <a:round/>
+                      <a:headEnd type="none" w="med" len="med"/>
+                      <a:tailEnd type="none" w="med" len="med"/>
+                    </a:lnL>
+                    <a:lnR w="3175" cap="flat" cmpd="sng" algn="ctr">
+                      <a:solidFill>
+                        <a:schemeClr val="tx1"/>
+                      </a:solidFill>
+                      <a:prstDash val="solid"/>
+                      <a:round/>
+                      <a:headEnd type="none" w="med" len="med"/>
+                      <a:tailEnd type="none" w="med" len="med"/>
+                    </a:lnR>
+                    <a:lnT w="3175" cap="flat" cmpd="sng" algn="ctr">
+                      <a:solidFill>
+                        <a:schemeClr val="tx1"/>
+                      </a:solidFill>
+                      <a:prstDash val="solid"/>
+                      <a:round/>
+                      <a:headEnd type="none" w="med" len="med"/>
+                      <a:tailEnd type="none" w="med" len="med"/>
+                    </a:lnT>
+                    <a:lnB w="3175" cap="flat" cmpd="sng" algn="ctr">
+                      <a:solidFill>
+                        <a:schemeClr val="tx1"/>
+                      </a:solidFill>
+                      <a:prstDash val="solid"/>
+                      <a:round/>
+                      <a:headEnd type="none" w="med" len="med"/>
+                      <a:tailEnd type="none" w="med" len="med"/>
+                    </a:lnB>
+                    <a:lnTlToBr w="12700" cmpd="sng">
+                      <a:noFill/>
+                      <a:prstDash val="solid"/>
+                    </a:lnTlToBr>
+                    <a:lnBlToTr w="12700" cmpd="sng">
+                      <a:noFill/>
+                      <a:prstDash val="solid"/>
+                    </a:lnBlToTr>
+                  </a:tcPr>
+                </a:tc>
+                <a:tc>
+                  <a:txBody>
+                    <a:bodyPr/>
+                    <a:lstStyle/>
+                    <a:p>
+                      <a:pPr>
+                        <a:lnSpc>
+                          <a:spcPct val="107000"/>
+                        </a:lnSpc>
+                        <a:spcAft>
+                          <a:spcPts val="800"/>
+                        </a:spcAft>
+                        <a:buNone/>
+                      </a:pPr>
+                      <a:r>
+                        <a:rPr lang="en-IN" sz="800" kern="100" dirty="0">
+                          <a:effectLst/>
+                        </a:rPr>
+                        <a:t>O. Marquez Ayala &amp; P. </a:t>
+                      </a:r>
+                      <a:r>
+                        <a:rPr lang="en-IN" sz="800" kern="100" dirty="0" err="1">
+                          <a:effectLst/>
+                        </a:rPr>
+                        <a:t>Béchard</a:t>
+                      </a:r>
+                      <a:endParaRPr lang="en-IN" sz="800" kern="100" dirty="0">
+                        <a:effectLst/>
+                        <a:latin typeface="Calibri" panose="020F0502020204030204" pitchFamily="34" charset="0"/>
+                        <a:ea typeface="Calibri" panose="020F0502020204030204" pitchFamily="34" charset="0"/>
+                        <a:cs typeface="Times New Roman" panose="02020603050405020304" pitchFamily="18" charset="0"/>
+                      </a:endParaRPr>
+                    </a:p>
+                  </a:txBody>
+                  <a:tcPr anchor="ctr">
+                    <a:lnL w="3175" cap="flat" cmpd="sng" algn="ctr">
+                      <a:solidFill>
+                        <a:schemeClr val="tx1"/>
+                      </a:solidFill>
+                      <a:prstDash val="solid"/>
+                      <a:round/>
+                      <a:headEnd type="none" w="med" len="med"/>
+                      <a:tailEnd type="none" w="med" len="med"/>
+                    </a:lnL>
+                    <a:lnR w="3175" cap="flat" cmpd="sng" algn="ctr">
+                      <a:solidFill>
+                        <a:schemeClr val="tx1"/>
+                      </a:solidFill>
+                      <a:prstDash val="solid"/>
+                      <a:round/>
+                      <a:headEnd type="none" w="med" len="med"/>
+                      <a:tailEnd type="none" w="med" len="med"/>
+                    </a:lnR>
+                    <a:lnT w="3175" cap="flat" cmpd="sng" algn="ctr">
+                      <a:solidFill>
+                        <a:schemeClr val="tx1"/>
+                      </a:solidFill>
+                      <a:prstDash val="solid"/>
+                      <a:round/>
+                      <a:headEnd type="none" w="med" len="med"/>
+                      <a:tailEnd type="none" w="med" len="med"/>
+                    </a:lnT>
+                    <a:lnB w="3175" cap="flat" cmpd="sng" algn="ctr">
+                      <a:solidFill>
+                        <a:schemeClr val="tx1"/>
+                      </a:solidFill>
+                      <a:prstDash val="solid"/>
+                      <a:round/>
+                      <a:headEnd type="none" w="med" len="med"/>
+                      <a:tailEnd type="none" w="med" len="med"/>
+                    </a:lnB>
+                    <a:lnTlToBr w="12700" cmpd="sng">
+                      <a:noFill/>
+                      <a:prstDash val="solid"/>
+                    </a:lnTlToBr>
+                    <a:lnBlToTr w="12700" cmpd="sng">
+                      <a:noFill/>
+                      <a:prstDash val="solid"/>
+                    </a:lnBlToTr>
+                  </a:tcPr>
+                </a:tc>
+                <a:tc>
+                  <a:txBody>
+                    <a:bodyPr/>
+                    <a:lstStyle/>
+                    <a:p>
+                      <a:pPr algn="just">
+                        <a:lnSpc>
+                          <a:spcPct val="107000"/>
+                        </a:lnSpc>
+                        <a:spcAft>
+                          <a:spcPts val="800"/>
+                        </a:spcAft>
+                        <a:buNone/>
+                      </a:pPr>
+                      <a:r>
+                        <a:rPr lang="en-IN" sz="800" kern="100" dirty="0">
+                          <a:effectLst/>
+                        </a:rPr>
+                        <a:t>Introduces Task Decomposition + RAG as design patterns for enterprise workflows. Advantage: Connects low-code principles with RAG-based automation. Limitation: Conceptual framework; lacks industrial case studies.</a:t>
+                      </a:r>
+                      <a:endParaRPr lang="en-IN" sz="800" kern="100" dirty="0">
+                        <a:effectLst/>
+                        <a:latin typeface="Calibri" panose="020F0502020204030204" pitchFamily="34" charset="0"/>
+                        <a:ea typeface="Calibri" panose="020F0502020204030204" pitchFamily="34" charset="0"/>
+                        <a:cs typeface="Times New Roman" panose="02020603050405020304" pitchFamily="18" charset="0"/>
+                      </a:endParaRPr>
+                    </a:p>
+                  </a:txBody>
+                  <a:tcPr anchor="ctr">
+                    <a:lnL w="3175" cap="flat" cmpd="sng" algn="ctr">
+                      <a:solidFill>
+                        <a:schemeClr val="tx1"/>
+                      </a:solidFill>
+                      <a:prstDash val="solid"/>
+                      <a:round/>
+                      <a:headEnd type="none" w="med" len="med"/>
+                      <a:tailEnd type="none" w="med" len="med"/>
+                    </a:lnL>
+                    <a:lnR w="3175" cap="flat" cmpd="sng" algn="ctr">
+                      <a:solidFill>
+                        <a:schemeClr val="tx1"/>
+                      </a:solidFill>
+                      <a:prstDash val="solid"/>
+                      <a:round/>
+                      <a:headEnd type="none" w="med" len="med"/>
+                      <a:tailEnd type="none" w="med" len="med"/>
+                    </a:lnR>
+                    <a:lnT w="3175" cap="flat" cmpd="sng" algn="ctr">
+                      <a:solidFill>
+                        <a:schemeClr val="tx1"/>
+                      </a:solidFill>
+                      <a:prstDash val="solid"/>
+                      <a:round/>
+                      <a:headEnd type="none" w="med" len="med"/>
+                      <a:tailEnd type="none" w="med" len="med"/>
+                    </a:lnT>
+                    <a:lnB w="3175" cap="flat" cmpd="sng" algn="ctr">
+                      <a:solidFill>
+                        <a:schemeClr val="tx1"/>
+                      </a:solidFill>
+                      <a:prstDash val="solid"/>
+                      <a:round/>
+                      <a:headEnd type="none" w="med" len="med"/>
+                      <a:tailEnd type="none" w="med" len="med"/>
+                    </a:lnB>
+                    <a:lnTlToBr w="12700" cmpd="sng">
+                      <a:noFill/>
+                      <a:prstDash val="solid"/>
+                    </a:lnTlToBr>
+                    <a:lnBlToTr w="12700" cmpd="sng">
+                      <a:noFill/>
+                      <a:prstDash val="solid"/>
+                    </a:lnBlToTr>
+                  </a:tcPr>
+                </a:tc>
+                <a:extLst>
+                  <a:ext uri="{0D108BD9-81ED-4DB2-BD59-A6C34878D82A}">
+                    <a16:rowId xmlns:a16="http://schemas.microsoft.com/office/drawing/2014/main" val="3235423339"/>
+                  </a:ext>
+                </a:extLst>
+              </a:tr>
+              <a:tr h="705656">
+                <a:tc>
+                  <a:txBody>
+                    <a:bodyPr/>
+                    <a:lstStyle/>
+                    <a:p>
+                      <a:pPr algn="ctr">
+                        <a:lnSpc>
+                          <a:spcPct val="107000"/>
+                        </a:lnSpc>
+                        <a:spcAft>
+                          <a:spcPts val="800"/>
+                        </a:spcAft>
+                        <a:buNone/>
+                      </a:pPr>
+                      <a:r>
+                        <a:rPr lang="en-IN" sz="800" kern="100" dirty="0">
+                          <a:effectLst/>
+                        </a:rPr>
+                        <a:t>4</a:t>
+                      </a:r>
+                      <a:endParaRPr lang="en-IN" sz="800" kern="100" dirty="0">
+                        <a:effectLst/>
+                        <a:latin typeface="Calibri" panose="020F0502020204030204" pitchFamily="34" charset="0"/>
+                        <a:ea typeface="Calibri" panose="020F0502020204030204" pitchFamily="34" charset="0"/>
+                        <a:cs typeface="Times New Roman" panose="02020603050405020304" pitchFamily="18" charset="0"/>
+                      </a:endParaRPr>
+                    </a:p>
+                  </a:txBody>
+                  <a:tcPr marL="4931" marR="4931" marT="4931" marB="4931" anchor="ctr">
+                    <a:lnL w="3175" cap="flat" cmpd="sng" algn="ctr">
+                      <a:solidFill>
+                        <a:schemeClr val="tx1"/>
+                      </a:solidFill>
+                      <a:prstDash val="solid"/>
+                      <a:round/>
+                      <a:headEnd type="none" w="med" len="med"/>
+                      <a:tailEnd type="none" w="med" len="med"/>
+                    </a:lnL>
+                    <a:lnR w="3175" cap="flat" cmpd="sng" algn="ctr">
+                      <a:solidFill>
+                        <a:schemeClr val="tx1"/>
+                      </a:solidFill>
+                      <a:prstDash val="solid"/>
+                      <a:round/>
+                      <a:headEnd type="none" w="med" len="med"/>
+                      <a:tailEnd type="none" w="med" len="med"/>
+                    </a:lnR>
+                    <a:lnT w="3175" cap="flat" cmpd="sng" algn="ctr">
+                      <a:solidFill>
+                        <a:schemeClr val="tx1"/>
+                      </a:solidFill>
+                      <a:prstDash val="solid"/>
+                      <a:round/>
+                      <a:headEnd type="none" w="med" len="med"/>
+                      <a:tailEnd type="none" w="med" len="med"/>
+                    </a:lnT>
+                    <a:lnB w="3175" cap="flat" cmpd="sng" algn="ctr">
+                      <a:solidFill>
+                        <a:schemeClr val="tx1"/>
+                      </a:solidFill>
+                      <a:prstDash val="solid"/>
+                      <a:round/>
+                      <a:headEnd type="none" w="med" len="med"/>
+                      <a:tailEnd type="none" w="med" len="med"/>
+                    </a:lnB>
+                    <a:lnTlToBr w="12700" cmpd="sng">
+                      <a:noFill/>
+                      <a:prstDash val="solid"/>
+                    </a:lnTlToBr>
+                    <a:lnBlToTr w="12700" cmpd="sng">
+                      <a:noFill/>
+                      <a:prstDash val="solid"/>
+                    </a:lnBlToTr>
+                  </a:tcPr>
+                </a:tc>
+                <a:tc>
+                  <a:txBody>
+                    <a:bodyPr/>
+                    <a:lstStyle/>
+                    <a:p>
+                      <a:pPr lvl="1" algn="ctr">
+                        <a:lnSpc>
+                          <a:spcPct val="107000"/>
+                        </a:lnSpc>
+                        <a:spcAft>
+                          <a:spcPts val="800"/>
+                        </a:spcAft>
+                        <a:buNone/>
+                      </a:pPr>
+                      <a:r>
+                        <a:rPr lang="en-IN" sz="800" kern="100" dirty="0">
+                          <a:effectLst/>
+                          <a:latin typeface="Calibri" panose="020F0502020204030204" pitchFamily="34" charset="0"/>
+                          <a:ea typeface="Calibri" panose="020F0502020204030204" pitchFamily="34" charset="0"/>
+                          <a:cs typeface="Times New Roman" panose="02020603050405020304" pitchFamily="18" charset="0"/>
+                        </a:rPr>
+                        <a:t>2024</a:t>
+                      </a:r>
+                    </a:p>
+                  </a:txBody>
+                  <a:tcPr anchor="ctr">
+                    <a:lnL w="3175" cap="flat" cmpd="sng" algn="ctr">
+                      <a:solidFill>
+                        <a:schemeClr val="tx1"/>
+                      </a:solidFill>
+                      <a:prstDash val="solid"/>
+                      <a:round/>
+                      <a:headEnd type="none" w="med" len="med"/>
+                      <a:tailEnd type="none" w="med" len="med"/>
+                    </a:lnL>
+                    <a:lnR w="3175" cap="flat" cmpd="sng" algn="ctr">
+                      <a:solidFill>
+                        <a:schemeClr val="tx1"/>
+                      </a:solidFill>
+                      <a:prstDash val="solid"/>
+                      <a:round/>
+                      <a:headEnd type="none" w="med" len="med"/>
+                      <a:tailEnd type="none" w="med" len="med"/>
+                    </a:lnR>
+                    <a:lnT w="3175" cap="flat" cmpd="sng" algn="ctr">
+                      <a:solidFill>
+                        <a:schemeClr val="tx1"/>
+                      </a:solidFill>
+                      <a:prstDash val="solid"/>
+                      <a:round/>
+                      <a:headEnd type="none" w="med" len="med"/>
+                      <a:tailEnd type="none" w="med" len="med"/>
+                    </a:lnT>
+                    <a:lnB w="3175" cap="flat" cmpd="sng" algn="ctr">
+                      <a:solidFill>
+                        <a:schemeClr val="tx1"/>
+                      </a:solidFill>
+                      <a:prstDash val="solid"/>
+                      <a:round/>
+                      <a:headEnd type="none" w="med" len="med"/>
+                      <a:tailEnd type="none" w="med" len="med"/>
+                    </a:lnB>
+                    <a:lnTlToBr w="12700" cmpd="sng">
+                      <a:noFill/>
+                      <a:prstDash val="solid"/>
+                    </a:lnTlToBr>
+                    <a:lnBlToTr w="12700" cmpd="sng">
+                      <a:noFill/>
+                      <a:prstDash val="solid"/>
+                    </a:lnBlToTr>
+                  </a:tcPr>
+                </a:tc>
+                <a:tc>
+                  <a:txBody>
+                    <a:bodyPr/>
+                    <a:lstStyle/>
+                    <a:p>
+                      <a:pPr lvl="1" algn="l">
+                        <a:lnSpc>
+                          <a:spcPct val="107000"/>
+                        </a:lnSpc>
+                        <a:spcAft>
+                          <a:spcPts val="800"/>
+                        </a:spcAft>
+                        <a:buNone/>
+                      </a:pPr>
+                      <a:r>
+                        <a:rPr lang="en-IN" sz="800" kern="100" dirty="0">
+                          <a:effectLst/>
+                        </a:rPr>
+                        <a:t>White-box LLM-supported Low-code Engineering: A Vision and First Insights</a:t>
+                      </a:r>
+                      <a:endParaRPr lang="en-IN" sz="800" kern="100" dirty="0">
+                        <a:effectLst/>
+                        <a:latin typeface="Calibri" panose="020F0502020204030204" pitchFamily="34" charset="0"/>
+                        <a:ea typeface="Calibri" panose="020F0502020204030204" pitchFamily="34" charset="0"/>
+                        <a:cs typeface="Times New Roman" panose="02020603050405020304" pitchFamily="18" charset="0"/>
+                      </a:endParaRPr>
+                    </a:p>
+                  </a:txBody>
+                  <a:tcPr anchor="ctr">
+                    <a:lnL w="3175" cap="flat" cmpd="sng" algn="ctr">
+                      <a:solidFill>
+                        <a:schemeClr val="tx1"/>
+                      </a:solidFill>
+                      <a:prstDash val="solid"/>
+                      <a:round/>
+                      <a:headEnd type="none" w="med" len="med"/>
+                      <a:tailEnd type="none" w="med" len="med"/>
+                    </a:lnL>
+                    <a:lnR w="3175" cap="flat" cmpd="sng" algn="ctr">
+                      <a:solidFill>
+                        <a:schemeClr val="tx1"/>
+                      </a:solidFill>
+                      <a:prstDash val="solid"/>
+                      <a:round/>
+                      <a:headEnd type="none" w="med" len="med"/>
+                      <a:tailEnd type="none" w="med" len="med"/>
+                    </a:lnR>
+                    <a:lnT w="3175" cap="flat" cmpd="sng" algn="ctr">
+                      <a:solidFill>
+                        <a:schemeClr val="tx1"/>
+                      </a:solidFill>
+                      <a:prstDash val="solid"/>
+                      <a:round/>
+                      <a:headEnd type="none" w="med" len="med"/>
+                      <a:tailEnd type="none" w="med" len="med"/>
+                    </a:lnT>
+                    <a:lnB w="3175" cap="flat" cmpd="sng" algn="ctr">
+                      <a:solidFill>
+                        <a:schemeClr val="tx1"/>
+                      </a:solidFill>
+                      <a:prstDash val="solid"/>
+                      <a:round/>
+                      <a:headEnd type="none" w="med" len="med"/>
+                      <a:tailEnd type="none" w="med" len="med"/>
+                    </a:lnB>
+                    <a:lnTlToBr w="12700" cmpd="sng">
+                      <a:noFill/>
+                      <a:prstDash val="solid"/>
+                    </a:lnTlToBr>
+                    <a:lnBlToTr w="12700" cmpd="sng">
+                      <a:noFill/>
+                      <a:prstDash val="solid"/>
+                    </a:lnBlToTr>
+                  </a:tcPr>
+                </a:tc>
+                <a:tc>
+                  <a:txBody>
+                    <a:bodyPr/>
+                    <a:lstStyle/>
+                    <a:p>
+                      <a:pPr>
+                        <a:lnSpc>
+                          <a:spcPct val="107000"/>
+                        </a:lnSpc>
+                        <a:spcAft>
+                          <a:spcPts val="800"/>
+                        </a:spcAft>
+                        <a:buNone/>
+                      </a:pPr>
+                      <a:r>
+                        <a:rPr lang="en-IN" sz="800" kern="100" dirty="0">
+                          <a:effectLst/>
+                        </a:rPr>
+                        <a:t>Y. Cai, Z. Xing, et al. (ACM/IEEE MODELS Companion)</a:t>
+                      </a:r>
+                      <a:endParaRPr lang="en-IN" sz="800" kern="100" dirty="0">
+                        <a:effectLst/>
+                        <a:latin typeface="Calibri" panose="020F0502020204030204" pitchFamily="34" charset="0"/>
+                        <a:ea typeface="Calibri" panose="020F0502020204030204" pitchFamily="34" charset="0"/>
+                        <a:cs typeface="Times New Roman" panose="02020603050405020304" pitchFamily="18" charset="0"/>
+                      </a:endParaRPr>
+                    </a:p>
+                  </a:txBody>
+                  <a:tcPr anchor="ctr">
+                    <a:lnL w="3175" cap="flat" cmpd="sng" algn="ctr">
+                      <a:solidFill>
+                        <a:schemeClr val="tx1"/>
+                      </a:solidFill>
+                      <a:prstDash val="solid"/>
+                      <a:round/>
+                      <a:headEnd type="none" w="med" len="med"/>
+                      <a:tailEnd type="none" w="med" len="med"/>
+                    </a:lnL>
+                    <a:lnR w="3175" cap="flat" cmpd="sng" algn="ctr">
+                      <a:solidFill>
+                        <a:schemeClr val="tx1"/>
+                      </a:solidFill>
+                      <a:prstDash val="solid"/>
+                      <a:round/>
+                      <a:headEnd type="none" w="med" len="med"/>
+                      <a:tailEnd type="none" w="med" len="med"/>
+                    </a:lnR>
+                    <a:lnT w="3175" cap="flat" cmpd="sng" algn="ctr">
+                      <a:solidFill>
+                        <a:schemeClr val="tx1"/>
+                      </a:solidFill>
+                      <a:prstDash val="solid"/>
+                      <a:round/>
+                      <a:headEnd type="none" w="med" len="med"/>
+                      <a:tailEnd type="none" w="med" len="med"/>
+                    </a:lnT>
+                    <a:lnB w="3175" cap="flat" cmpd="sng" algn="ctr">
+                      <a:solidFill>
+                        <a:schemeClr val="tx1"/>
+                      </a:solidFill>
+                      <a:prstDash val="solid"/>
+                      <a:round/>
+                      <a:headEnd type="none" w="med" len="med"/>
+                      <a:tailEnd type="none" w="med" len="med"/>
+                    </a:lnB>
+                    <a:lnTlToBr w="12700" cmpd="sng">
+                      <a:noFill/>
+                      <a:prstDash val="solid"/>
+                    </a:lnTlToBr>
+                    <a:lnBlToTr w="12700" cmpd="sng">
+                      <a:noFill/>
+                      <a:prstDash val="solid"/>
+                    </a:lnBlToTr>
+                  </a:tcPr>
+                </a:tc>
+                <a:tc>
+                  <a:txBody>
+                    <a:bodyPr/>
+                    <a:lstStyle/>
+                    <a:p>
+                      <a:pPr algn="just">
+                        <a:lnSpc>
+                          <a:spcPct val="107000"/>
+                        </a:lnSpc>
+                        <a:spcAft>
+                          <a:spcPts val="800"/>
+                        </a:spcAft>
+                        <a:buNone/>
+                      </a:pPr>
+                      <a:r>
+                        <a:rPr lang="en-IN" sz="800" kern="100" dirty="0">
+                          <a:effectLst/>
+                        </a:rPr>
+                        <a:t>Explores how LLMs can be integrated into low-code platforms for model-driven engineering. Advantage: Provides first architectural insights into combining low-code and LLM. Limitation: Still conceptual, lacks large-scale empirical validation.</a:t>
+                      </a:r>
+                      <a:endParaRPr lang="en-IN" sz="800" kern="100" dirty="0">
+                        <a:effectLst/>
+                        <a:latin typeface="Calibri" panose="020F0502020204030204" pitchFamily="34" charset="0"/>
+                        <a:ea typeface="Calibri" panose="020F0502020204030204" pitchFamily="34" charset="0"/>
+                        <a:cs typeface="Times New Roman" panose="02020603050405020304" pitchFamily="18" charset="0"/>
+                      </a:endParaRPr>
+                    </a:p>
+                  </a:txBody>
+                  <a:tcPr anchor="ctr">
+                    <a:lnL w="3175" cap="flat" cmpd="sng" algn="ctr">
+                      <a:solidFill>
+                        <a:schemeClr val="tx1"/>
+                      </a:solidFill>
+                      <a:prstDash val="solid"/>
+                      <a:round/>
+                      <a:headEnd type="none" w="med" len="med"/>
+                      <a:tailEnd type="none" w="med" len="med"/>
+                    </a:lnL>
+                    <a:lnR w="3175" cap="flat" cmpd="sng" algn="ctr">
+                      <a:solidFill>
+                        <a:schemeClr val="tx1"/>
+                      </a:solidFill>
+                      <a:prstDash val="solid"/>
+                      <a:round/>
+                      <a:headEnd type="none" w="med" len="med"/>
+                      <a:tailEnd type="none" w="med" len="med"/>
+                    </a:lnR>
+                    <a:lnT w="3175" cap="flat" cmpd="sng" algn="ctr">
+                      <a:solidFill>
+                        <a:schemeClr val="tx1"/>
+                      </a:solidFill>
+                      <a:prstDash val="solid"/>
+                      <a:round/>
+                      <a:headEnd type="none" w="med" len="med"/>
+                      <a:tailEnd type="none" w="med" len="med"/>
+                    </a:lnT>
+                    <a:lnB w="3175" cap="flat" cmpd="sng" algn="ctr">
+                      <a:solidFill>
+                        <a:schemeClr val="tx1"/>
+                      </a:solidFill>
+                      <a:prstDash val="solid"/>
+                      <a:round/>
+                      <a:headEnd type="none" w="med" len="med"/>
+                      <a:tailEnd type="none" w="med" len="med"/>
+                    </a:lnB>
+                    <a:lnTlToBr w="12700" cmpd="sng">
+                      <a:noFill/>
+                      <a:prstDash val="solid"/>
+                    </a:lnTlToBr>
+                    <a:lnBlToTr w="12700" cmpd="sng">
+                      <a:noFill/>
+                      <a:prstDash val="solid"/>
+                    </a:lnBlToTr>
+                  </a:tcPr>
+                </a:tc>
+                <a:extLst>
+                  <a:ext uri="{0D108BD9-81ED-4DB2-BD59-A6C34878D82A}">
+                    <a16:rowId xmlns:a16="http://schemas.microsoft.com/office/drawing/2014/main" val="546651449"/>
+                  </a:ext>
+                </a:extLst>
+              </a:tr>
+              <a:tr h="642231">
+                <a:tc>
+                  <a:txBody>
+                    <a:bodyPr/>
+                    <a:lstStyle/>
+                    <a:p>
+                      <a:pPr algn="ctr">
+                        <a:lnSpc>
+                          <a:spcPct val="107000"/>
+                        </a:lnSpc>
+                        <a:spcAft>
+                          <a:spcPts val="800"/>
+                        </a:spcAft>
+                        <a:buNone/>
+                      </a:pPr>
+                      <a:r>
+                        <a:rPr lang="en-IN" sz="800" kern="100" dirty="0">
+                          <a:effectLst/>
+                        </a:rPr>
+                        <a:t>5</a:t>
+                      </a:r>
+                      <a:endParaRPr lang="en-IN" sz="800" kern="100" dirty="0">
+                        <a:effectLst/>
+                        <a:latin typeface="Calibri" panose="020F0502020204030204" pitchFamily="34" charset="0"/>
+                        <a:ea typeface="Calibri" panose="020F0502020204030204" pitchFamily="34" charset="0"/>
+                        <a:cs typeface="Times New Roman" panose="02020603050405020304" pitchFamily="18" charset="0"/>
+                      </a:endParaRPr>
+                    </a:p>
+                  </a:txBody>
+                  <a:tcPr marL="4931" marR="4931" marT="4931" marB="4931" anchor="ctr">
+                    <a:lnL w="3175" cap="flat" cmpd="sng" algn="ctr">
+                      <a:solidFill>
+                        <a:schemeClr val="tx1"/>
+                      </a:solidFill>
+                      <a:prstDash val="solid"/>
+                      <a:round/>
+                      <a:headEnd type="none" w="med" len="med"/>
+                      <a:tailEnd type="none" w="med" len="med"/>
+                    </a:lnL>
+                    <a:lnR w="3175" cap="flat" cmpd="sng" algn="ctr">
+                      <a:solidFill>
+                        <a:schemeClr val="tx1"/>
+                      </a:solidFill>
+                      <a:prstDash val="solid"/>
+                      <a:round/>
+                      <a:headEnd type="none" w="med" len="med"/>
+                      <a:tailEnd type="none" w="med" len="med"/>
+                    </a:lnR>
+                    <a:lnT w="3175" cap="flat" cmpd="sng" algn="ctr">
+                      <a:solidFill>
+                        <a:schemeClr val="tx1"/>
+                      </a:solidFill>
+                      <a:prstDash val="solid"/>
+                      <a:round/>
+                      <a:headEnd type="none" w="med" len="med"/>
+                      <a:tailEnd type="none" w="med" len="med"/>
+                    </a:lnT>
+                    <a:lnB w="3175" cap="flat" cmpd="sng" algn="ctr">
+                      <a:solidFill>
+                        <a:schemeClr val="tx1"/>
+                      </a:solidFill>
+                      <a:prstDash val="solid"/>
+                      <a:round/>
+                      <a:headEnd type="none" w="med" len="med"/>
+                      <a:tailEnd type="none" w="med" len="med"/>
+                    </a:lnB>
+                    <a:lnTlToBr w="12700" cmpd="sng">
+                      <a:noFill/>
+                      <a:prstDash val="solid"/>
+                    </a:lnTlToBr>
+                    <a:lnBlToTr w="12700" cmpd="sng">
+                      <a:noFill/>
+                      <a:prstDash val="solid"/>
+                    </a:lnBlToTr>
+                  </a:tcPr>
+                </a:tc>
+                <a:tc>
+                  <a:txBody>
+                    <a:bodyPr/>
+                    <a:lstStyle/>
+                    <a:p>
+                      <a:pPr lvl="1" algn="ctr">
+                        <a:lnSpc>
+                          <a:spcPct val="107000"/>
+                        </a:lnSpc>
+                        <a:spcAft>
+                          <a:spcPts val="800"/>
+                        </a:spcAft>
+                        <a:buNone/>
+                      </a:pPr>
+                      <a:r>
+                        <a:rPr lang="en-IN" sz="800" kern="100" dirty="0">
+                          <a:effectLst/>
+                          <a:latin typeface="Calibri" panose="020F0502020204030204" pitchFamily="34" charset="0"/>
+                          <a:ea typeface="Calibri" panose="020F0502020204030204" pitchFamily="34" charset="0"/>
+                          <a:cs typeface="Times New Roman" panose="02020603050405020304" pitchFamily="18" charset="0"/>
+                        </a:rPr>
+                        <a:t>2023</a:t>
+                      </a:r>
+                    </a:p>
+                  </a:txBody>
+                  <a:tcPr anchor="ctr">
+                    <a:lnL w="3175" cap="flat" cmpd="sng" algn="ctr">
+                      <a:solidFill>
+                        <a:schemeClr val="tx1"/>
+                      </a:solidFill>
+                      <a:prstDash val="solid"/>
+                      <a:round/>
+                      <a:headEnd type="none" w="med" len="med"/>
+                      <a:tailEnd type="none" w="med" len="med"/>
+                    </a:lnL>
+                    <a:lnR w="3175" cap="flat" cmpd="sng" algn="ctr">
+                      <a:solidFill>
+                        <a:schemeClr val="tx1"/>
+                      </a:solidFill>
+                      <a:prstDash val="solid"/>
+                      <a:round/>
+                      <a:headEnd type="none" w="med" len="med"/>
+                      <a:tailEnd type="none" w="med" len="med"/>
+                    </a:lnR>
+                    <a:lnT w="3175" cap="flat" cmpd="sng" algn="ctr">
+                      <a:solidFill>
+                        <a:schemeClr val="tx1"/>
+                      </a:solidFill>
+                      <a:prstDash val="solid"/>
+                      <a:round/>
+                      <a:headEnd type="none" w="med" len="med"/>
+                      <a:tailEnd type="none" w="med" len="med"/>
+                    </a:lnT>
+                    <a:lnB w="3175" cap="flat" cmpd="sng" algn="ctr">
+                      <a:solidFill>
+                        <a:schemeClr val="tx1"/>
+                      </a:solidFill>
+                      <a:prstDash val="solid"/>
+                      <a:round/>
+                      <a:headEnd type="none" w="med" len="med"/>
+                      <a:tailEnd type="none" w="med" len="med"/>
+                    </a:lnB>
+                    <a:lnTlToBr w="12700" cmpd="sng">
+                      <a:noFill/>
+                      <a:prstDash val="solid"/>
+                    </a:lnTlToBr>
+                    <a:lnBlToTr w="12700" cmpd="sng">
+                      <a:noFill/>
+                      <a:prstDash val="solid"/>
+                    </a:lnBlToTr>
+                  </a:tcPr>
+                </a:tc>
+                <a:tc>
+                  <a:txBody>
+                    <a:bodyPr/>
+                    <a:lstStyle/>
+                    <a:p>
+                      <a:pPr lvl="1" algn="l">
+                        <a:lnSpc>
+                          <a:spcPct val="107000"/>
+                        </a:lnSpc>
+                        <a:spcAft>
+                          <a:spcPts val="800"/>
+                        </a:spcAft>
+                        <a:buNone/>
+                      </a:pPr>
+                      <a:r>
+                        <a:rPr lang="en-IN" sz="800" kern="100" dirty="0">
+                          <a:effectLst/>
+                        </a:rPr>
+                        <a:t>Application of Large Language Models to Software Engineering Tasks: Opportunities, Risks, and Implications</a:t>
+                      </a:r>
+                      <a:endParaRPr lang="en-IN" sz="800" kern="100" dirty="0">
+                        <a:effectLst/>
+                        <a:latin typeface="Calibri" panose="020F0502020204030204" pitchFamily="34" charset="0"/>
+                        <a:ea typeface="Calibri" panose="020F0502020204030204" pitchFamily="34" charset="0"/>
+                        <a:cs typeface="Times New Roman" panose="02020603050405020304" pitchFamily="18" charset="0"/>
+                      </a:endParaRPr>
+                    </a:p>
+                  </a:txBody>
+                  <a:tcPr anchor="ctr">
+                    <a:lnL w="3175" cap="flat" cmpd="sng" algn="ctr">
+                      <a:solidFill>
+                        <a:schemeClr val="tx1"/>
+                      </a:solidFill>
+                      <a:prstDash val="solid"/>
+                      <a:round/>
+                      <a:headEnd type="none" w="med" len="med"/>
+                      <a:tailEnd type="none" w="med" len="med"/>
+                    </a:lnL>
+                    <a:lnR w="3175" cap="flat" cmpd="sng" algn="ctr">
+                      <a:solidFill>
+                        <a:schemeClr val="tx1"/>
+                      </a:solidFill>
+                      <a:prstDash val="solid"/>
+                      <a:round/>
+                      <a:headEnd type="none" w="med" len="med"/>
+                      <a:tailEnd type="none" w="med" len="med"/>
+                    </a:lnR>
+                    <a:lnT w="3175" cap="flat" cmpd="sng" algn="ctr">
+                      <a:solidFill>
+                        <a:schemeClr val="tx1"/>
+                      </a:solidFill>
+                      <a:prstDash val="solid"/>
+                      <a:round/>
+                      <a:headEnd type="none" w="med" len="med"/>
+                      <a:tailEnd type="none" w="med" len="med"/>
+                    </a:lnT>
+                    <a:lnB w="3175" cap="flat" cmpd="sng" algn="ctr">
+                      <a:solidFill>
+                        <a:schemeClr val="tx1"/>
+                      </a:solidFill>
+                      <a:prstDash val="solid"/>
+                      <a:round/>
+                      <a:headEnd type="none" w="med" len="med"/>
+                      <a:tailEnd type="none" w="med" len="med"/>
+                    </a:lnB>
+                    <a:lnTlToBr w="12700" cmpd="sng">
+                      <a:noFill/>
+                      <a:prstDash val="solid"/>
+                    </a:lnTlToBr>
+                    <a:lnBlToTr w="12700" cmpd="sng">
+                      <a:noFill/>
+                      <a:prstDash val="solid"/>
+                    </a:lnBlToTr>
+                  </a:tcPr>
+                </a:tc>
+                <a:tc>
+                  <a:txBody>
+                    <a:bodyPr/>
+                    <a:lstStyle/>
+                    <a:p>
+                      <a:pPr>
+                        <a:lnSpc>
+                          <a:spcPct val="107000"/>
+                        </a:lnSpc>
+                        <a:spcAft>
+                          <a:spcPts val="800"/>
+                        </a:spcAft>
+                        <a:buNone/>
+                      </a:pPr>
+                      <a:r>
+                        <a:rPr lang="en-IN" sz="800" kern="100" dirty="0">
+                          <a:effectLst/>
+                        </a:rPr>
+                        <a:t>Multiple authors (IEEE Software)</a:t>
+                      </a:r>
+                      <a:endParaRPr lang="en-IN" sz="800" kern="100" dirty="0">
+                        <a:effectLst/>
+                        <a:latin typeface="Calibri" panose="020F0502020204030204" pitchFamily="34" charset="0"/>
+                        <a:ea typeface="Calibri" panose="020F0502020204030204" pitchFamily="34" charset="0"/>
+                        <a:cs typeface="Times New Roman" panose="02020603050405020304" pitchFamily="18" charset="0"/>
+                      </a:endParaRPr>
+                    </a:p>
+                  </a:txBody>
+                  <a:tcPr anchor="ctr">
+                    <a:lnL w="3175" cap="flat" cmpd="sng" algn="ctr">
+                      <a:solidFill>
+                        <a:schemeClr val="tx1"/>
+                      </a:solidFill>
+                      <a:prstDash val="solid"/>
+                      <a:round/>
+                      <a:headEnd type="none" w="med" len="med"/>
+                      <a:tailEnd type="none" w="med" len="med"/>
+                    </a:lnL>
+                    <a:lnR w="3175" cap="flat" cmpd="sng" algn="ctr">
+                      <a:solidFill>
+                        <a:schemeClr val="tx1"/>
+                      </a:solidFill>
+                      <a:prstDash val="solid"/>
+                      <a:round/>
+                      <a:headEnd type="none" w="med" len="med"/>
+                      <a:tailEnd type="none" w="med" len="med"/>
+                    </a:lnR>
+                    <a:lnT w="3175" cap="flat" cmpd="sng" algn="ctr">
+                      <a:solidFill>
+                        <a:schemeClr val="tx1"/>
+                      </a:solidFill>
+                      <a:prstDash val="solid"/>
+                      <a:round/>
+                      <a:headEnd type="none" w="med" len="med"/>
+                      <a:tailEnd type="none" w="med" len="med"/>
+                    </a:lnT>
+                    <a:lnB w="3175" cap="flat" cmpd="sng" algn="ctr">
+                      <a:solidFill>
+                        <a:schemeClr val="tx1"/>
+                      </a:solidFill>
+                      <a:prstDash val="solid"/>
+                      <a:round/>
+                      <a:headEnd type="none" w="med" len="med"/>
+                      <a:tailEnd type="none" w="med" len="med"/>
+                    </a:lnB>
+                    <a:lnTlToBr w="12700" cmpd="sng">
+                      <a:noFill/>
+                      <a:prstDash val="solid"/>
+                    </a:lnTlToBr>
+                    <a:lnBlToTr w="12700" cmpd="sng">
+                      <a:noFill/>
+                      <a:prstDash val="solid"/>
+                    </a:lnBlToTr>
+                  </a:tcPr>
+                </a:tc>
+                <a:tc>
+                  <a:txBody>
+                    <a:bodyPr/>
+                    <a:lstStyle/>
+                    <a:p>
+                      <a:pPr algn="just">
+                        <a:lnSpc>
+                          <a:spcPct val="107000"/>
+                        </a:lnSpc>
+                        <a:spcAft>
+                          <a:spcPts val="800"/>
+                        </a:spcAft>
+                        <a:buNone/>
+                      </a:pPr>
+                      <a:r>
+                        <a:rPr lang="en-IN" sz="800" kern="100" dirty="0">
+                          <a:effectLst/>
+                        </a:rPr>
+                        <a:t>Surveys how LLMs can automate coding, testing, and documentation. Advantage: Highlights productivity and low-code-like automation. Limitation: Raises concerns on trust, explainability, and legal compliance.</a:t>
+                      </a:r>
+                      <a:endParaRPr lang="en-IN" sz="800" kern="100" dirty="0">
+                        <a:effectLst/>
+                        <a:latin typeface="Calibri" panose="020F0502020204030204" pitchFamily="34" charset="0"/>
+                        <a:ea typeface="Calibri" panose="020F0502020204030204" pitchFamily="34" charset="0"/>
+                        <a:cs typeface="Times New Roman" panose="02020603050405020304" pitchFamily="18" charset="0"/>
+                      </a:endParaRPr>
+                    </a:p>
+                  </a:txBody>
+                  <a:tcPr anchor="ctr">
+                    <a:lnL w="3175" cap="flat" cmpd="sng" algn="ctr">
+                      <a:solidFill>
+                        <a:schemeClr val="tx1"/>
+                      </a:solidFill>
+                      <a:prstDash val="solid"/>
+                      <a:round/>
+                      <a:headEnd type="none" w="med" len="med"/>
+                      <a:tailEnd type="none" w="med" len="med"/>
+                    </a:lnL>
+                    <a:lnR w="3175" cap="flat" cmpd="sng" algn="ctr">
+                      <a:solidFill>
+                        <a:schemeClr val="tx1"/>
+                      </a:solidFill>
+                      <a:prstDash val="solid"/>
+                      <a:round/>
+                      <a:headEnd type="none" w="med" len="med"/>
+                      <a:tailEnd type="none" w="med" len="med"/>
+                    </a:lnR>
+                    <a:lnT w="3175" cap="flat" cmpd="sng" algn="ctr">
+                      <a:solidFill>
+                        <a:schemeClr val="tx1"/>
+                      </a:solidFill>
+                      <a:prstDash val="solid"/>
+                      <a:round/>
+                      <a:headEnd type="none" w="med" len="med"/>
+                      <a:tailEnd type="none" w="med" len="med"/>
+                    </a:lnT>
+                    <a:lnB w="3175" cap="flat" cmpd="sng" algn="ctr">
+                      <a:solidFill>
+                        <a:schemeClr val="tx1"/>
+                      </a:solidFill>
+                      <a:prstDash val="solid"/>
+                      <a:round/>
+                      <a:headEnd type="none" w="med" len="med"/>
+                      <a:tailEnd type="none" w="med" len="med"/>
+                    </a:lnB>
+                    <a:lnTlToBr w="12700" cmpd="sng">
+                      <a:noFill/>
+                      <a:prstDash val="solid"/>
+                    </a:lnTlToBr>
+                    <a:lnBlToTr w="12700" cmpd="sng">
+                      <a:noFill/>
+                      <a:prstDash val="solid"/>
+                    </a:lnBlToTr>
+                  </a:tcPr>
+                </a:tc>
+                <a:extLst>
+                  <a:ext uri="{0D108BD9-81ED-4DB2-BD59-A6C34878D82A}">
+                    <a16:rowId xmlns:a16="http://schemas.microsoft.com/office/drawing/2014/main" val="3240612881"/>
+                  </a:ext>
+                </a:extLst>
+              </a:tr>
+              <a:tr h="769107">
+                <a:tc>
+                  <a:txBody>
+                    <a:bodyPr/>
+                    <a:lstStyle/>
+                    <a:p>
+                      <a:pPr algn="ctr">
+                        <a:lnSpc>
+                          <a:spcPct val="107000"/>
+                        </a:lnSpc>
+                        <a:spcAft>
+                          <a:spcPts val="800"/>
+                        </a:spcAft>
+                        <a:buNone/>
+                      </a:pPr>
+                      <a:r>
+                        <a:rPr lang="en-IN" sz="800" kern="100" dirty="0">
+                          <a:effectLst/>
+                        </a:rPr>
+                        <a:t>6</a:t>
+                      </a:r>
+                      <a:endParaRPr lang="en-IN" sz="800" kern="100" dirty="0">
+                        <a:effectLst/>
+                        <a:latin typeface="Calibri" panose="020F0502020204030204" pitchFamily="34" charset="0"/>
+                        <a:ea typeface="Calibri" panose="020F0502020204030204" pitchFamily="34" charset="0"/>
+                        <a:cs typeface="Times New Roman" panose="02020603050405020304" pitchFamily="18" charset="0"/>
+                      </a:endParaRPr>
+                    </a:p>
+                  </a:txBody>
+                  <a:tcPr marL="4931" marR="4931" marT="4931" marB="4931" anchor="ctr">
+                    <a:lnL w="3175" cap="flat" cmpd="sng" algn="ctr">
+                      <a:solidFill>
+                        <a:schemeClr val="tx1"/>
+                      </a:solidFill>
+                      <a:prstDash val="solid"/>
+                      <a:round/>
+                      <a:headEnd type="none" w="med" len="med"/>
+                      <a:tailEnd type="none" w="med" len="med"/>
+                    </a:lnL>
+                    <a:lnR w="3175" cap="flat" cmpd="sng" algn="ctr">
+                      <a:solidFill>
+                        <a:schemeClr val="tx1"/>
+                      </a:solidFill>
+                      <a:prstDash val="solid"/>
+                      <a:round/>
+                      <a:headEnd type="none" w="med" len="med"/>
+                      <a:tailEnd type="none" w="med" len="med"/>
+                    </a:lnR>
+                    <a:lnT w="3175" cap="flat" cmpd="sng" algn="ctr">
+                      <a:solidFill>
+                        <a:schemeClr val="tx1"/>
+                      </a:solidFill>
+                      <a:prstDash val="solid"/>
+                      <a:round/>
+                      <a:headEnd type="none" w="med" len="med"/>
+                      <a:tailEnd type="none" w="med" len="med"/>
+                    </a:lnT>
+                    <a:lnB w="3175" cap="flat" cmpd="sng" algn="ctr">
+                      <a:solidFill>
+                        <a:schemeClr val="tx1"/>
+                      </a:solidFill>
+                      <a:prstDash val="solid"/>
+                      <a:round/>
+                      <a:headEnd type="none" w="med" len="med"/>
+                      <a:tailEnd type="none" w="med" len="med"/>
+                    </a:lnB>
+                    <a:lnTlToBr w="12700" cmpd="sng">
+                      <a:noFill/>
+                      <a:prstDash val="solid"/>
+                    </a:lnTlToBr>
+                    <a:lnBlToTr w="12700" cmpd="sng">
+                      <a:noFill/>
+                      <a:prstDash val="solid"/>
+                    </a:lnBlToTr>
+                  </a:tcPr>
+                </a:tc>
+                <a:tc>
+                  <a:txBody>
+                    <a:bodyPr/>
+                    <a:lstStyle/>
+                    <a:p>
+                      <a:pPr lvl="1" algn="ctr">
+                        <a:lnSpc>
+                          <a:spcPct val="107000"/>
+                        </a:lnSpc>
+                        <a:spcAft>
+                          <a:spcPts val="800"/>
+                        </a:spcAft>
+                        <a:buNone/>
+                      </a:pPr>
+                      <a:r>
+                        <a:rPr lang="en-IN" sz="800" kern="100" dirty="0">
+                          <a:effectLst/>
+                          <a:latin typeface="Calibri" panose="020F0502020204030204" pitchFamily="34" charset="0"/>
+                          <a:ea typeface="Calibri" panose="020F0502020204030204" pitchFamily="34" charset="0"/>
+                          <a:cs typeface="Times New Roman" panose="02020603050405020304" pitchFamily="18" charset="0"/>
+                        </a:rPr>
+                        <a:t>2023</a:t>
+                      </a:r>
+                    </a:p>
+                  </a:txBody>
+                  <a:tcPr anchor="ctr">
+                    <a:lnL w="3175" cap="flat" cmpd="sng" algn="ctr">
+                      <a:solidFill>
+                        <a:schemeClr val="tx1"/>
+                      </a:solidFill>
+                      <a:prstDash val="solid"/>
+                      <a:round/>
+                      <a:headEnd type="none" w="med" len="med"/>
+                      <a:tailEnd type="none" w="med" len="med"/>
+                    </a:lnL>
+                    <a:lnR w="3175" cap="flat" cmpd="sng" algn="ctr">
+                      <a:solidFill>
+                        <a:schemeClr val="tx1"/>
+                      </a:solidFill>
+                      <a:prstDash val="solid"/>
+                      <a:round/>
+                      <a:headEnd type="none" w="med" len="med"/>
+                      <a:tailEnd type="none" w="med" len="med"/>
+                    </a:lnR>
+                    <a:lnT w="3175" cap="flat" cmpd="sng" algn="ctr">
+                      <a:solidFill>
+                        <a:schemeClr val="tx1"/>
+                      </a:solidFill>
+                      <a:prstDash val="solid"/>
+                      <a:round/>
+                      <a:headEnd type="none" w="med" len="med"/>
+                      <a:tailEnd type="none" w="med" len="med"/>
+                    </a:lnT>
+                    <a:lnB w="3175" cap="flat" cmpd="sng" algn="ctr">
+                      <a:solidFill>
+                        <a:schemeClr val="tx1"/>
+                      </a:solidFill>
+                      <a:prstDash val="solid"/>
+                      <a:round/>
+                      <a:headEnd type="none" w="med" len="med"/>
+                      <a:tailEnd type="none" w="med" len="med"/>
+                    </a:lnB>
+                    <a:lnTlToBr w="12700" cmpd="sng">
+                      <a:noFill/>
+                      <a:prstDash val="solid"/>
+                    </a:lnTlToBr>
+                    <a:lnBlToTr w="12700" cmpd="sng">
+                      <a:noFill/>
+                      <a:prstDash val="solid"/>
+                    </a:lnBlToTr>
+                  </a:tcPr>
+                </a:tc>
+                <a:tc>
+                  <a:txBody>
+                    <a:bodyPr/>
+                    <a:lstStyle/>
+                    <a:p>
+                      <a:pPr lvl="1" algn="l">
+                        <a:lnSpc>
+                          <a:spcPct val="107000"/>
+                        </a:lnSpc>
+                        <a:spcAft>
+                          <a:spcPts val="800"/>
+                        </a:spcAft>
+                        <a:buNone/>
+                      </a:pPr>
+                      <a:r>
+                        <a:rPr lang="en-IN" sz="800" kern="100" dirty="0">
+                          <a:effectLst/>
+                        </a:rPr>
+                        <a:t>The Next Frontier in Software Development: AI-Augmented Software Development Processes</a:t>
+                      </a:r>
+                      <a:endParaRPr lang="en-IN" sz="800" kern="100" dirty="0">
+                        <a:effectLst/>
+                        <a:latin typeface="Calibri" panose="020F0502020204030204" pitchFamily="34" charset="0"/>
+                        <a:ea typeface="Calibri" panose="020F0502020204030204" pitchFamily="34" charset="0"/>
+                        <a:cs typeface="Times New Roman" panose="02020603050405020304" pitchFamily="18" charset="0"/>
+                      </a:endParaRPr>
+                    </a:p>
+                  </a:txBody>
+                  <a:tcPr anchor="ctr">
+                    <a:lnL w="3175" cap="flat" cmpd="sng" algn="ctr">
+                      <a:solidFill>
+                        <a:schemeClr val="tx1"/>
+                      </a:solidFill>
+                      <a:prstDash val="solid"/>
+                      <a:round/>
+                      <a:headEnd type="none" w="med" len="med"/>
+                      <a:tailEnd type="none" w="med" len="med"/>
+                    </a:lnL>
+                    <a:lnR w="3175" cap="flat" cmpd="sng" algn="ctr">
+                      <a:solidFill>
+                        <a:schemeClr val="tx1"/>
+                      </a:solidFill>
+                      <a:prstDash val="solid"/>
+                      <a:round/>
+                      <a:headEnd type="none" w="med" len="med"/>
+                      <a:tailEnd type="none" w="med" len="med"/>
+                    </a:lnR>
+                    <a:lnT w="3175" cap="flat" cmpd="sng" algn="ctr">
+                      <a:solidFill>
+                        <a:schemeClr val="tx1"/>
+                      </a:solidFill>
+                      <a:prstDash val="solid"/>
+                      <a:round/>
+                      <a:headEnd type="none" w="med" len="med"/>
+                      <a:tailEnd type="none" w="med" len="med"/>
+                    </a:lnT>
+                    <a:lnB w="3175" cap="flat" cmpd="sng" algn="ctr">
+                      <a:solidFill>
+                        <a:schemeClr val="tx1"/>
+                      </a:solidFill>
+                      <a:prstDash val="solid"/>
+                      <a:round/>
+                      <a:headEnd type="none" w="med" len="med"/>
+                      <a:tailEnd type="none" w="med" len="med"/>
+                    </a:lnB>
+                    <a:lnTlToBr w="12700" cmpd="sng">
+                      <a:noFill/>
+                      <a:prstDash val="solid"/>
+                    </a:lnTlToBr>
+                    <a:lnBlToTr w="12700" cmpd="sng">
+                      <a:noFill/>
+                      <a:prstDash val="solid"/>
+                    </a:lnBlToTr>
+                  </a:tcPr>
+                </a:tc>
+                <a:tc>
+                  <a:txBody>
+                    <a:bodyPr/>
+                    <a:lstStyle/>
+                    <a:p>
+                      <a:pPr>
+                        <a:lnSpc>
+                          <a:spcPct val="107000"/>
+                        </a:lnSpc>
+                        <a:spcAft>
+                          <a:spcPts val="800"/>
+                        </a:spcAft>
+                        <a:buNone/>
+                      </a:pPr>
+                      <a:r>
+                        <a:rPr lang="en-IN" sz="800" kern="100" dirty="0">
+                          <a:effectLst/>
+                        </a:rPr>
+                        <a:t>IEEE Software Editorial Board</a:t>
+                      </a:r>
+                      <a:endParaRPr lang="en-IN" sz="800" kern="100" dirty="0">
+                        <a:effectLst/>
+                        <a:latin typeface="Calibri" panose="020F0502020204030204" pitchFamily="34" charset="0"/>
+                        <a:ea typeface="Calibri" panose="020F0502020204030204" pitchFamily="34" charset="0"/>
+                        <a:cs typeface="Times New Roman" panose="02020603050405020304" pitchFamily="18" charset="0"/>
+                      </a:endParaRPr>
+                    </a:p>
+                  </a:txBody>
+                  <a:tcPr anchor="ctr">
+                    <a:lnL w="3175" cap="flat" cmpd="sng" algn="ctr">
+                      <a:solidFill>
+                        <a:schemeClr val="tx1"/>
+                      </a:solidFill>
+                      <a:prstDash val="solid"/>
+                      <a:round/>
+                      <a:headEnd type="none" w="med" len="med"/>
+                      <a:tailEnd type="none" w="med" len="med"/>
+                    </a:lnL>
+                    <a:lnR w="3175" cap="flat" cmpd="sng" algn="ctr">
+                      <a:solidFill>
+                        <a:schemeClr val="tx1"/>
+                      </a:solidFill>
+                      <a:prstDash val="solid"/>
+                      <a:round/>
+                      <a:headEnd type="none" w="med" len="med"/>
+                      <a:tailEnd type="none" w="med" len="med"/>
+                    </a:lnR>
+                    <a:lnT w="3175" cap="flat" cmpd="sng" algn="ctr">
+                      <a:solidFill>
+                        <a:schemeClr val="tx1"/>
+                      </a:solidFill>
+                      <a:prstDash val="solid"/>
+                      <a:round/>
+                      <a:headEnd type="none" w="med" len="med"/>
+                      <a:tailEnd type="none" w="med" len="med"/>
+                    </a:lnT>
+                    <a:lnB w="3175" cap="flat" cmpd="sng" algn="ctr">
+                      <a:solidFill>
+                        <a:schemeClr val="tx1"/>
+                      </a:solidFill>
+                      <a:prstDash val="solid"/>
+                      <a:round/>
+                      <a:headEnd type="none" w="med" len="med"/>
+                      <a:tailEnd type="none" w="med" len="med"/>
+                    </a:lnB>
+                    <a:lnTlToBr w="12700" cmpd="sng">
+                      <a:noFill/>
+                      <a:prstDash val="solid"/>
+                    </a:lnTlToBr>
+                    <a:lnBlToTr w="12700" cmpd="sng">
+                      <a:noFill/>
+                      <a:prstDash val="solid"/>
+                    </a:lnBlToTr>
+                  </a:tcPr>
+                </a:tc>
+                <a:tc>
+                  <a:txBody>
+                    <a:bodyPr/>
+                    <a:lstStyle/>
+                    <a:p>
+                      <a:pPr algn="just">
+                        <a:lnSpc>
+                          <a:spcPct val="107000"/>
+                        </a:lnSpc>
+                        <a:spcAft>
+                          <a:spcPts val="800"/>
+                        </a:spcAft>
+                        <a:buNone/>
+                      </a:pPr>
+                      <a:r>
+                        <a:rPr lang="en-IN" sz="800" kern="100" dirty="0">
+                          <a:effectLst/>
+                        </a:rPr>
+                        <a:t>Argues LLMs can accelerate no-code/low-code development by automating repetitive tasks. Advantage: Establishes LLMs as co-developers. Limitation: Discusses opportunities broadly, without specific RAG or conversational AI focus.</a:t>
+                      </a:r>
+                      <a:endParaRPr lang="en-IN" sz="800" kern="100" dirty="0">
+                        <a:effectLst/>
+                        <a:latin typeface="Calibri" panose="020F0502020204030204" pitchFamily="34" charset="0"/>
+                        <a:ea typeface="Calibri" panose="020F0502020204030204" pitchFamily="34" charset="0"/>
+                        <a:cs typeface="Times New Roman" panose="02020603050405020304" pitchFamily="18" charset="0"/>
+                      </a:endParaRPr>
+                    </a:p>
+                  </a:txBody>
+                  <a:tcPr anchor="ctr">
+                    <a:lnL w="3175" cap="flat" cmpd="sng" algn="ctr">
+                      <a:solidFill>
+                        <a:schemeClr val="tx1"/>
+                      </a:solidFill>
+                      <a:prstDash val="solid"/>
+                      <a:round/>
+                      <a:headEnd type="none" w="med" len="med"/>
+                      <a:tailEnd type="none" w="med" len="med"/>
+                    </a:lnL>
+                    <a:lnR w="3175" cap="flat" cmpd="sng" algn="ctr">
+                      <a:solidFill>
+                        <a:schemeClr val="tx1"/>
+                      </a:solidFill>
+                      <a:prstDash val="solid"/>
+                      <a:round/>
+                      <a:headEnd type="none" w="med" len="med"/>
+                      <a:tailEnd type="none" w="med" len="med"/>
+                    </a:lnR>
+                    <a:lnT w="3175" cap="flat" cmpd="sng" algn="ctr">
+                      <a:solidFill>
+                        <a:schemeClr val="tx1"/>
+                      </a:solidFill>
+                      <a:prstDash val="solid"/>
+                      <a:round/>
+                      <a:headEnd type="none" w="med" len="med"/>
+                      <a:tailEnd type="none" w="med" len="med"/>
+                    </a:lnT>
+                    <a:lnB w="3175" cap="flat" cmpd="sng" algn="ctr">
+                      <a:solidFill>
+                        <a:schemeClr val="tx1"/>
+                      </a:solidFill>
+                      <a:prstDash val="solid"/>
+                      <a:round/>
+                      <a:headEnd type="none" w="med" len="med"/>
+                      <a:tailEnd type="none" w="med" len="med"/>
+                    </a:lnB>
+                    <a:lnTlToBr w="12700" cmpd="sng">
+                      <a:noFill/>
+                      <a:prstDash val="solid"/>
+                    </a:lnTlToBr>
+                    <a:lnBlToTr w="12700" cmpd="sng">
+                      <a:noFill/>
+                      <a:prstDash val="solid"/>
+                    </a:lnBlToTr>
+                  </a:tcPr>
+                </a:tc>
+                <a:extLst>
+                  <a:ext uri="{0D108BD9-81ED-4DB2-BD59-A6C34878D82A}">
+                    <a16:rowId xmlns:a16="http://schemas.microsoft.com/office/drawing/2014/main" val="3561087582"/>
+                  </a:ext>
+                </a:extLst>
+              </a:tr>
+            </a:tbl>
+          </a:graphicData>
+        </a:graphic>
+      </p:graphicFrame>
+    </p:spTree>
+  </p:cSld>
+  <p:clrMapOvr>
+    <a:masterClrMapping/>
+  </p:clrMapOvr>
+  <p:transition>
+    <p:fade thruBlk="1"/>
+  </p:transition>
+</p:sld>
+</file>
+
+<file path=ppt/slides/slide12.xml><?xml version="1.0" encoding="utf-8"?>
+<p:sld xmlns:a="http://schemas.openxmlformats.org/drawingml/2006/main" xmlns:r="http://schemas.openxmlformats.org/officeDocument/2006/relationships" xmlns:p="http://schemas.openxmlformats.org/presentationml/2006/main">
+  <p:cSld>
+    <p:spTree>
+      <p:nvGrpSpPr>
+        <p:cNvPr id="1" name="Shape 858">
+          <a:extLst>
+            <a:ext uri="{FF2B5EF4-FFF2-40B4-BE49-F238E27FC236}">
+              <a16:creationId xmlns:a16="http://schemas.microsoft.com/office/drawing/2014/main" id="{F47E3412-4C48-D333-46EC-BF59B45717BB}"/>
+            </a:ext>
+          </a:extLst>
+        </p:cNvPr>
+        <p:cNvGrpSpPr/>
+        <p:nvPr/>
+      </p:nvGrpSpPr>
+      <p:grpSpPr>
+        <a:xfrm>
+          <a:off x="0" y="0"/>
+          <a:ext cx="0" cy="0"/>
+          <a:chOff x="0" y="0"/>
+          <a:chExt cx="0" cy="0"/>
+        </a:xfrm>
+      </p:grpSpPr>
+      <p:sp>
+        <p:nvSpPr>
+          <p:cNvPr id="859" name="Google Shape;859;p76">
+            <a:extLst>
+              <a:ext uri="{FF2B5EF4-FFF2-40B4-BE49-F238E27FC236}">
+                <a16:creationId xmlns:a16="http://schemas.microsoft.com/office/drawing/2014/main" id="{8047DEF5-2BAE-9A1F-1DD2-EE762DD7D6CB}"/>
+              </a:ext>
+            </a:extLst>
+          </p:cNvPr>
+          <p:cNvSpPr txBox="1">
+            <a:spLocks noGrp="1"/>
+          </p:cNvSpPr>
+          <p:nvPr>
+            <p:ph type="sldNum" idx="12"/>
+          </p:nvPr>
+        </p:nvSpPr>
+        <p:spPr>
+          <a:xfrm>
+            <a:off x="8404384" y="4673651"/>
+            <a:ext cx="548700" cy="393600"/>
+          </a:xfrm>
+          <a:prstGeom prst="rect">
+            <a:avLst/>
+          </a:prstGeom>
+          <a:noFill/>
+          <a:ln>
+            <a:noFill/>
+          </a:ln>
+        </p:spPr>
+        <p:txBody>
+          <a:bodyPr spcFirstLastPara="1" wrap="square" lIns="0" tIns="0" rIns="0" bIns="0" anchor="ctr" anchorCtr="0">
+            <a:noAutofit/>
+          </a:bodyPr>
+          <a:lstStyle/>
+          <a:p>
+            <a:pPr marL="0" lvl="0" indent="0" algn="r" rtl="0">
+              <a:lnSpc>
+                <a:spcPct val="100000"/>
+              </a:lnSpc>
+              <a:spcBef>
+                <a:spcPts val="0"/>
+              </a:spcBef>
+              <a:spcAft>
+                <a:spcPts val="0"/>
+              </a:spcAft>
+              <a:buSzPts val="1500"/>
+              <a:buNone/>
+            </a:pPr>
+            <a:fld id="{00000000-1234-1234-1234-123412341234}" type="slidenum">
+              <a:rPr lang="en-US">
+                <a:solidFill>
+                  <a:schemeClr val="dk1"/>
+                </a:solidFill>
+              </a:rPr>
+              <a:t>12</a:t>
+            </a:fld>
+            <a:endParaRPr>
+              <a:solidFill>
+                <a:schemeClr val="dk1"/>
+              </a:solidFill>
+            </a:endParaRPr>
+          </a:p>
+        </p:txBody>
+      </p:sp>
+      <p:sp>
+        <p:nvSpPr>
+          <p:cNvPr id="860" name="Google Shape;860;p76">
+            <a:extLst>
+              <a:ext uri="{FF2B5EF4-FFF2-40B4-BE49-F238E27FC236}">
+                <a16:creationId xmlns:a16="http://schemas.microsoft.com/office/drawing/2014/main" id="{23B9E730-B3AC-89D7-8365-0757A023A02D}"/>
+              </a:ext>
+            </a:extLst>
+          </p:cNvPr>
+          <p:cNvSpPr/>
+          <p:nvPr/>
+        </p:nvSpPr>
+        <p:spPr>
+          <a:xfrm>
+            <a:off x="813660" y="970303"/>
+            <a:ext cx="7644968" cy="412750"/>
+          </a:xfrm>
+          <a:prstGeom prst="rect">
+            <a:avLst/>
+          </a:prstGeom>
+          <a:noFill/>
+          <a:ln>
+            <a:noFill/>
+          </a:ln>
+        </p:spPr>
+        <p:txBody>
+          <a:bodyPr spcFirstLastPara="1" wrap="square" lIns="91425" tIns="45700" rIns="91425" bIns="45700" anchor="t" anchorCtr="0">
+            <a:spAutoFit/>
+          </a:bodyPr>
+          <a:lstStyle/>
+          <a:p>
+            <a:pPr marL="0" marR="0" lvl="0" indent="0" algn="l" rtl="0">
+              <a:lnSpc>
+                <a:spcPct val="150000"/>
+              </a:lnSpc>
+              <a:spcBef>
+                <a:spcPts val="0"/>
+              </a:spcBef>
+              <a:spcAft>
+                <a:spcPts val="0"/>
+              </a:spcAft>
+              <a:buNone/>
+            </a:pPr>
+            <a:endParaRPr sz="1400" b="0" i="0" u="none" strike="noStrike" cap="none">
+              <a:solidFill>
+                <a:srgbClr val="000000"/>
+              </a:solidFill>
+              <a:latin typeface="Times New Roman" panose="02020603050405020304"/>
+              <a:ea typeface="Times New Roman" panose="02020603050405020304"/>
+              <a:cs typeface="Times New Roman" panose="02020603050405020304"/>
+              <a:sym typeface="Times New Roman" panose="02020603050405020304"/>
+            </a:endParaRPr>
+          </a:p>
+        </p:txBody>
+      </p:sp>
+      <p:sp>
+        <p:nvSpPr>
+          <p:cNvPr id="861" name="Google Shape;861;p76">
+            <a:extLst>
+              <a:ext uri="{FF2B5EF4-FFF2-40B4-BE49-F238E27FC236}">
+                <a16:creationId xmlns:a16="http://schemas.microsoft.com/office/drawing/2014/main" id="{E780BEA0-0D52-DCDF-6A29-EFBD3C96B73A}"/>
+              </a:ext>
+            </a:extLst>
+          </p:cNvPr>
+          <p:cNvSpPr txBox="1"/>
+          <p:nvPr/>
+        </p:nvSpPr>
+        <p:spPr>
+          <a:xfrm>
             <a:off x="424158" y="342573"/>
             <a:ext cx="7049322" cy="466968"/>
           </a:xfrm>
@@ -10360,7 +16702,7 @@
           <p:cNvPr id="3" name="TextBox 2">
             <a:extLst>
               <a:ext uri="{FF2B5EF4-FFF2-40B4-BE49-F238E27FC236}">
-                <a16:creationId xmlns:a16="http://schemas.microsoft.com/office/drawing/2014/main" id="{75A29F04-9BFB-9AB5-D297-2F136C6E8467}"/>
+                <a16:creationId xmlns:a16="http://schemas.microsoft.com/office/drawing/2014/main" id="{E750E570-D2EC-F0DD-07BC-E322A5D8B546}"/>
               </a:ext>
             </a:extLst>
           </p:cNvPr>
@@ -10503,6 +16845,11 @@
         </p:txBody>
       </p:sp>
     </p:spTree>
+    <p:extLst>
+      <p:ext uri="{BB962C8B-B14F-4D97-AF65-F5344CB8AC3E}">
+        <p14:creationId xmlns:p14="http://schemas.microsoft.com/office/powerpoint/2010/main" val="2946132684"/>
+      </p:ext>
+    </p:extLst>
   </p:cSld>
   <p:clrMapOvr>
     <a:masterClrMapping/>
@@ -10513,7 +16860,7 @@
 </p:sld>
 </file>
 
-<file path=ppt/slides/slide11.xml><?xml version="1.0" encoding="utf-8"?>
+<file path=ppt/slides/slide13.xml><?xml version="1.0" encoding="utf-8"?>
 <p:sld xmlns:a="http://schemas.openxmlformats.org/drawingml/2006/main" xmlns:r="http://schemas.openxmlformats.org/officeDocument/2006/relationships" xmlns:p="http://schemas.openxmlformats.org/presentationml/2006/main">
   <p:cSld>
     <p:spTree>
@@ -10590,7 +16937,7 @@
                   <a:schemeClr val="dk1"/>
                 </a:solidFill>
               </a:rPr>
-              <a:t>11</a:t>
+              <a:t>13</a:t>
             </a:fld>
             <a:endParaRPr>
               <a:solidFill>
@@ -10902,7 +17249,7 @@
 </p:sld>
 </file>
 
-<file path=ppt/slides/slide12.xml><?xml version="1.0" encoding="utf-8"?>
+<file path=ppt/slides/slide14.xml><?xml version="1.0" encoding="utf-8"?>
 <p:sld xmlns:a="http://schemas.openxmlformats.org/drawingml/2006/main" xmlns:r="http://schemas.openxmlformats.org/officeDocument/2006/relationships" xmlns:p="http://schemas.openxmlformats.org/presentationml/2006/main">
   <p:cSld>
     <p:spTree>
@@ -10979,7 +17326,7 @@
                   <a:schemeClr val="dk1"/>
                 </a:solidFill>
               </a:rPr>
-              <a:t>12</a:t>
+              <a:t>14</a:t>
             </a:fld>
             <a:endParaRPr>
               <a:solidFill>
@@ -11300,7 +17647,7 @@
 </p:sld>
 </file>
 
-<file path=ppt/slides/slide13.xml><?xml version="1.0" encoding="utf-8"?>
+<file path=ppt/slides/slide15.xml><?xml version="1.0" encoding="utf-8"?>
 <p:sld xmlns:a="http://schemas.openxmlformats.org/drawingml/2006/main" xmlns:r="http://schemas.openxmlformats.org/officeDocument/2006/relationships" xmlns:p="http://schemas.openxmlformats.org/presentationml/2006/main">
   <p:cSld>
     <p:spTree>
@@ -11377,7 +17724,7 @@
                   <a:schemeClr val="dk1"/>
                 </a:solidFill>
               </a:rPr>
-              <a:t>13</a:t>
+              <a:t>15</a:t>
             </a:fld>
             <a:endParaRPr>
               <a:solidFill>
@@ -11701,7 +18048,7 @@
 </p:sld>
 </file>
 
-<file path=ppt/slides/slide14.xml><?xml version="1.0" encoding="utf-8"?>
+<file path=ppt/slides/slide16.xml><?xml version="1.0" encoding="utf-8"?>
 <p:sld xmlns:a="http://schemas.openxmlformats.org/drawingml/2006/main" xmlns:r="http://schemas.openxmlformats.org/officeDocument/2006/relationships" xmlns:p="http://schemas.openxmlformats.org/presentationml/2006/main">
   <p:cSld>
     <p:spTree>
@@ -11836,7 +18183,7 @@
                   <a:schemeClr val="dk1"/>
                 </a:solidFill>
               </a:rPr>
-              <a:t>14</a:t>
+              <a:t>16</a:t>
             </a:fld>
             <a:endParaRPr>
               <a:solidFill>
@@ -13026,7 +19373,7 @@
 </p:sld>
 </file>
 
-<file path=ppt/slides/slide15.xml><?xml version="1.0" encoding="utf-8"?>
+<file path=ppt/slides/slide17.xml><?xml version="1.0" encoding="utf-8"?>
 <p:sld xmlns:a="http://schemas.openxmlformats.org/drawingml/2006/main" xmlns:r="http://schemas.openxmlformats.org/officeDocument/2006/relationships" xmlns:p="http://schemas.openxmlformats.org/presentationml/2006/main">
   <p:cSld>
     <p:spTree>
